--- a/src/assets/documents/EOC Development Tool/5 - How do we operate our EOC/operate-5-2020-eoc-covid-19-operations-guide.pptx
+++ b/src/assets/documents/EOC Development Tool/5 - How do we operate our EOC/operate-5-2020-eoc-covid-19-operations-guide.pptx
@@ -50,7 +50,7 @@
       <p:boldItalic r:id="rId39"/>
     </p:embeddedFont>
     <p:embeddedFont>
-      <p:font typeface="Myriad Web Pro" panose="020B0604020202020204" charset="0"/>
+      <p:font typeface="Myriad Web Pro" panose="020B0503030403020204" pitchFamily="34" charset="77"/>
       <p:regular r:id="rId40"/>
       <p:bold r:id="rId41"/>
       <p:italic r:id="rId42"/>
@@ -2448,7 +2448,7 @@
               <a:pPr>
                 <a:defRPr/>
               </a:pPr>
-              <a:t>6/17/2020</a:t>
+              <a:t>6/26/20</a:t>
             </a:fld>
             <a:endParaRPr lang="en-US"/>
           </a:p>
@@ -5664,36 +5664,6 @@
           </a:p>
         </p:txBody>
       </p:sp>
-      <p:pic>
-        <p:nvPicPr>
-          <p:cNvPr id="17" name="Picture 16" descr="Logos of the U.S. Department of Health and Human Services and Centers for Disease Control and Prevention" title="LOGOS"/>
-          <p:cNvPicPr>
-            <a:picLocks noChangeAspect="1"/>
-          </p:cNvPicPr>
-          <p:nvPr userDrawn="1"/>
-        </p:nvPicPr>
-        <p:blipFill>
-          <a:blip r:embed="rId3" cstate="print">
-            <a:extLst>
-              <a:ext uri="{28A0092B-C50C-407E-A947-70E740481C1C}">
-                <a14:useLocalDpi xmlns:a14="http://schemas.microsoft.com/office/drawing/2010/main" val="0"/>
-              </a:ext>
-            </a:extLst>
-          </a:blip>
-          <a:stretch>
-            <a:fillRect/>
-          </a:stretch>
-        </p:blipFill>
-        <p:spPr>
-          <a:xfrm>
-            <a:off x="163439" y="4280109"/>
-            <a:ext cx="1254584" cy="719251"/>
-          </a:xfrm>
-          <a:prstGeom prst="rect">
-            <a:avLst/>
-          </a:prstGeom>
-        </p:spPr>
-      </p:pic>
       <p:sp>
         <p:nvSpPr>
           <p:cNvPr id="4" name="TextBox 3">
@@ -5887,6 +5857,177 @@
           </p:txBody>
         </p:sp>
       </p:grpSp>
+      <p:sp>
+        <p:nvSpPr>
+          <p:cNvPr id="19" name="Rounded Rectangle 18">
+            <a:extLst>
+              <a:ext uri="{FF2B5EF4-FFF2-40B4-BE49-F238E27FC236}">
+                <a16:creationId xmlns:a16="http://schemas.microsoft.com/office/drawing/2014/main" id="{DD42CB06-7F41-0D42-A8A2-F388ECF85F24}"/>
+              </a:ext>
+            </a:extLst>
+          </p:cNvPr>
+          <p:cNvSpPr/>
+          <p:nvPr userDrawn="1"/>
+        </p:nvSpPr>
+        <p:spPr>
+          <a:xfrm>
+            <a:off x="495300" y="4702175"/>
+            <a:ext cx="4457700" cy="352852"/>
+          </a:xfrm>
+          <a:prstGeom prst="roundRect">
+            <a:avLst>
+              <a:gd name="adj" fmla="val 0"/>
+            </a:avLst>
+          </a:prstGeom>
+          <a:solidFill>
+            <a:srgbClr val="FFFFFF"/>
+          </a:solidFill>
+          <a:ln>
+            <a:noFill/>
+          </a:ln>
+        </p:spPr>
+        <p:style>
+          <a:lnRef idx="2">
+            <a:schemeClr val="accent1">
+              <a:shade val="50000"/>
+            </a:schemeClr>
+          </a:lnRef>
+          <a:fillRef idx="1">
+            <a:schemeClr val="accent1"/>
+          </a:fillRef>
+          <a:effectRef idx="0">
+            <a:schemeClr val="accent1"/>
+          </a:effectRef>
+          <a:fontRef idx="minor">
+            <a:schemeClr val="lt1"/>
+          </a:fontRef>
+        </p:style>
+        <p:txBody>
+          <a:bodyPr lIns="0" tIns="0" rIns="0" bIns="0" rtlCol="0" anchor="b" anchorCtr="0"/>
+          <a:lstStyle/>
+          <a:p>
+            <a:r>
+              <a:rPr lang="en-US" sz="800" dirty="0">
+                <a:solidFill>
+                  <a:srgbClr val="2D2D2D"/>
+                </a:solidFill>
+                <a:latin typeface="Calibri" panose="020F0502020204030204" pitchFamily="34" charset="0"/>
+              </a:rPr>
+              <a:t>The mark “CDC” is owned by the US Dept. of Health and Human Services and is used with permission.</a:t>
+            </a:r>
+          </a:p>
+          <a:p>
+            <a:r>
+              <a:rPr lang="en-US" sz="800" dirty="0">
+                <a:solidFill>
+                  <a:srgbClr val="2D2D2D"/>
+                </a:solidFill>
+                <a:latin typeface="Calibri" panose="020F0502020204030204" pitchFamily="34" charset="0"/>
+              </a:rPr>
+              <a:t>Use of this logo is not an endorsement by HHS or CDC of any particular product, service, or enterprise.</a:t>
+            </a:r>
+          </a:p>
+        </p:txBody>
+      </p:sp>
+      <p:sp>
+        <p:nvSpPr>
+          <p:cNvPr id="17" name="Rounded Rectangle 16">
+            <a:extLst>
+              <a:ext uri="{FF2B5EF4-FFF2-40B4-BE49-F238E27FC236}">
+                <a16:creationId xmlns:a16="http://schemas.microsoft.com/office/drawing/2014/main" id="{EC224502-6691-EA4E-AF33-DD58E4233863}"/>
+              </a:ext>
+              <a:ext uri="{C183D7F6-B498-43B3-948B-1728B52AA6E4}">
+                <adec:decorative xmlns:adec="http://schemas.microsoft.com/office/drawing/2017/decorative" val="1"/>
+              </a:ext>
+            </a:extLst>
+          </p:cNvPr>
+          <p:cNvSpPr/>
+          <p:nvPr userDrawn="1"/>
+        </p:nvSpPr>
+        <p:spPr>
+          <a:xfrm>
+            <a:off x="448071" y="3752495"/>
+            <a:ext cx="2202419" cy="779487"/>
+          </a:xfrm>
+          <a:prstGeom prst="roundRect">
+            <a:avLst>
+              <a:gd name="adj" fmla="val 20191"/>
+            </a:avLst>
+          </a:prstGeom>
+          <a:blipFill>
+            <a:blip r:embed="rId3"/>
+            <a:stretch>
+              <a:fillRect/>
+            </a:stretch>
+          </a:blipFill>
+          <a:ln>
+            <a:noFill/>
+          </a:ln>
+        </p:spPr>
+        <p:style>
+          <a:lnRef idx="2">
+            <a:schemeClr val="accent1">
+              <a:shade val="50000"/>
+            </a:schemeClr>
+          </a:lnRef>
+          <a:fillRef idx="1">
+            <a:schemeClr val="accent1"/>
+          </a:fillRef>
+          <a:effectRef idx="0">
+            <a:schemeClr val="accent1"/>
+          </a:effectRef>
+          <a:fontRef idx="minor">
+            <a:schemeClr val="lt1"/>
+          </a:fontRef>
+        </p:style>
+        <p:txBody>
+          <a:bodyPr rtlCol="0" anchor="ctr"/>
+          <a:lstStyle/>
+          <a:p>
+            <a:pPr algn="ctr"/>
+            <a:endParaRPr lang="en-US" dirty="0"/>
+          </a:p>
+        </p:txBody>
+      </p:sp>
+      <p:pic>
+        <p:nvPicPr>
+          <p:cNvPr id="20" name="Picture 19">
+            <a:extLst>
+              <a:ext uri="{FF2B5EF4-FFF2-40B4-BE49-F238E27FC236}">
+                <a16:creationId xmlns:a16="http://schemas.microsoft.com/office/drawing/2014/main" id="{DED93A3D-3114-C941-934E-321870DB9993}"/>
+              </a:ext>
+              <a:ext uri="{C183D7F6-B498-43B3-948B-1728B52AA6E4}">
+                <adec:decorative xmlns:adec="http://schemas.microsoft.com/office/drawing/2017/decorative" val="1"/>
+              </a:ext>
+            </a:extLst>
+          </p:cNvPr>
+          <p:cNvPicPr>
+            <a:picLocks noChangeAspect="1"/>
+          </p:cNvPicPr>
+          <p:nvPr userDrawn="1"/>
+        </p:nvPicPr>
+        <p:blipFill>
+          <a:blip r:embed="rId4">
+            <a:extLst>
+              <a:ext uri="{28A0092B-C50C-407E-A947-70E740481C1C}">
+                <a14:useLocalDpi xmlns:a14="http://schemas.microsoft.com/office/drawing/2010/main" val="0"/>
+              </a:ext>
+            </a:extLst>
+          </a:blip>
+          <a:stretch>
+            <a:fillRect/>
+          </a:stretch>
+        </p:blipFill>
+        <p:spPr>
+          <a:xfrm>
+            <a:off x="3037030" y="3832697"/>
+            <a:ext cx="869535" cy="628650"/>
+          </a:xfrm>
+          <a:prstGeom prst="rect">
+            <a:avLst/>
+          </a:prstGeom>
+        </p:spPr>
+      </p:pic>
     </p:spTree>
     <p:extLst>
       <p:ext uri="{BB962C8B-B14F-4D97-AF65-F5344CB8AC3E}">
@@ -6513,36 +6654,6 @@
       </p:grpSp>
       <p:pic>
         <p:nvPicPr>
-          <p:cNvPr id="16" name="Picture 15" descr="Logos of the U.S. Department of Health and Human Services and Centers for Disease Control and Prevention" title="LOGOS"/>
-          <p:cNvPicPr>
-            <a:picLocks noChangeAspect="1"/>
-          </p:cNvPicPr>
-          <p:nvPr userDrawn="1"/>
-        </p:nvPicPr>
-        <p:blipFill>
-          <a:blip r:embed="rId4" cstate="print">
-            <a:extLst>
-              <a:ext uri="{28A0092B-C50C-407E-A947-70E740481C1C}">
-                <a14:useLocalDpi xmlns:a14="http://schemas.microsoft.com/office/drawing/2010/main" val="0"/>
-              </a:ext>
-            </a:extLst>
-          </a:blip>
-          <a:stretch>
-            <a:fillRect/>
-          </a:stretch>
-        </p:blipFill>
-        <p:spPr>
-          <a:xfrm>
-            <a:off x="6107826" y="4334823"/>
-            <a:ext cx="1254584" cy="719251"/>
-          </a:xfrm>
-          <a:prstGeom prst="rect">
-            <a:avLst/>
-          </a:prstGeom>
-        </p:spPr>
-      </p:pic>
-      <p:pic>
-        <p:nvPicPr>
           <p:cNvPr id="17" name="Picture 16">
             <a:extLst>
               <a:ext uri="{FF2B5EF4-FFF2-40B4-BE49-F238E27FC236}">
@@ -6556,7 +6667,7 @@
           <p:nvPr userDrawn="1"/>
         </p:nvPicPr>
         <p:blipFill>
-          <a:blip r:embed="rId5">
+          <a:blip r:embed="rId4">
             <a:extLst>
               <a:ext uri="{28A0092B-C50C-407E-A947-70E740481C1C}">
                 <a14:useLocalDpi xmlns:a14="http://schemas.microsoft.com/office/drawing/2010/main" val="0"/>
@@ -6577,42 +6688,141 @@
           </a:prstGeom>
         </p:spPr>
       </p:pic>
+      <p:sp>
+        <p:nvSpPr>
+          <p:cNvPr id="18" name="Rounded Rectangle 17">
+            <a:extLst>
+              <a:ext uri="{FF2B5EF4-FFF2-40B4-BE49-F238E27FC236}">
+                <a16:creationId xmlns:a16="http://schemas.microsoft.com/office/drawing/2014/main" id="{390D3640-523F-8341-A962-9AE5D401FF53}"/>
+              </a:ext>
+            </a:extLst>
+          </p:cNvPr>
+          <p:cNvSpPr/>
+          <p:nvPr userDrawn="1"/>
+        </p:nvSpPr>
+        <p:spPr>
+          <a:xfrm>
+            <a:off x="5949003" y="4404774"/>
+            <a:ext cx="1591642" cy="563319"/>
+          </a:xfrm>
+          <a:prstGeom prst="roundRect">
+            <a:avLst>
+              <a:gd name="adj" fmla="val 20191"/>
+            </a:avLst>
+          </a:prstGeom>
+          <a:blipFill>
+            <a:blip r:embed="rId5"/>
+            <a:stretch>
+              <a:fillRect/>
+            </a:stretch>
+          </a:blipFill>
+          <a:ln>
+            <a:noFill/>
+          </a:ln>
+        </p:spPr>
+        <p:style>
+          <a:lnRef idx="2">
+            <a:schemeClr val="accent1">
+              <a:shade val="50000"/>
+            </a:schemeClr>
+          </a:lnRef>
+          <a:fillRef idx="1">
+            <a:schemeClr val="accent1"/>
+          </a:fillRef>
+          <a:effectRef idx="0">
+            <a:schemeClr val="accent1"/>
+          </a:effectRef>
+          <a:fontRef idx="minor">
+            <a:schemeClr val="lt1"/>
+          </a:fontRef>
+        </p:style>
+        <p:txBody>
+          <a:bodyPr rtlCol="0" anchor="ctr"/>
+          <a:lstStyle/>
+          <a:p>
+            <a:pPr algn="ctr"/>
+            <a:endParaRPr lang="en-US" dirty="0"/>
+          </a:p>
+        </p:txBody>
+      </p:sp>
       <p:pic>
         <p:nvPicPr>
-          <p:cNvPr id="18" name="Picture 17" descr="Georgetown Center for Global Health Science and Security — General ...">
+          <p:cNvPr id="22" name="Picture 21" descr="A picture containing food&#10;&#10;Description automatically generated">
             <a:extLst>
               <a:ext uri="{FF2B5EF4-FFF2-40B4-BE49-F238E27FC236}">
-                <a16:creationId xmlns:a16="http://schemas.microsoft.com/office/drawing/2014/main" id="{8EEC2D4A-4283-4198-AD16-7DB09D6921F7}"/>
+                <a16:creationId xmlns:a16="http://schemas.microsoft.com/office/drawing/2014/main" id="{ED4B5A9F-7664-3040-B6E5-F70F10C840A9}"/>
               </a:ext>
             </a:extLst>
           </p:cNvPr>
           <p:cNvPicPr>
-            <a:picLocks noChangeAspect="1" noChangeArrowheads="1"/>
+            <a:picLocks noChangeAspect="1"/>
           </p:cNvPicPr>
           <p:nvPr userDrawn="1"/>
         </p:nvPicPr>
         <p:blipFill rotWithShape="1">
-          <a:blip r:embed="rId6" cstate="print">
+          <a:blip r:embed="rId6">
             <a:extLst>
               <a:ext uri="{28A0092B-C50C-407E-A947-70E740481C1C}">
                 <a14:useLocalDpi xmlns:a14="http://schemas.microsoft.com/office/drawing/2010/main" val="0"/>
               </a:ext>
             </a:extLst>
           </a:blip>
-          <a:srcRect t="18343" b="25029"/>
+          <a:srcRect r="3763" b="19294"/>
           <a:stretch/>
         </p:blipFill>
-        <p:spPr bwMode="auto">
+        <p:spPr>
           <a:xfrm>
-            <a:off x="7442605" y="4334823"/>
-            <a:ext cx="1621200" cy="719250"/>
+            <a:off x="7913604" y="4354414"/>
+            <a:ext cx="842588" cy="510860"/>
           </a:xfrm>
-          <a:prstGeom prst="roundRect">
+          <a:prstGeom prst="rect">
             <a:avLst/>
           </a:prstGeom>
-          <a:solidFill>
-            <a:schemeClr val="tx2"/>
-          </a:solidFill>
+        </p:spPr>
+      </p:pic>
+      <p:pic>
+        <p:nvPicPr>
+          <p:cNvPr id="23" name="Picture 22">
+            <a:extLst>
+              <a:ext uri="{FF2B5EF4-FFF2-40B4-BE49-F238E27FC236}">
+                <a16:creationId xmlns:a16="http://schemas.microsoft.com/office/drawing/2014/main" id="{9E6062AF-4543-EF4F-895B-C45DA198DBE4}"/>
+              </a:ext>
+            </a:extLst>
+          </p:cNvPr>
+          <p:cNvPicPr>
+            <a:picLocks noChangeAspect="1"/>
+          </p:cNvPicPr>
+          <p:nvPr userDrawn="1"/>
+        </p:nvPicPr>
+        <p:blipFill>
+          <a:blip r:embed="rId7">
+            <a:extLst>
+              <a:ext uri="{BEBA8EAE-BF5A-486C-A8C5-ECC9F3942E4B}">
+                <a14:imgProps xmlns:a14="http://schemas.microsoft.com/office/drawing/2010/main">
+                  <a14:imgLayer r:embed="rId8">
+                    <a14:imgEffect>
+                      <a14:brightnessContrast bright="100000"/>
+                    </a14:imgEffect>
+                  </a14:imgLayer>
+                </a14:imgProps>
+              </a:ext>
+              <a:ext uri="{28A0092B-C50C-407E-A947-70E740481C1C}">
+                <a14:useLocalDpi xmlns:a14="http://schemas.microsoft.com/office/drawing/2010/main" val="0"/>
+              </a:ext>
+            </a:extLst>
+          </a:blip>
+          <a:stretch>
+            <a:fillRect/>
+          </a:stretch>
+        </p:blipFill>
+        <p:spPr>
+          <a:xfrm>
+            <a:off x="7915543" y="4866336"/>
+            <a:ext cx="875574" cy="121925"/>
+          </a:xfrm>
+          <a:prstGeom prst="rect">
+            <a:avLst/>
+          </a:prstGeom>
         </p:spPr>
       </p:pic>
     </p:spTree>
@@ -6936,36 +7146,6 @@
           </a:p>
         </p:txBody>
       </p:sp>
-      <p:pic>
-        <p:nvPicPr>
-          <p:cNvPr id="17" name="Picture 16" descr="Logos of the U.S. Department of Health and Human Services and Centers for Disease Control and Prevention" title="LOGOS"/>
-          <p:cNvPicPr>
-            <a:picLocks noChangeAspect="1"/>
-          </p:cNvPicPr>
-          <p:nvPr userDrawn="1"/>
-        </p:nvPicPr>
-        <p:blipFill>
-          <a:blip r:embed="rId2" cstate="print">
-            <a:extLst>
-              <a:ext uri="{28A0092B-C50C-407E-A947-70E740481C1C}">
-                <a14:useLocalDpi xmlns:a14="http://schemas.microsoft.com/office/drawing/2010/main" val="0"/>
-              </a:ext>
-            </a:extLst>
-          </a:blip>
-          <a:stretch>
-            <a:fillRect/>
-          </a:stretch>
-        </p:blipFill>
-        <p:spPr>
-          <a:xfrm>
-            <a:off x="163439" y="4280109"/>
-            <a:ext cx="1254584" cy="719251"/>
-          </a:xfrm>
-          <a:prstGeom prst="rect">
-            <a:avLst/>
-          </a:prstGeom>
-        </p:spPr>
-      </p:pic>
       <p:grpSp>
         <p:nvGrpSpPr>
           <p:cNvPr id="21" name="Group 20">
@@ -7486,42 +7666,6 @@
           </a:p>
         </p:txBody>
       </p:sp>
-      <p:pic>
-        <p:nvPicPr>
-          <p:cNvPr id="21" name="Picture 20" descr="Logos of the U.S. Department of Health and Human Services and Centers for Disease Control and Prevention" title="LOGOS">
-            <a:extLst>
-              <a:ext uri="{FF2B5EF4-FFF2-40B4-BE49-F238E27FC236}">
-                <a16:creationId xmlns:a16="http://schemas.microsoft.com/office/drawing/2014/main" id="{5EB3B0CC-979E-4460-961A-7E5D5213A073}"/>
-              </a:ext>
-            </a:extLst>
-          </p:cNvPr>
-          <p:cNvPicPr>
-            <a:picLocks noChangeAspect="1"/>
-          </p:cNvPicPr>
-          <p:nvPr userDrawn="1"/>
-        </p:nvPicPr>
-        <p:blipFill>
-          <a:blip r:embed="rId2" cstate="print">
-            <a:extLst>
-              <a:ext uri="{28A0092B-C50C-407E-A947-70E740481C1C}">
-                <a14:useLocalDpi xmlns:a14="http://schemas.microsoft.com/office/drawing/2010/main" val="0"/>
-              </a:ext>
-            </a:extLst>
-          </a:blip>
-          <a:stretch>
-            <a:fillRect/>
-          </a:stretch>
-        </p:blipFill>
-        <p:spPr>
-          <a:xfrm>
-            <a:off x="163439" y="4501098"/>
-            <a:ext cx="869114" cy="498262"/>
-          </a:xfrm>
-          <a:prstGeom prst="rect">
-            <a:avLst/>
-          </a:prstGeom>
-        </p:spPr>
-      </p:pic>
       <p:grpSp>
         <p:nvGrpSpPr>
           <p:cNvPr id="20" name="Group 19">
@@ -7655,6 +7799,99 @@
           </p:txBody>
         </p:sp>
       </p:grpSp>
+      <p:sp>
+        <p:nvSpPr>
+          <p:cNvPr id="16" name="Rounded Rectangle 15">
+            <a:extLst>
+              <a:ext uri="{FF2B5EF4-FFF2-40B4-BE49-F238E27FC236}">
+                <a16:creationId xmlns:a16="http://schemas.microsoft.com/office/drawing/2014/main" id="{6470DEDA-10D9-2C43-BB49-0825E63A66BC}"/>
+              </a:ext>
+            </a:extLst>
+          </p:cNvPr>
+          <p:cNvSpPr/>
+          <p:nvPr userDrawn="1"/>
+        </p:nvSpPr>
+        <p:spPr>
+          <a:xfrm>
+            <a:off x="150416" y="4424667"/>
+            <a:ext cx="1404530" cy="497096"/>
+          </a:xfrm>
+          <a:prstGeom prst="roundRect">
+            <a:avLst>
+              <a:gd name="adj" fmla="val 20191"/>
+            </a:avLst>
+          </a:prstGeom>
+          <a:blipFill>
+            <a:blip r:embed="rId2"/>
+            <a:stretch>
+              <a:fillRect/>
+            </a:stretch>
+          </a:blipFill>
+          <a:ln>
+            <a:noFill/>
+          </a:ln>
+        </p:spPr>
+        <p:style>
+          <a:lnRef idx="2">
+            <a:schemeClr val="accent1">
+              <a:shade val="50000"/>
+            </a:schemeClr>
+          </a:lnRef>
+          <a:fillRef idx="1">
+            <a:schemeClr val="accent1"/>
+          </a:fillRef>
+          <a:effectRef idx="0">
+            <a:schemeClr val="accent1"/>
+          </a:effectRef>
+          <a:fontRef idx="minor">
+            <a:schemeClr val="lt1"/>
+          </a:fontRef>
+        </p:style>
+        <p:txBody>
+          <a:bodyPr rtlCol="0" anchor="ctr"/>
+          <a:lstStyle/>
+          <a:p>
+            <a:pPr algn="ctr"/>
+            <a:endParaRPr lang="en-US" dirty="0"/>
+          </a:p>
+        </p:txBody>
+      </p:sp>
+      <p:pic>
+        <p:nvPicPr>
+          <p:cNvPr id="17" name="Picture 16" descr="A picture containing food&#10;&#10;Description automatically generated">
+            <a:extLst>
+              <a:ext uri="{FF2B5EF4-FFF2-40B4-BE49-F238E27FC236}">
+                <a16:creationId xmlns:a16="http://schemas.microsoft.com/office/drawing/2014/main" id="{F512A5F7-190E-7549-B636-2E609F28D4CA}"/>
+              </a:ext>
+            </a:extLst>
+          </p:cNvPr>
+          <p:cNvPicPr>
+            <a:picLocks noChangeAspect="1"/>
+          </p:cNvPicPr>
+          <p:nvPr userDrawn="1"/>
+        </p:nvPicPr>
+        <p:blipFill>
+          <a:blip r:embed="rId3">
+            <a:extLst>
+              <a:ext uri="{28A0092B-C50C-407E-A947-70E740481C1C}">
+                <a14:useLocalDpi xmlns:a14="http://schemas.microsoft.com/office/drawing/2010/main" val="0"/>
+              </a:ext>
+            </a:extLst>
+          </a:blip>
+          <a:stretch>
+            <a:fillRect/>
+          </a:stretch>
+        </p:blipFill>
+        <p:spPr>
+          <a:xfrm>
+            <a:off x="1753887" y="4493208"/>
+            <a:ext cx="510990" cy="369432"/>
+          </a:xfrm>
+          <a:prstGeom prst="rect">
+            <a:avLst/>
+          </a:prstGeom>
+        </p:spPr>
+      </p:pic>
     </p:spTree>
     <p:extLst>
       <p:ext uri="{BB962C8B-B14F-4D97-AF65-F5344CB8AC3E}">
@@ -8736,42 +8973,6 @@
           </a:p>
         </p:txBody>
       </p:sp>
-      <p:pic>
-        <p:nvPicPr>
-          <p:cNvPr id="21" name="Picture 20" descr="Logos of the U.S. Department of Health and Human Services and Centers for Disease Control and Prevention" title="LOGOS">
-            <a:extLst>
-              <a:ext uri="{FF2B5EF4-FFF2-40B4-BE49-F238E27FC236}">
-                <a16:creationId xmlns:a16="http://schemas.microsoft.com/office/drawing/2014/main" id="{84213D48-D055-4EE8-9726-533AB8E26AA1}"/>
-              </a:ext>
-            </a:extLst>
-          </p:cNvPr>
-          <p:cNvPicPr>
-            <a:picLocks noChangeAspect="1"/>
-          </p:cNvPicPr>
-          <p:nvPr userDrawn="1"/>
-        </p:nvPicPr>
-        <p:blipFill>
-          <a:blip r:embed="rId2" cstate="print">
-            <a:extLst>
-              <a:ext uri="{28A0092B-C50C-407E-A947-70E740481C1C}">
-                <a14:useLocalDpi xmlns:a14="http://schemas.microsoft.com/office/drawing/2010/main" val="0"/>
-              </a:ext>
-            </a:extLst>
-          </a:blip>
-          <a:stretch>
-            <a:fillRect/>
-          </a:stretch>
-        </p:blipFill>
-        <p:spPr>
-          <a:xfrm>
-            <a:off x="163439" y="4280109"/>
-            <a:ext cx="1254584" cy="719251"/>
-          </a:xfrm>
-          <a:prstGeom prst="rect">
-            <a:avLst/>
-          </a:prstGeom>
-        </p:spPr>
-      </p:pic>
       <p:grpSp>
         <p:nvGrpSpPr>
           <p:cNvPr id="23" name="Group 22">
@@ -8905,6 +9106,99 @@
           </p:txBody>
         </p:sp>
       </p:grpSp>
+      <p:sp>
+        <p:nvSpPr>
+          <p:cNvPr id="21" name="Rounded Rectangle 20">
+            <a:extLst>
+              <a:ext uri="{FF2B5EF4-FFF2-40B4-BE49-F238E27FC236}">
+                <a16:creationId xmlns:a16="http://schemas.microsoft.com/office/drawing/2014/main" id="{C812E2BD-9BE5-0343-A91B-23ED98DB7BF4}"/>
+              </a:ext>
+            </a:extLst>
+          </p:cNvPr>
+          <p:cNvSpPr/>
+          <p:nvPr userDrawn="1"/>
+        </p:nvSpPr>
+        <p:spPr>
+          <a:xfrm>
+            <a:off x="150416" y="4424667"/>
+            <a:ext cx="1404530" cy="497096"/>
+          </a:xfrm>
+          <a:prstGeom prst="roundRect">
+            <a:avLst>
+              <a:gd name="adj" fmla="val 20191"/>
+            </a:avLst>
+          </a:prstGeom>
+          <a:blipFill>
+            <a:blip r:embed="rId2"/>
+            <a:stretch>
+              <a:fillRect/>
+            </a:stretch>
+          </a:blipFill>
+          <a:ln>
+            <a:noFill/>
+          </a:ln>
+        </p:spPr>
+        <p:style>
+          <a:lnRef idx="2">
+            <a:schemeClr val="accent1">
+              <a:shade val="50000"/>
+            </a:schemeClr>
+          </a:lnRef>
+          <a:fillRef idx="1">
+            <a:schemeClr val="accent1"/>
+          </a:fillRef>
+          <a:effectRef idx="0">
+            <a:schemeClr val="accent1"/>
+          </a:effectRef>
+          <a:fontRef idx="minor">
+            <a:schemeClr val="lt1"/>
+          </a:fontRef>
+        </p:style>
+        <p:txBody>
+          <a:bodyPr rtlCol="0" anchor="ctr"/>
+          <a:lstStyle/>
+          <a:p>
+            <a:pPr algn="ctr"/>
+            <a:endParaRPr lang="en-US" dirty="0"/>
+          </a:p>
+        </p:txBody>
+      </p:sp>
+      <p:pic>
+        <p:nvPicPr>
+          <p:cNvPr id="27" name="Picture 26" descr="A picture containing food&#10;&#10;Description automatically generated">
+            <a:extLst>
+              <a:ext uri="{FF2B5EF4-FFF2-40B4-BE49-F238E27FC236}">
+                <a16:creationId xmlns:a16="http://schemas.microsoft.com/office/drawing/2014/main" id="{289252BE-994C-504F-A40C-9858F7F46183}"/>
+              </a:ext>
+            </a:extLst>
+          </p:cNvPr>
+          <p:cNvPicPr>
+            <a:picLocks noChangeAspect="1"/>
+          </p:cNvPicPr>
+          <p:nvPr userDrawn="1"/>
+        </p:nvPicPr>
+        <p:blipFill>
+          <a:blip r:embed="rId3">
+            <a:extLst>
+              <a:ext uri="{28A0092B-C50C-407E-A947-70E740481C1C}">
+                <a14:useLocalDpi xmlns:a14="http://schemas.microsoft.com/office/drawing/2010/main" val="0"/>
+              </a:ext>
+            </a:extLst>
+          </a:blip>
+          <a:stretch>
+            <a:fillRect/>
+          </a:stretch>
+        </p:blipFill>
+        <p:spPr>
+          <a:xfrm>
+            <a:off x="1753887" y="4493208"/>
+            <a:ext cx="510990" cy="369432"/>
+          </a:xfrm>
+          <a:prstGeom prst="rect">
+            <a:avLst/>
+          </a:prstGeom>
+        </p:spPr>
+      </p:pic>
     </p:spTree>
     <p:extLst>
       <p:ext uri="{BB962C8B-B14F-4D97-AF65-F5344CB8AC3E}">
@@ -9798,12 +10092,104 @@
           </a:p>
         </p:txBody>
       </p:sp>
+      <p:sp>
+        <p:nvSpPr>
+          <p:cNvPr id="9" name="Rounded Rectangle 8">
+            <a:extLst>
+              <a:ext uri="{FF2B5EF4-FFF2-40B4-BE49-F238E27FC236}">
+                <a16:creationId xmlns:a16="http://schemas.microsoft.com/office/drawing/2014/main" id="{B354DB4B-602B-0B4B-90CC-8153EE857C74}"/>
+              </a:ext>
+            </a:extLst>
+          </p:cNvPr>
+          <p:cNvSpPr/>
+          <p:nvPr userDrawn="1"/>
+        </p:nvSpPr>
+        <p:spPr>
+          <a:xfrm>
+            <a:off x="417949" y="4030406"/>
+            <a:ext cx="2036355" cy="720713"/>
+          </a:xfrm>
+          <a:prstGeom prst="roundRect">
+            <a:avLst>
+              <a:gd name="adj" fmla="val 20191"/>
+            </a:avLst>
+          </a:prstGeom>
+          <a:blipFill>
+            <a:blip r:embed="rId2"/>
+            <a:stretch>
+              <a:fillRect/>
+            </a:stretch>
+          </a:blipFill>
+          <a:ln>
+            <a:noFill/>
+          </a:ln>
+        </p:spPr>
+        <p:style>
+          <a:lnRef idx="2">
+            <a:schemeClr val="accent1">
+              <a:shade val="50000"/>
+            </a:schemeClr>
+          </a:lnRef>
+          <a:fillRef idx="1">
+            <a:schemeClr val="accent1"/>
+          </a:fillRef>
+          <a:effectRef idx="0">
+            <a:schemeClr val="accent1"/>
+          </a:effectRef>
+          <a:fontRef idx="minor">
+            <a:schemeClr val="lt1"/>
+          </a:fontRef>
+        </p:style>
+        <p:txBody>
+          <a:bodyPr rtlCol="0" anchor="ctr"/>
+          <a:lstStyle/>
+          <a:p>
+            <a:pPr algn="ctr"/>
+            <a:endParaRPr lang="en-US" dirty="0"/>
+          </a:p>
+        </p:txBody>
+      </p:sp>
       <p:pic>
         <p:nvPicPr>
-          <p:cNvPr id="4" name="Picture 3" descr="Logos of the U.S. Department of Health and Human Services and Centers for Disease Control and Prevention" title="LOGOS">
+          <p:cNvPr id="10" name="Picture 9" descr="A picture containing food&#10;&#10;Description automatically generated">
             <a:extLst>
               <a:ext uri="{FF2B5EF4-FFF2-40B4-BE49-F238E27FC236}">
-                <a16:creationId xmlns:a16="http://schemas.microsoft.com/office/drawing/2014/main" id="{1338F5EA-D0AF-428F-B372-DAC2A9B1C51C}"/>
+                <a16:creationId xmlns:a16="http://schemas.microsoft.com/office/drawing/2014/main" id="{35F88C72-F00D-8A4F-A869-92A1C56EF4F0}"/>
+              </a:ext>
+            </a:extLst>
+          </p:cNvPr>
+          <p:cNvPicPr>
+            <a:picLocks noChangeAspect="1"/>
+          </p:cNvPicPr>
+          <p:nvPr userDrawn="1"/>
+        </p:nvPicPr>
+        <p:blipFill rotWithShape="1">
+          <a:blip r:embed="rId3">
+            <a:extLst>
+              <a:ext uri="{28A0092B-C50C-407E-A947-70E740481C1C}">
+                <a14:useLocalDpi xmlns:a14="http://schemas.microsoft.com/office/drawing/2010/main" val="0"/>
+              </a:ext>
+            </a:extLst>
+          </a:blip>
+          <a:srcRect r="3390" b="19294"/>
+          <a:stretch/>
+        </p:blipFill>
+        <p:spPr>
+          <a:xfrm>
+            <a:off x="2912518" y="4030406"/>
+            <a:ext cx="996875" cy="602071"/>
+          </a:xfrm>
+          <a:prstGeom prst="rect">
+            <a:avLst/>
+          </a:prstGeom>
+        </p:spPr>
+      </p:pic>
+      <p:pic>
+        <p:nvPicPr>
+          <p:cNvPr id="11" name="Picture 10">
+            <a:extLst>
+              <a:ext uri="{FF2B5EF4-FFF2-40B4-BE49-F238E27FC236}">
+                <a16:creationId xmlns:a16="http://schemas.microsoft.com/office/drawing/2014/main" id="{E65A6584-58A1-994A-AAC4-D7D774683120}"/>
               </a:ext>
             </a:extLst>
           </p:cNvPr>
@@ -9813,8 +10199,17 @@
           <p:nvPr userDrawn="1"/>
         </p:nvPicPr>
         <p:blipFill>
-          <a:blip r:embed="rId2" cstate="print">
+          <a:blip r:embed="rId4">
             <a:extLst>
+              <a:ext uri="{BEBA8EAE-BF5A-486C-A8C5-ECC9F3942E4B}">
+                <a14:imgProps xmlns:a14="http://schemas.microsoft.com/office/drawing/2010/main">
+                  <a14:imgLayer r:embed="rId5">
+                    <a14:imgEffect>
+                      <a14:brightnessContrast bright="100000"/>
+                    </a14:imgEffect>
+                  </a14:imgLayer>
+                </a14:imgProps>
+              </a:ext>
               <a:ext uri="{28A0092B-C50C-407E-A947-70E740481C1C}">
                 <a14:useLocalDpi xmlns:a14="http://schemas.microsoft.com/office/drawing/2010/main" val="0"/>
               </a:ext>
@@ -9826,8 +10221,8 @@
         </p:blipFill>
         <p:spPr>
           <a:xfrm>
-            <a:off x="217229" y="4280109"/>
-            <a:ext cx="1254584" cy="719251"/>
+            <a:off x="2912518" y="4646083"/>
+            <a:ext cx="1032012" cy="143709"/>
           </a:xfrm>
           <a:prstGeom prst="rect">
             <a:avLst/>
@@ -10069,12 +10464,104 @@
           </a:p>
         </p:txBody>
       </p:sp>
+      <p:sp>
+        <p:nvSpPr>
+          <p:cNvPr id="10" name="Rounded Rectangle 9">
+            <a:extLst>
+              <a:ext uri="{FF2B5EF4-FFF2-40B4-BE49-F238E27FC236}">
+                <a16:creationId xmlns:a16="http://schemas.microsoft.com/office/drawing/2014/main" id="{BF873CC9-036A-0E44-83AF-3A8291A6982E}"/>
+              </a:ext>
+            </a:extLst>
+          </p:cNvPr>
+          <p:cNvSpPr/>
+          <p:nvPr userDrawn="1"/>
+        </p:nvSpPr>
+        <p:spPr>
+          <a:xfrm>
+            <a:off x="417949" y="4030406"/>
+            <a:ext cx="2036355" cy="720713"/>
+          </a:xfrm>
+          <a:prstGeom prst="roundRect">
+            <a:avLst>
+              <a:gd name="adj" fmla="val 20191"/>
+            </a:avLst>
+          </a:prstGeom>
+          <a:blipFill>
+            <a:blip r:embed="rId4"/>
+            <a:stretch>
+              <a:fillRect/>
+            </a:stretch>
+          </a:blipFill>
+          <a:ln>
+            <a:noFill/>
+          </a:ln>
+        </p:spPr>
+        <p:style>
+          <a:lnRef idx="2">
+            <a:schemeClr val="accent1">
+              <a:shade val="50000"/>
+            </a:schemeClr>
+          </a:lnRef>
+          <a:fillRef idx="1">
+            <a:schemeClr val="accent1"/>
+          </a:fillRef>
+          <a:effectRef idx="0">
+            <a:schemeClr val="accent1"/>
+          </a:effectRef>
+          <a:fontRef idx="minor">
+            <a:schemeClr val="lt1"/>
+          </a:fontRef>
+        </p:style>
+        <p:txBody>
+          <a:bodyPr rtlCol="0" anchor="ctr"/>
+          <a:lstStyle/>
+          <a:p>
+            <a:pPr algn="ctr"/>
+            <a:endParaRPr lang="en-US" dirty="0"/>
+          </a:p>
+        </p:txBody>
+      </p:sp>
       <p:pic>
         <p:nvPicPr>
-          <p:cNvPr id="4" name="Picture 3" descr="Logos of the U.S. Department of Health and Human Services and Centers for Disease Control and Prevention" title="LOGOS">
+          <p:cNvPr id="11" name="Picture 10" descr="A picture containing food&#10;&#10;Description automatically generated">
             <a:extLst>
               <a:ext uri="{FF2B5EF4-FFF2-40B4-BE49-F238E27FC236}">
-                <a16:creationId xmlns:a16="http://schemas.microsoft.com/office/drawing/2014/main" id="{1338F5EA-D0AF-428F-B372-DAC2A9B1C51C}"/>
+                <a16:creationId xmlns:a16="http://schemas.microsoft.com/office/drawing/2014/main" id="{950134B6-614F-1643-B1E2-79275CD7B4BA}"/>
+              </a:ext>
+            </a:extLst>
+          </p:cNvPr>
+          <p:cNvPicPr>
+            <a:picLocks noChangeAspect="1"/>
+          </p:cNvPicPr>
+          <p:nvPr userDrawn="1"/>
+        </p:nvPicPr>
+        <p:blipFill rotWithShape="1">
+          <a:blip r:embed="rId5">
+            <a:extLst>
+              <a:ext uri="{28A0092B-C50C-407E-A947-70E740481C1C}">
+                <a14:useLocalDpi xmlns:a14="http://schemas.microsoft.com/office/drawing/2010/main" val="0"/>
+              </a:ext>
+            </a:extLst>
+          </a:blip>
+          <a:srcRect r="3390" b="19294"/>
+          <a:stretch/>
+        </p:blipFill>
+        <p:spPr>
+          <a:xfrm>
+            <a:off x="2912518" y="4030406"/>
+            <a:ext cx="996875" cy="602071"/>
+          </a:xfrm>
+          <a:prstGeom prst="rect">
+            <a:avLst/>
+          </a:prstGeom>
+        </p:spPr>
+      </p:pic>
+      <p:pic>
+        <p:nvPicPr>
+          <p:cNvPr id="12" name="Picture 11">
+            <a:extLst>
+              <a:ext uri="{FF2B5EF4-FFF2-40B4-BE49-F238E27FC236}">
+                <a16:creationId xmlns:a16="http://schemas.microsoft.com/office/drawing/2014/main" id="{19BB1F25-495F-5747-843A-8986C4A7C6C7}"/>
               </a:ext>
             </a:extLst>
           </p:cNvPr>
@@ -10084,8 +10571,17 @@
           <p:nvPr userDrawn="1"/>
         </p:nvPicPr>
         <p:blipFill>
-          <a:blip r:embed="rId4" cstate="print">
+          <a:blip r:embed="rId6">
             <a:extLst>
+              <a:ext uri="{BEBA8EAE-BF5A-486C-A8C5-ECC9F3942E4B}">
+                <a14:imgProps xmlns:a14="http://schemas.microsoft.com/office/drawing/2010/main">
+                  <a14:imgLayer r:embed="rId7">
+                    <a14:imgEffect>
+                      <a14:brightnessContrast bright="100000"/>
+                    </a14:imgEffect>
+                  </a14:imgLayer>
+                </a14:imgProps>
+              </a:ext>
               <a:ext uri="{28A0092B-C50C-407E-A947-70E740481C1C}">
                 <a14:useLocalDpi xmlns:a14="http://schemas.microsoft.com/office/drawing/2010/main" val="0"/>
               </a:ext>
@@ -10097,8 +10593,8 @@
         </p:blipFill>
         <p:spPr>
           <a:xfrm>
-            <a:off x="217229" y="4280109"/>
-            <a:ext cx="1254584" cy="719251"/>
+            <a:off x="2912518" y="4646083"/>
+            <a:ext cx="1032012" cy="143709"/>
           </a:xfrm>
           <a:prstGeom prst="rect">
             <a:avLst/>
@@ -10731,36 +11227,6 @@
       </p:grpSp>
       <p:pic>
         <p:nvPicPr>
-          <p:cNvPr id="16" name="Picture 15" descr="Logos of the U.S. Department of Health and Human Services and Centers for Disease Control and Prevention" title="LOGOS"/>
-          <p:cNvPicPr>
-            <a:picLocks noChangeAspect="1"/>
-          </p:cNvPicPr>
-          <p:nvPr userDrawn="1"/>
-        </p:nvPicPr>
-        <p:blipFill>
-          <a:blip r:embed="rId4" cstate="print">
-            <a:extLst>
-              <a:ext uri="{28A0092B-C50C-407E-A947-70E740481C1C}">
-                <a14:useLocalDpi xmlns:a14="http://schemas.microsoft.com/office/drawing/2010/main" val="0"/>
-              </a:ext>
-            </a:extLst>
-          </a:blip>
-          <a:stretch>
-            <a:fillRect/>
-          </a:stretch>
-        </p:blipFill>
-        <p:spPr>
-          <a:xfrm>
-            <a:off x="7800326" y="4339940"/>
-            <a:ext cx="1254584" cy="719251"/>
-          </a:xfrm>
-          <a:prstGeom prst="rect">
-            <a:avLst/>
-          </a:prstGeom>
-        </p:spPr>
-      </p:pic>
-      <p:pic>
-        <p:nvPicPr>
           <p:cNvPr id="18" name="Picture 17">
             <a:extLst>
               <a:ext uri="{FF2B5EF4-FFF2-40B4-BE49-F238E27FC236}">
@@ -10774,7 +11240,7 @@
           <p:nvPr userDrawn="1"/>
         </p:nvPicPr>
         <p:blipFill rotWithShape="1">
-          <a:blip r:embed="rId5" cstate="print">
+          <a:blip r:embed="rId4" cstate="print">
             <a:extLst>
               <a:ext uri="{28A0092B-C50C-407E-A947-70E740481C1C}">
                 <a14:useLocalDpi xmlns:a14="http://schemas.microsoft.com/office/drawing/2010/main" val="0"/>
@@ -10788,6 +11254,143 @@
           <a:xfrm>
             <a:off x="5334256" y="175641"/>
             <a:ext cx="3684774" cy="3475844"/>
+          </a:xfrm>
+          <a:prstGeom prst="rect">
+            <a:avLst/>
+          </a:prstGeom>
+        </p:spPr>
+      </p:pic>
+      <p:sp>
+        <p:nvSpPr>
+          <p:cNvPr id="21" name="Rounded Rectangle 20">
+            <a:extLst>
+              <a:ext uri="{FF2B5EF4-FFF2-40B4-BE49-F238E27FC236}">
+                <a16:creationId xmlns:a16="http://schemas.microsoft.com/office/drawing/2014/main" id="{7E5F0004-7952-D947-836B-0EF949E19147}"/>
+              </a:ext>
+            </a:extLst>
+          </p:cNvPr>
+          <p:cNvSpPr/>
+          <p:nvPr userDrawn="1"/>
+        </p:nvSpPr>
+        <p:spPr>
+          <a:xfrm>
+            <a:off x="5949003" y="4404774"/>
+            <a:ext cx="1591642" cy="563319"/>
+          </a:xfrm>
+          <a:prstGeom prst="roundRect">
+            <a:avLst>
+              <a:gd name="adj" fmla="val 20191"/>
+            </a:avLst>
+          </a:prstGeom>
+          <a:blipFill>
+            <a:blip r:embed="rId5"/>
+            <a:stretch>
+              <a:fillRect/>
+            </a:stretch>
+          </a:blipFill>
+          <a:ln>
+            <a:noFill/>
+          </a:ln>
+        </p:spPr>
+        <p:style>
+          <a:lnRef idx="2">
+            <a:schemeClr val="accent1">
+              <a:shade val="50000"/>
+            </a:schemeClr>
+          </a:lnRef>
+          <a:fillRef idx="1">
+            <a:schemeClr val="accent1"/>
+          </a:fillRef>
+          <a:effectRef idx="0">
+            <a:schemeClr val="accent1"/>
+          </a:effectRef>
+          <a:fontRef idx="minor">
+            <a:schemeClr val="lt1"/>
+          </a:fontRef>
+        </p:style>
+        <p:txBody>
+          <a:bodyPr rtlCol="0" anchor="ctr"/>
+          <a:lstStyle/>
+          <a:p>
+            <a:pPr algn="ctr"/>
+            <a:endParaRPr lang="en-US" dirty="0"/>
+          </a:p>
+        </p:txBody>
+      </p:sp>
+      <p:pic>
+        <p:nvPicPr>
+          <p:cNvPr id="22" name="Picture 21" descr="A picture containing food&#10;&#10;Description automatically generated">
+            <a:extLst>
+              <a:ext uri="{FF2B5EF4-FFF2-40B4-BE49-F238E27FC236}">
+                <a16:creationId xmlns:a16="http://schemas.microsoft.com/office/drawing/2014/main" id="{695CA71D-359B-AB4C-A9A7-D8E33C910875}"/>
+              </a:ext>
+            </a:extLst>
+          </p:cNvPr>
+          <p:cNvPicPr>
+            <a:picLocks noChangeAspect="1"/>
+          </p:cNvPicPr>
+          <p:nvPr userDrawn="1"/>
+        </p:nvPicPr>
+        <p:blipFill rotWithShape="1">
+          <a:blip r:embed="rId6">
+            <a:extLst>
+              <a:ext uri="{28A0092B-C50C-407E-A947-70E740481C1C}">
+                <a14:useLocalDpi xmlns:a14="http://schemas.microsoft.com/office/drawing/2010/main" val="0"/>
+              </a:ext>
+            </a:extLst>
+          </a:blip>
+          <a:srcRect r="3763" b="19294"/>
+          <a:stretch/>
+        </p:blipFill>
+        <p:spPr>
+          <a:xfrm>
+            <a:off x="7913604" y="4354414"/>
+            <a:ext cx="842588" cy="510860"/>
+          </a:xfrm>
+          <a:prstGeom prst="rect">
+            <a:avLst/>
+          </a:prstGeom>
+        </p:spPr>
+      </p:pic>
+      <p:pic>
+        <p:nvPicPr>
+          <p:cNvPr id="23" name="Picture 22">
+            <a:extLst>
+              <a:ext uri="{FF2B5EF4-FFF2-40B4-BE49-F238E27FC236}">
+                <a16:creationId xmlns:a16="http://schemas.microsoft.com/office/drawing/2014/main" id="{621E1AED-7AAD-304A-907F-3A51E0DB8D7C}"/>
+              </a:ext>
+            </a:extLst>
+          </p:cNvPr>
+          <p:cNvPicPr>
+            <a:picLocks noChangeAspect="1"/>
+          </p:cNvPicPr>
+          <p:nvPr userDrawn="1"/>
+        </p:nvPicPr>
+        <p:blipFill>
+          <a:blip r:embed="rId7">
+            <a:extLst>
+              <a:ext uri="{BEBA8EAE-BF5A-486C-A8C5-ECC9F3942E4B}">
+                <a14:imgProps xmlns:a14="http://schemas.microsoft.com/office/drawing/2010/main">
+                  <a14:imgLayer r:embed="rId8">
+                    <a14:imgEffect>
+                      <a14:brightnessContrast bright="100000"/>
+                    </a14:imgEffect>
+                  </a14:imgLayer>
+                </a14:imgProps>
+              </a:ext>
+              <a:ext uri="{28A0092B-C50C-407E-A947-70E740481C1C}">
+                <a14:useLocalDpi xmlns:a14="http://schemas.microsoft.com/office/drawing/2010/main" val="0"/>
+              </a:ext>
+            </a:extLst>
+          </a:blip>
+          <a:stretch>
+            <a:fillRect/>
+          </a:stretch>
+        </p:blipFill>
+        <p:spPr>
+          <a:xfrm>
+            <a:off x="7915543" y="4866336"/>
+            <a:ext cx="875574" cy="121925"/>
           </a:xfrm>
           <a:prstGeom prst="rect">
             <a:avLst/>
@@ -11369,267 +11972,6 @@
           </a:p>
         </p:txBody>
       </p:sp>
-      <p:pic>
-        <p:nvPicPr>
-          <p:cNvPr id="7172" name="Picture 6" descr="Logos of the United States Department of Health and Human Services and Centers for Disease Control and Prevention"/>
-          <p:cNvPicPr>
-            <a:picLocks noChangeAspect="1"/>
-          </p:cNvPicPr>
-          <p:nvPr/>
-        </p:nvPicPr>
-        <p:blipFill>
-          <a:blip r:embed="rId3">
-            <a:extLst>
-              <a:ext uri="{28A0092B-C50C-407E-A947-70E740481C1C}">
-                <a14:useLocalDpi xmlns:a14="http://schemas.microsoft.com/office/drawing/2010/main" val="0"/>
-              </a:ext>
-            </a:extLst>
-          </a:blip>
-          <a:srcRect/>
-          <a:stretch>
-            <a:fillRect/>
-          </a:stretch>
-        </p:blipFill>
-        <p:spPr bwMode="auto">
-          <a:xfrm>
-            <a:off x="152400" y="4886325"/>
-            <a:ext cx="190500" cy="142875"/>
-          </a:xfrm>
-          <a:prstGeom prst="rect">
-            <a:avLst/>
-          </a:prstGeom>
-          <a:noFill/>
-          <a:ln>
-            <a:noFill/>
-          </a:ln>
-          <a:extLst>
-            <a:ext uri="{909E8E84-426E-40DD-AFC4-6F175D3DCCD1}">
-              <a14:hiddenFill xmlns:a14="http://schemas.microsoft.com/office/drawing/2010/main">
-                <a:solidFill>
-                  <a:srgbClr val="FFFFFF"/>
-                </a:solidFill>
-              </a14:hiddenFill>
-            </a:ext>
-            <a:ext uri="{91240B29-F687-4F45-9708-019B960494DF}">
-              <a14:hiddenLine xmlns:a14="http://schemas.microsoft.com/office/drawing/2010/main" w="9525">
-                <a:solidFill>
-                  <a:srgbClr val="000000"/>
-                </a:solidFill>
-                <a:miter lim="800000"/>
-                <a:headEnd/>
-                <a:tailEnd/>
-              </a14:hiddenLine>
-            </a:ext>
-          </a:extLst>
-        </p:spPr>
-      </p:pic>
-      <p:sp>
-        <p:nvSpPr>
-          <p:cNvPr id="5" name="Rectangle 4">
-            <a:extLst>
-              <a:ext uri="{FF2B5EF4-FFF2-40B4-BE49-F238E27FC236}">
-                <a16:creationId xmlns:a16="http://schemas.microsoft.com/office/drawing/2014/main" id="{5E64495B-5E96-AB4F-9EF5-67A2A61F951B}"/>
-              </a:ext>
-            </a:extLst>
-          </p:cNvPr>
-          <p:cNvSpPr/>
-          <p:nvPr/>
-        </p:nvSpPr>
-        <p:spPr>
-          <a:xfrm>
-            <a:off x="0" y="3685747"/>
-            <a:ext cx="1524000" cy="1400603"/>
-          </a:xfrm>
-          <a:prstGeom prst="rect">
-            <a:avLst/>
-          </a:prstGeom>
-          <a:solidFill>
-            <a:schemeClr val="bg2"/>
-          </a:solidFill>
-          <a:ln>
-            <a:noFill/>
-          </a:ln>
-        </p:spPr>
-        <p:style>
-          <a:lnRef idx="2">
-            <a:schemeClr val="accent1">
-              <a:shade val="50000"/>
-            </a:schemeClr>
-          </a:lnRef>
-          <a:fillRef idx="1">
-            <a:schemeClr val="accent1"/>
-          </a:fillRef>
-          <a:effectRef idx="0">
-            <a:schemeClr val="accent1"/>
-          </a:effectRef>
-          <a:fontRef idx="minor">
-            <a:schemeClr val="lt1"/>
-          </a:fontRef>
-        </p:style>
-        <p:txBody>
-          <a:bodyPr rtlCol="0" anchor="ctr"/>
-          <a:lstStyle/>
-          <a:p>
-            <a:pPr algn="ctr"/>
-            <a:endParaRPr lang="en-US"/>
-          </a:p>
-        </p:txBody>
-      </p:sp>
-      <p:pic>
-        <p:nvPicPr>
-          <p:cNvPr id="6" name="Picture 5" descr="A picture containing food&#10;&#10;Description automatically generated">
-            <a:extLst>
-              <a:ext uri="{FF2B5EF4-FFF2-40B4-BE49-F238E27FC236}">
-                <a16:creationId xmlns:a16="http://schemas.microsoft.com/office/drawing/2014/main" id="{A7F04BB3-97A8-B74B-8FAC-B928BE41395C}"/>
-              </a:ext>
-            </a:extLst>
-          </p:cNvPr>
-          <p:cNvPicPr>
-            <a:picLocks noChangeAspect="1"/>
-          </p:cNvPicPr>
-          <p:nvPr/>
-        </p:nvPicPr>
-        <p:blipFill>
-          <a:blip r:embed="rId4" cstate="print">
-            <a:extLst>
-              <a:ext uri="{28A0092B-C50C-407E-A947-70E740481C1C}">
-                <a14:useLocalDpi xmlns:a14="http://schemas.microsoft.com/office/drawing/2010/main" val="0"/>
-              </a:ext>
-            </a:extLst>
-          </a:blip>
-          <a:stretch>
-            <a:fillRect/>
-          </a:stretch>
-        </p:blipFill>
-        <p:spPr>
-          <a:xfrm>
-            <a:off x="502065" y="3841750"/>
-            <a:ext cx="869535" cy="628650"/>
-          </a:xfrm>
-          <a:prstGeom prst="rect">
-            <a:avLst/>
-          </a:prstGeom>
-        </p:spPr>
-      </p:pic>
-      <p:sp>
-        <p:nvSpPr>
-          <p:cNvPr id="9" name="Rounded Rectangle 8">
-            <a:extLst>
-              <a:ext uri="{FF2B5EF4-FFF2-40B4-BE49-F238E27FC236}">
-                <a16:creationId xmlns:a16="http://schemas.microsoft.com/office/drawing/2014/main" id="{68A701EC-F404-6240-A6AF-E0CEF4188C08}"/>
-              </a:ext>
-            </a:extLst>
-          </p:cNvPr>
-          <p:cNvSpPr/>
-          <p:nvPr/>
-        </p:nvSpPr>
-        <p:spPr>
-          <a:xfrm>
-            <a:off x="495300" y="4702175"/>
-            <a:ext cx="4457700" cy="352852"/>
-          </a:xfrm>
-          <a:prstGeom prst="roundRect">
-            <a:avLst>
-              <a:gd name="adj" fmla="val 0"/>
-            </a:avLst>
-          </a:prstGeom>
-          <a:solidFill>
-            <a:srgbClr val="FFFFFF"/>
-          </a:solidFill>
-          <a:ln>
-            <a:noFill/>
-          </a:ln>
-        </p:spPr>
-        <p:style>
-          <a:lnRef idx="2">
-            <a:schemeClr val="accent1">
-              <a:shade val="50000"/>
-            </a:schemeClr>
-          </a:lnRef>
-          <a:fillRef idx="1">
-            <a:schemeClr val="accent1"/>
-          </a:fillRef>
-          <a:effectRef idx="0">
-            <a:schemeClr val="accent1"/>
-          </a:effectRef>
-          <a:fontRef idx="minor">
-            <a:schemeClr val="lt1"/>
-          </a:fontRef>
-        </p:style>
-        <p:txBody>
-          <a:bodyPr lIns="0" tIns="0" rIns="0" bIns="0" rtlCol="0" anchor="b" anchorCtr="0"/>
-          <a:lstStyle/>
-          <a:p>
-            <a:r>
-              <a:rPr lang="en-US" sz="800" dirty="0">
-                <a:solidFill>
-                  <a:srgbClr val="2D2D2D"/>
-                </a:solidFill>
-                <a:latin typeface="Calibri" panose="020F0502020204030204" pitchFamily="34" charset="0"/>
-              </a:rPr>
-              <a:t>The mark “CDC” is owned by the US Dept. of Health and Human Services and is used with permission..</a:t>
-            </a:r>
-          </a:p>
-          <a:p>
-            <a:r>
-              <a:rPr lang="en-US" sz="800" dirty="0">
-                <a:solidFill>
-                  <a:srgbClr val="2D2D2D"/>
-                </a:solidFill>
-                <a:latin typeface="Calibri" panose="020F0502020204030204" pitchFamily="34" charset="0"/>
-              </a:rPr>
-              <a:t>Use of this logo is not an endorsement by HHS or CDC of any particular product, service, or enterprise.</a:t>
-            </a:r>
-          </a:p>
-        </p:txBody>
-      </p:sp>
-      <p:pic>
-        <p:nvPicPr>
-          <p:cNvPr id="10" name="Picture 9" descr="Georgetown Center for Global Health Science and Security — General ...">
-            <a:extLst>
-              <a:ext uri="{FF2B5EF4-FFF2-40B4-BE49-F238E27FC236}">
-                <a16:creationId xmlns:a16="http://schemas.microsoft.com/office/drawing/2014/main" id="{A99F12F0-4BEC-41D3-9D65-A41A02E8402C}"/>
-              </a:ext>
-            </a:extLst>
-          </p:cNvPr>
-          <p:cNvPicPr>
-            <a:picLocks noChangeAspect="1" noChangeArrowheads="1"/>
-          </p:cNvPicPr>
-          <p:nvPr/>
-        </p:nvPicPr>
-        <p:blipFill>
-          <a:blip r:embed="rId5" cstate="print">
-            <a:extLst>
-              <a:ext uri="{28A0092B-C50C-407E-A947-70E740481C1C}">
-                <a14:useLocalDpi xmlns:a14="http://schemas.microsoft.com/office/drawing/2010/main" val="0"/>
-              </a:ext>
-            </a:extLst>
-          </a:blip>
-          <a:srcRect/>
-          <a:stretch>
-            <a:fillRect/>
-          </a:stretch>
-        </p:blipFill>
-        <p:spPr bwMode="auto">
-          <a:xfrm>
-            <a:off x="1371600" y="3535589"/>
-            <a:ext cx="1985555" cy="1240972"/>
-          </a:xfrm>
-          <a:prstGeom prst="rect">
-            <a:avLst/>
-          </a:prstGeom>
-          <a:noFill/>
-          <a:extLst>
-            <a:ext uri="{909E8E84-426E-40DD-AFC4-6F175D3DCCD1}">
-              <a14:hiddenFill xmlns:a14="http://schemas.microsoft.com/office/drawing/2010/main">
-                <a:solidFill>
-                  <a:srgbClr val="FFFFFF"/>
-                </a:solidFill>
-              </a14:hiddenFill>
-            </a:ext>
-          </a:extLst>
-        </p:spPr>
-      </p:pic>
     </p:spTree>
     <p:extLst>
       <p:ext uri="{BB962C8B-B14F-4D97-AF65-F5344CB8AC3E}">
@@ -11764,189 +12106,6 @@
           </a:prstGeom>
         </p:spPr>
       </p:pic>
-      <p:sp>
-        <p:nvSpPr>
-          <p:cNvPr id="7" name="Rectangle 6">
-            <a:extLst>
-              <a:ext uri="{FF2B5EF4-FFF2-40B4-BE49-F238E27FC236}">
-                <a16:creationId xmlns:a16="http://schemas.microsoft.com/office/drawing/2014/main" id="{5F2074CA-319E-A342-8BEA-EE78AB0A8926}"/>
-              </a:ext>
-            </a:extLst>
-          </p:cNvPr>
-          <p:cNvSpPr/>
-          <p:nvPr/>
-        </p:nvSpPr>
-        <p:spPr>
-          <a:xfrm>
-            <a:off x="0" y="4446824"/>
-            <a:ext cx="1524000" cy="556999"/>
-          </a:xfrm>
-          <a:prstGeom prst="rect">
-            <a:avLst/>
-          </a:prstGeom>
-          <a:solidFill>
-            <a:schemeClr val="bg2"/>
-          </a:solidFill>
-          <a:ln>
-            <a:noFill/>
-          </a:ln>
-        </p:spPr>
-        <p:style>
-          <a:lnRef idx="2">
-            <a:schemeClr val="accent1">
-              <a:shade val="50000"/>
-            </a:schemeClr>
-          </a:lnRef>
-          <a:fillRef idx="1">
-            <a:schemeClr val="accent1"/>
-          </a:fillRef>
-          <a:effectRef idx="0">
-            <a:schemeClr val="accent1"/>
-          </a:effectRef>
-          <a:fontRef idx="minor">
-            <a:schemeClr val="lt1"/>
-          </a:fontRef>
-        </p:style>
-        <p:txBody>
-          <a:bodyPr rtlCol="0" anchor="ctr"/>
-          <a:lstStyle/>
-          <a:p>
-            <a:pPr algn="ctr"/>
-            <a:endParaRPr lang="en-US"/>
-          </a:p>
-        </p:txBody>
-      </p:sp>
-      <p:sp>
-        <p:nvSpPr>
-          <p:cNvPr id="8" name="Rounded Rectangle 7">
-            <a:extLst>
-              <a:ext uri="{FF2B5EF4-FFF2-40B4-BE49-F238E27FC236}">
-                <a16:creationId xmlns:a16="http://schemas.microsoft.com/office/drawing/2014/main" id="{CE93086F-8C3D-0F43-A901-1F1B034FEAF0}"/>
-              </a:ext>
-            </a:extLst>
-          </p:cNvPr>
-          <p:cNvSpPr/>
-          <p:nvPr/>
-        </p:nvSpPr>
-        <p:spPr>
-          <a:xfrm>
-            <a:off x="914400" y="4431440"/>
-            <a:ext cx="1404530" cy="497096"/>
-          </a:xfrm>
-          <a:prstGeom prst="roundRect">
-            <a:avLst>
-              <a:gd name="adj" fmla="val 20191"/>
-            </a:avLst>
-          </a:prstGeom>
-          <a:blipFill>
-            <a:blip r:embed="rId4"/>
-            <a:stretch>
-              <a:fillRect/>
-            </a:stretch>
-          </a:blipFill>
-          <a:ln>
-            <a:noFill/>
-          </a:ln>
-        </p:spPr>
-        <p:style>
-          <a:lnRef idx="2">
-            <a:schemeClr val="accent1">
-              <a:shade val="50000"/>
-            </a:schemeClr>
-          </a:lnRef>
-          <a:fillRef idx="1">
-            <a:schemeClr val="accent1"/>
-          </a:fillRef>
-          <a:effectRef idx="0">
-            <a:schemeClr val="accent1"/>
-          </a:effectRef>
-          <a:fontRef idx="minor">
-            <a:schemeClr val="lt1"/>
-          </a:fontRef>
-        </p:style>
-        <p:txBody>
-          <a:bodyPr rtlCol="0" anchor="ctr"/>
-          <a:lstStyle/>
-          <a:p>
-            <a:pPr algn="ctr"/>
-            <a:endParaRPr lang="en-US" dirty="0"/>
-          </a:p>
-        </p:txBody>
-      </p:sp>
-      <p:pic>
-        <p:nvPicPr>
-          <p:cNvPr id="9" name="Picture 8" descr="A picture containing food&#10;&#10;Description automatically generated">
-            <a:extLst>
-              <a:ext uri="{FF2B5EF4-FFF2-40B4-BE49-F238E27FC236}">
-                <a16:creationId xmlns:a16="http://schemas.microsoft.com/office/drawing/2014/main" id="{C0136E94-7BCB-C94D-83FB-85538594026F}"/>
-              </a:ext>
-            </a:extLst>
-          </p:cNvPr>
-          <p:cNvPicPr>
-            <a:picLocks noChangeAspect="1"/>
-          </p:cNvPicPr>
-          <p:nvPr/>
-        </p:nvPicPr>
-        <p:blipFill>
-          <a:blip r:embed="rId5" cstate="print">
-            <a:extLst>
-              <a:ext uri="{28A0092B-C50C-407E-A947-70E740481C1C}">
-                <a14:useLocalDpi xmlns:a14="http://schemas.microsoft.com/office/drawing/2010/main" val="0"/>
-              </a:ext>
-            </a:extLst>
-          </a:blip>
-          <a:stretch>
-            <a:fillRect/>
-          </a:stretch>
-        </p:blipFill>
-        <p:spPr>
-          <a:xfrm>
-            <a:off x="251010" y="4493208"/>
-            <a:ext cx="510990" cy="369432"/>
-          </a:xfrm>
-          <a:prstGeom prst="rect">
-            <a:avLst/>
-          </a:prstGeom>
-        </p:spPr>
-      </p:pic>
-      <p:pic>
-        <p:nvPicPr>
-          <p:cNvPr id="10" name="Picture 9" descr="Georgetown Center for Global Health Science and Security — General ...">
-            <a:extLst>
-              <a:ext uri="{FF2B5EF4-FFF2-40B4-BE49-F238E27FC236}">
-                <a16:creationId xmlns:a16="http://schemas.microsoft.com/office/drawing/2014/main" id="{E2BFA58D-B45E-48C4-B409-EE44ADCB4F5D}"/>
-              </a:ext>
-            </a:extLst>
-          </p:cNvPr>
-          <p:cNvPicPr>
-            <a:picLocks noChangeAspect="1" noChangeArrowheads="1"/>
-          </p:cNvPicPr>
-          <p:nvPr/>
-        </p:nvPicPr>
-        <p:blipFill rotWithShape="1">
-          <a:blip r:embed="rId6" cstate="print">
-            <a:extLst>
-              <a:ext uri="{28A0092B-C50C-407E-A947-70E740481C1C}">
-                <a14:useLocalDpi xmlns:a14="http://schemas.microsoft.com/office/drawing/2010/main" val="0"/>
-              </a:ext>
-            </a:extLst>
-          </a:blip>
-          <a:srcRect t="18343" b="25029"/>
-          <a:stretch/>
-        </p:blipFill>
-        <p:spPr bwMode="auto">
-          <a:xfrm>
-            <a:off x="762000" y="4393515"/>
-            <a:ext cx="1621200" cy="573780"/>
-          </a:xfrm>
-          <a:prstGeom prst="roundRect">
-            <a:avLst/>
-          </a:prstGeom>
-          <a:solidFill>
-            <a:schemeClr val="tx2"/>
-          </a:solidFill>
-        </p:spPr>
-      </p:pic>
     </p:spTree>
     <p:extLst>
       <p:ext uri="{BB962C8B-B14F-4D97-AF65-F5344CB8AC3E}">
@@ -12078,189 +12237,6 @@
           </a:p>
         </p:txBody>
       </p:sp>
-      <p:sp>
-        <p:nvSpPr>
-          <p:cNvPr id="5" name="Rectangle 4">
-            <a:extLst>
-              <a:ext uri="{FF2B5EF4-FFF2-40B4-BE49-F238E27FC236}">
-                <a16:creationId xmlns:a16="http://schemas.microsoft.com/office/drawing/2014/main" id="{7B376281-D69B-C344-A12F-8E4E4CAD55F5}"/>
-              </a:ext>
-            </a:extLst>
-          </p:cNvPr>
-          <p:cNvSpPr/>
-          <p:nvPr/>
-        </p:nvSpPr>
-        <p:spPr>
-          <a:xfrm>
-            <a:off x="0" y="4446824"/>
-            <a:ext cx="1524000" cy="556999"/>
-          </a:xfrm>
-          <a:prstGeom prst="rect">
-            <a:avLst/>
-          </a:prstGeom>
-          <a:solidFill>
-            <a:schemeClr val="bg2"/>
-          </a:solidFill>
-          <a:ln>
-            <a:noFill/>
-          </a:ln>
-        </p:spPr>
-        <p:style>
-          <a:lnRef idx="2">
-            <a:schemeClr val="accent1">
-              <a:shade val="50000"/>
-            </a:schemeClr>
-          </a:lnRef>
-          <a:fillRef idx="1">
-            <a:schemeClr val="accent1"/>
-          </a:fillRef>
-          <a:effectRef idx="0">
-            <a:schemeClr val="accent1"/>
-          </a:effectRef>
-          <a:fontRef idx="minor">
-            <a:schemeClr val="lt1"/>
-          </a:fontRef>
-        </p:style>
-        <p:txBody>
-          <a:bodyPr rtlCol="0" anchor="ctr"/>
-          <a:lstStyle/>
-          <a:p>
-            <a:pPr algn="ctr"/>
-            <a:endParaRPr lang="en-US"/>
-          </a:p>
-        </p:txBody>
-      </p:sp>
-      <p:sp>
-        <p:nvSpPr>
-          <p:cNvPr id="6" name="Rounded Rectangle 5">
-            <a:extLst>
-              <a:ext uri="{FF2B5EF4-FFF2-40B4-BE49-F238E27FC236}">
-                <a16:creationId xmlns:a16="http://schemas.microsoft.com/office/drawing/2014/main" id="{95A39547-A42C-C94D-97DD-8257190A6D8C}"/>
-              </a:ext>
-            </a:extLst>
-          </p:cNvPr>
-          <p:cNvSpPr/>
-          <p:nvPr/>
-        </p:nvSpPr>
-        <p:spPr>
-          <a:xfrm>
-            <a:off x="914400" y="4431440"/>
-            <a:ext cx="1404530" cy="497096"/>
-          </a:xfrm>
-          <a:prstGeom prst="roundRect">
-            <a:avLst>
-              <a:gd name="adj" fmla="val 20191"/>
-            </a:avLst>
-          </a:prstGeom>
-          <a:blipFill>
-            <a:blip r:embed="rId3"/>
-            <a:stretch>
-              <a:fillRect/>
-            </a:stretch>
-          </a:blipFill>
-          <a:ln>
-            <a:noFill/>
-          </a:ln>
-        </p:spPr>
-        <p:style>
-          <a:lnRef idx="2">
-            <a:schemeClr val="accent1">
-              <a:shade val="50000"/>
-            </a:schemeClr>
-          </a:lnRef>
-          <a:fillRef idx="1">
-            <a:schemeClr val="accent1"/>
-          </a:fillRef>
-          <a:effectRef idx="0">
-            <a:schemeClr val="accent1"/>
-          </a:effectRef>
-          <a:fontRef idx="minor">
-            <a:schemeClr val="lt1"/>
-          </a:fontRef>
-        </p:style>
-        <p:txBody>
-          <a:bodyPr rtlCol="0" anchor="ctr"/>
-          <a:lstStyle/>
-          <a:p>
-            <a:pPr algn="ctr"/>
-            <a:endParaRPr lang="en-US" dirty="0"/>
-          </a:p>
-        </p:txBody>
-      </p:sp>
-      <p:pic>
-        <p:nvPicPr>
-          <p:cNvPr id="7" name="Picture 6" descr="A picture containing food&#10;&#10;Description automatically generated">
-            <a:extLst>
-              <a:ext uri="{FF2B5EF4-FFF2-40B4-BE49-F238E27FC236}">
-                <a16:creationId xmlns:a16="http://schemas.microsoft.com/office/drawing/2014/main" id="{8A99D1A0-810D-B14D-8D65-C21D943137C7}"/>
-              </a:ext>
-            </a:extLst>
-          </p:cNvPr>
-          <p:cNvPicPr>
-            <a:picLocks noChangeAspect="1"/>
-          </p:cNvPicPr>
-          <p:nvPr/>
-        </p:nvPicPr>
-        <p:blipFill>
-          <a:blip r:embed="rId4" cstate="print">
-            <a:extLst>
-              <a:ext uri="{28A0092B-C50C-407E-A947-70E740481C1C}">
-                <a14:useLocalDpi xmlns:a14="http://schemas.microsoft.com/office/drawing/2010/main" val="0"/>
-              </a:ext>
-            </a:extLst>
-          </a:blip>
-          <a:stretch>
-            <a:fillRect/>
-          </a:stretch>
-        </p:blipFill>
-        <p:spPr>
-          <a:xfrm>
-            <a:off x="251010" y="4493208"/>
-            <a:ext cx="510990" cy="369432"/>
-          </a:xfrm>
-          <a:prstGeom prst="rect">
-            <a:avLst/>
-          </a:prstGeom>
-        </p:spPr>
-      </p:pic>
-      <p:pic>
-        <p:nvPicPr>
-          <p:cNvPr id="8" name="Picture 7" descr="Georgetown Center for Global Health Science and Security — General ...">
-            <a:extLst>
-              <a:ext uri="{FF2B5EF4-FFF2-40B4-BE49-F238E27FC236}">
-                <a16:creationId xmlns:a16="http://schemas.microsoft.com/office/drawing/2014/main" id="{89B48561-2F5D-4F94-BC0E-FC72ED30185C}"/>
-              </a:ext>
-            </a:extLst>
-          </p:cNvPr>
-          <p:cNvPicPr>
-            <a:picLocks noChangeAspect="1" noChangeArrowheads="1"/>
-          </p:cNvPicPr>
-          <p:nvPr/>
-        </p:nvPicPr>
-        <p:blipFill rotWithShape="1">
-          <a:blip r:embed="rId5" cstate="print">
-            <a:extLst>
-              <a:ext uri="{28A0092B-C50C-407E-A947-70E740481C1C}">
-                <a14:useLocalDpi xmlns:a14="http://schemas.microsoft.com/office/drawing/2010/main" val="0"/>
-              </a:ext>
-            </a:extLst>
-          </a:blip>
-          <a:srcRect t="18343" b="25029"/>
-          <a:stretch/>
-        </p:blipFill>
-        <p:spPr bwMode="auto">
-          <a:xfrm>
-            <a:off x="762000" y="4393515"/>
-            <a:ext cx="1621200" cy="573780"/>
-          </a:xfrm>
-          <a:prstGeom prst="roundRect">
-            <a:avLst/>
-          </a:prstGeom>
-          <a:solidFill>
-            <a:schemeClr val="tx2"/>
-          </a:solidFill>
-        </p:spPr>
-      </p:pic>
     </p:spTree>
     <p:extLst>
       <p:ext uri="{BB962C8B-B14F-4D97-AF65-F5344CB8AC3E}">
@@ -12603,189 +12579,6 @@
           </a:p>
         </p:txBody>
       </p:sp>
-      <p:sp>
-        <p:nvSpPr>
-          <p:cNvPr id="5" name="Rectangle 4">
-            <a:extLst>
-              <a:ext uri="{FF2B5EF4-FFF2-40B4-BE49-F238E27FC236}">
-                <a16:creationId xmlns:a16="http://schemas.microsoft.com/office/drawing/2014/main" id="{884425CD-C12F-FD47-A24B-15AD9188E604}"/>
-              </a:ext>
-            </a:extLst>
-          </p:cNvPr>
-          <p:cNvSpPr/>
-          <p:nvPr/>
-        </p:nvSpPr>
-        <p:spPr>
-          <a:xfrm>
-            <a:off x="0" y="4446824"/>
-            <a:ext cx="1524000" cy="556999"/>
-          </a:xfrm>
-          <a:prstGeom prst="rect">
-            <a:avLst/>
-          </a:prstGeom>
-          <a:solidFill>
-            <a:schemeClr val="bg2"/>
-          </a:solidFill>
-          <a:ln>
-            <a:noFill/>
-          </a:ln>
-        </p:spPr>
-        <p:style>
-          <a:lnRef idx="2">
-            <a:schemeClr val="accent1">
-              <a:shade val="50000"/>
-            </a:schemeClr>
-          </a:lnRef>
-          <a:fillRef idx="1">
-            <a:schemeClr val="accent1"/>
-          </a:fillRef>
-          <a:effectRef idx="0">
-            <a:schemeClr val="accent1"/>
-          </a:effectRef>
-          <a:fontRef idx="minor">
-            <a:schemeClr val="lt1"/>
-          </a:fontRef>
-        </p:style>
-        <p:txBody>
-          <a:bodyPr rtlCol="0" anchor="ctr"/>
-          <a:lstStyle/>
-          <a:p>
-            <a:pPr algn="ctr"/>
-            <a:endParaRPr lang="en-US"/>
-          </a:p>
-        </p:txBody>
-      </p:sp>
-      <p:sp>
-        <p:nvSpPr>
-          <p:cNvPr id="6" name="Rounded Rectangle 5">
-            <a:extLst>
-              <a:ext uri="{FF2B5EF4-FFF2-40B4-BE49-F238E27FC236}">
-                <a16:creationId xmlns:a16="http://schemas.microsoft.com/office/drawing/2014/main" id="{D44CD5DD-0B01-7542-858E-3B5AA67EC989}"/>
-              </a:ext>
-            </a:extLst>
-          </p:cNvPr>
-          <p:cNvSpPr/>
-          <p:nvPr/>
-        </p:nvSpPr>
-        <p:spPr>
-          <a:xfrm>
-            <a:off x="914400" y="4431440"/>
-            <a:ext cx="1404530" cy="497096"/>
-          </a:xfrm>
-          <a:prstGeom prst="roundRect">
-            <a:avLst>
-              <a:gd name="adj" fmla="val 20191"/>
-            </a:avLst>
-          </a:prstGeom>
-          <a:blipFill>
-            <a:blip r:embed="rId3"/>
-            <a:stretch>
-              <a:fillRect/>
-            </a:stretch>
-          </a:blipFill>
-          <a:ln>
-            <a:noFill/>
-          </a:ln>
-        </p:spPr>
-        <p:style>
-          <a:lnRef idx="2">
-            <a:schemeClr val="accent1">
-              <a:shade val="50000"/>
-            </a:schemeClr>
-          </a:lnRef>
-          <a:fillRef idx="1">
-            <a:schemeClr val="accent1"/>
-          </a:fillRef>
-          <a:effectRef idx="0">
-            <a:schemeClr val="accent1"/>
-          </a:effectRef>
-          <a:fontRef idx="minor">
-            <a:schemeClr val="lt1"/>
-          </a:fontRef>
-        </p:style>
-        <p:txBody>
-          <a:bodyPr rtlCol="0" anchor="ctr"/>
-          <a:lstStyle/>
-          <a:p>
-            <a:pPr algn="ctr"/>
-            <a:endParaRPr lang="en-US" dirty="0"/>
-          </a:p>
-        </p:txBody>
-      </p:sp>
-      <p:pic>
-        <p:nvPicPr>
-          <p:cNvPr id="8" name="Picture 7" descr="A picture containing food&#10;&#10;Description automatically generated">
-            <a:extLst>
-              <a:ext uri="{FF2B5EF4-FFF2-40B4-BE49-F238E27FC236}">
-                <a16:creationId xmlns:a16="http://schemas.microsoft.com/office/drawing/2014/main" id="{2FC34683-1BE3-0445-9091-36E93263F97B}"/>
-              </a:ext>
-            </a:extLst>
-          </p:cNvPr>
-          <p:cNvPicPr>
-            <a:picLocks noChangeAspect="1"/>
-          </p:cNvPicPr>
-          <p:nvPr/>
-        </p:nvPicPr>
-        <p:blipFill>
-          <a:blip r:embed="rId4" cstate="print">
-            <a:extLst>
-              <a:ext uri="{28A0092B-C50C-407E-A947-70E740481C1C}">
-                <a14:useLocalDpi xmlns:a14="http://schemas.microsoft.com/office/drawing/2010/main" val="0"/>
-              </a:ext>
-            </a:extLst>
-          </a:blip>
-          <a:stretch>
-            <a:fillRect/>
-          </a:stretch>
-        </p:blipFill>
-        <p:spPr>
-          <a:xfrm>
-            <a:off x="251010" y="4493208"/>
-            <a:ext cx="510990" cy="369432"/>
-          </a:xfrm>
-          <a:prstGeom prst="rect">
-            <a:avLst/>
-          </a:prstGeom>
-        </p:spPr>
-      </p:pic>
-      <p:pic>
-        <p:nvPicPr>
-          <p:cNvPr id="9" name="Picture 8" descr="Georgetown Center for Global Health Science and Security — General ...">
-            <a:extLst>
-              <a:ext uri="{FF2B5EF4-FFF2-40B4-BE49-F238E27FC236}">
-                <a16:creationId xmlns:a16="http://schemas.microsoft.com/office/drawing/2014/main" id="{7E8C084C-9812-4BA9-B210-9E5CBAA059B5}"/>
-              </a:ext>
-            </a:extLst>
-          </p:cNvPr>
-          <p:cNvPicPr>
-            <a:picLocks noChangeAspect="1" noChangeArrowheads="1"/>
-          </p:cNvPicPr>
-          <p:nvPr/>
-        </p:nvPicPr>
-        <p:blipFill rotWithShape="1">
-          <a:blip r:embed="rId5" cstate="print">
-            <a:extLst>
-              <a:ext uri="{28A0092B-C50C-407E-A947-70E740481C1C}">
-                <a14:useLocalDpi xmlns:a14="http://schemas.microsoft.com/office/drawing/2010/main" val="0"/>
-              </a:ext>
-            </a:extLst>
-          </a:blip>
-          <a:srcRect t="18343" b="25029"/>
-          <a:stretch/>
-        </p:blipFill>
-        <p:spPr bwMode="auto">
-          <a:xfrm>
-            <a:off x="762000" y="4393515"/>
-            <a:ext cx="1621200" cy="573780"/>
-          </a:xfrm>
-          <a:prstGeom prst="roundRect">
-            <a:avLst/>
-          </a:prstGeom>
-          <a:solidFill>
-            <a:schemeClr val="tx2"/>
-          </a:solidFill>
-        </p:spPr>
-      </p:pic>
     </p:spTree>
     <p:extLst>
       <p:ext uri="{BB962C8B-B14F-4D97-AF65-F5344CB8AC3E}">
@@ -13005,189 +12798,6 @@
           </a:p>
         </p:txBody>
       </p:sp>
-      <p:sp>
-        <p:nvSpPr>
-          <p:cNvPr id="7" name="Rectangle 6">
-            <a:extLst>
-              <a:ext uri="{FF2B5EF4-FFF2-40B4-BE49-F238E27FC236}">
-                <a16:creationId xmlns:a16="http://schemas.microsoft.com/office/drawing/2014/main" id="{627A311C-A935-5C4C-8D85-C90C08011D4A}"/>
-              </a:ext>
-            </a:extLst>
-          </p:cNvPr>
-          <p:cNvSpPr/>
-          <p:nvPr/>
-        </p:nvSpPr>
-        <p:spPr>
-          <a:xfrm>
-            <a:off x="0" y="4446824"/>
-            <a:ext cx="1524000" cy="556999"/>
-          </a:xfrm>
-          <a:prstGeom prst="rect">
-            <a:avLst/>
-          </a:prstGeom>
-          <a:solidFill>
-            <a:schemeClr val="bg2"/>
-          </a:solidFill>
-          <a:ln>
-            <a:noFill/>
-          </a:ln>
-        </p:spPr>
-        <p:style>
-          <a:lnRef idx="2">
-            <a:schemeClr val="accent1">
-              <a:shade val="50000"/>
-            </a:schemeClr>
-          </a:lnRef>
-          <a:fillRef idx="1">
-            <a:schemeClr val="accent1"/>
-          </a:fillRef>
-          <a:effectRef idx="0">
-            <a:schemeClr val="accent1"/>
-          </a:effectRef>
-          <a:fontRef idx="minor">
-            <a:schemeClr val="lt1"/>
-          </a:fontRef>
-        </p:style>
-        <p:txBody>
-          <a:bodyPr rtlCol="0" anchor="ctr"/>
-          <a:lstStyle/>
-          <a:p>
-            <a:pPr algn="ctr"/>
-            <a:endParaRPr lang="en-US"/>
-          </a:p>
-        </p:txBody>
-      </p:sp>
-      <p:sp>
-        <p:nvSpPr>
-          <p:cNvPr id="8" name="Rounded Rectangle 7">
-            <a:extLst>
-              <a:ext uri="{FF2B5EF4-FFF2-40B4-BE49-F238E27FC236}">
-                <a16:creationId xmlns:a16="http://schemas.microsoft.com/office/drawing/2014/main" id="{91B8A70B-EBFA-9348-8E4C-451D3F5F9B68}"/>
-              </a:ext>
-            </a:extLst>
-          </p:cNvPr>
-          <p:cNvSpPr/>
-          <p:nvPr/>
-        </p:nvSpPr>
-        <p:spPr>
-          <a:xfrm>
-            <a:off x="914400" y="4431440"/>
-            <a:ext cx="1404530" cy="497096"/>
-          </a:xfrm>
-          <a:prstGeom prst="roundRect">
-            <a:avLst>
-              <a:gd name="adj" fmla="val 20191"/>
-            </a:avLst>
-          </a:prstGeom>
-          <a:blipFill>
-            <a:blip r:embed="rId3"/>
-            <a:stretch>
-              <a:fillRect/>
-            </a:stretch>
-          </a:blipFill>
-          <a:ln>
-            <a:noFill/>
-          </a:ln>
-        </p:spPr>
-        <p:style>
-          <a:lnRef idx="2">
-            <a:schemeClr val="accent1">
-              <a:shade val="50000"/>
-            </a:schemeClr>
-          </a:lnRef>
-          <a:fillRef idx="1">
-            <a:schemeClr val="accent1"/>
-          </a:fillRef>
-          <a:effectRef idx="0">
-            <a:schemeClr val="accent1"/>
-          </a:effectRef>
-          <a:fontRef idx="minor">
-            <a:schemeClr val="lt1"/>
-          </a:fontRef>
-        </p:style>
-        <p:txBody>
-          <a:bodyPr rtlCol="0" anchor="ctr"/>
-          <a:lstStyle/>
-          <a:p>
-            <a:pPr algn="ctr"/>
-            <a:endParaRPr lang="en-US" dirty="0"/>
-          </a:p>
-        </p:txBody>
-      </p:sp>
-      <p:pic>
-        <p:nvPicPr>
-          <p:cNvPr id="9" name="Picture 8" descr="A picture containing food&#10;&#10;Description automatically generated">
-            <a:extLst>
-              <a:ext uri="{FF2B5EF4-FFF2-40B4-BE49-F238E27FC236}">
-                <a16:creationId xmlns:a16="http://schemas.microsoft.com/office/drawing/2014/main" id="{7B940600-F494-AE4C-811E-0576DB1D0357}"/>
-              </a:ext>
-            </a:extLst>
-          </p:cNvPr>
-          <p:cNvPicPr>
-            <a:picLocks noChangeAspect="1"/>
-          </p:cNvPicPr>
-          <p:nvPr/>
-        </p:nvPicPr>
-        <p:blipFill>
-          <a:blip r:embed="rId4" cstate="print">
-            <a:extLst>
-              <a:ext uri="{28A0092B-C50C-407E-A947-70E740481C1C}">
-                <a14:useLocalDpi xmlns:a14="http://schemas.microsoft.com/office/drawing/2010/main" val="0"/>
-              </a:ext>
-            </a:extLst>
-          </a:blip>
-          <a:stretch>
-            <a:fillRect/>
-          </a:stretch>
-        </p:blipFill>
-        <p:spPr>
-          <a:xfrm>
-            <a:off x="251010" y="4493208"/>
-            <a:ext cx="510990" cy="369432"/>
-          </a:xfrm>
-          <a:prstGeom prst="rect">
-            <a:avLst/>
-          </a:prstGeom>
-        </p:spPr>
-      </p:pic>
-      <p:pic>
-        <p:nvPicPr>
-          <p:cNvPr id="10" name="Picture 9" descr="Georgetown Center for Global Health Science and Security — General ...">
-            <a:extLst>
-              <a:ext uri="{FF2B5EF4-FFF2-40B4-BE49-F238E27FC236}">
-                <a16:creationId xmlns:a16="http://schemas.microsoft.com/office/drawing/2014/main" id="{A418BAA6-F363-4229-82E7-C0A2A4A0EC05}"/>
-              </a:ext>
-            </a:extLst>
-          </p:cNvPr>
-          <p:cNvPicPr>
-            <a:picLocks noChangeAspect="1" noChangeArrowheads="1"/>
-          </p:cNvPicPr>
-          <p:nvPr/>
-        </p:nvPicPr>
-        <p:blipFill rotWithShape="1">
-          <a:blip r:embed="rId5" cstate="print">
-            <a:extLst>
-              <a:ext uri="{28A0092B-C50C-407E-A947-70E740481C1C}">
-                <a14:useLocalDpi xmlns:a14="http://schemas.microsoft.com/office/drawing/2010/main" val="0"/>
-              </a:ext>
-            </a:extLst>
-          </a:blip>
-          <a:srcRect t="18343" b="25029"/>
-          <a:stretch/>
-        </p:blipFill>
-        <p:spPr bwMode="auto">
-          <a:xfrm>
-            <a:off x="762000" y="4393515"/>
-            <a:ext cx="1621200" cy="573780"/>
-          </a:xfrm>
-          <a:prstGeom prst="roundRect">
-            <a:avLst/>
-          </a:prstGeom>
-          <a:solidFill>
-            <a:schemeClr val="tx2"/>
-          </a:solidFill>
-        </p:spPr>
-      </p:pic>
     </p:spTree>
     <p:extLst>
       <p:ext uri="{BB962C8B-B14F-4D97-AF65-F5344CB8AC3E}">
@@ -13353,189 +12963,6 @@
           </a:prstGeom>
         </p:spPr>
       </p:pic>
-      <p:sp>
-        <p:nvSpPr>
-          <p:cNvPr id="6" name="Rectangle 5">
-            <a:extLst>
-              <a:ext uri="{FF2B5EF4-FFF2-40B4-BE49-F238E27FC236}">
-                <a16:creationId xmlns:a16="http://schemas.microsoft.com/office/drawing/2014/main" id="{524F5658-C723-C64F-8687-B0B22BDF5A37}"/>
-              </a:ext>
-            </a:extLst>
-          </p:cNvPr>
-          <p:cNvSpPr/>
-          <p:nvPr/>
-        </p:nvSpPr>
-        <p:spPr>
-          <a:xfrm>
-            <a:off x="0" y="4446824"/>
-            <a:ext cx="1524000" cy="556999"/>
-          </a:xfrm>
-          <a:prstGeom prst="rect">
-            <a:avLst/>
-          </a:prstGeom>
-          <a:solidFill>
-            <a:schemeClr val="bg2"/>
-          </a:solidFill>
-          <a:ln>
-            <a:noFill/>
-          </a:ln>
-        </p:spPr>
-        <p:style>
-          <a:lnRef idx="2">
-            <a:schemeClr val="accent1">
-              <a:shade val="50000"/>
-            </a:schemeClr>
-          </a:lnRef>
-          <a:fillRef idx="1">
-            <a:schemeClr val="accent1"/>
-          </a:fillRef>
-          <a:effectRef idx="0">
-            <a:schemeClr val="accent1"/>
-          </a:effectRef>
-          <a:fontRef idx="minor">
-            <a:schemeClr val="lt1"/>
-          </a:fontRef>
-        </p:style>
-        <p:txBody>
-          <a:bodyPr rtlCol="0" anchor="ctr"/>
-          <a:lstStyle/>
-          <a:p>
-            <a:pPr algn="ctr"/>
-            <a:endParaRPr lang="en-US"/>
-          </a:p>
-        </p:txBody>
-      </p:sp>
-      <p:sp>
-        <p:nvSpPr>
-          <p:cNvPr id="7" name="Rounded Rectangle 6">
-            <a:extLst>
-              <a:ext uri="{FF2B5EF4-FFF2-40B4-BE49-F238E27FC236}">
-                <a16:creationId xmlns:a16="http://schemas.microsoft.com/office/drawing/2014/main" id="{41C96C88-D1E4-D44B-86C0-FE5580F45BC4}"/>
-              </a:ext>
-            </a:extLst>
-          </p:cNvPr>
-          <p:cNvSpPr/>
-          <p:nvPr/>
-        </p:nvSpPr>
-        <p:spPr>
-          <a:xfrm>
-            <a:off x="914400" y="4431440"/>
-            <a:ext cx="1404530" cy="497096"/>
-          </a:xfrm>
-          <a:prstGeom prst="roundRect">
-            <a:avLst>
-              <a:gd name="adj" fmla="val 20191"/>
-            </a:avLst>
-          </a:prstGeom>
-          <a:blipFill>
-            <a:blip r:embed="rId4"/>
-            <a:stretch>
-              <a:fillRect/>
-            </a:stretch>
-          </a:blipFill>
-          <a:ln>
-            <a:noFill/>
-          </a:ln>
-        </p:spPr>
-        <p:style>
-          <a:lnRef idx="2">
-            <a:schemeClr val="accent1">
-              <a:shade val="50000"/>
-            </a:schemeClr>
-          </a:lnRef>
-          <a:fillRef idx="1">
-            <a:schemeClr val="accent1"/>
-          </a:fillRef>
-          <a:effectRef idx="0">
-            <a:schemeClr val="accent1"/>
-          </a:effectRef>
-          <a:fontRef idx="minor">
-            <a:schemeClr val="lt1"/>
-          </a:fontRef>
-        </p:style>
-        <p:txBody>
-          <a:bodyPr rtlCol="0" anchor="ctr"/>
-          <a:lstStyle/>
-          <a:p>
-            <a:pPr algn="ctr"/>
-            <a:endParaRPr lang="en-US" dirty="0"/>
-          </a:p>
-        </p:txBody>
-      </p:sp>
-      <p:pic>
-        <p:nvPicPr>
-          <p:cNvPr id="8" name="Picture 7" descr="A picture containing food&#10;&#10;Description automatically generated">
-            <a:extLst>
-              <a:ext uri="{FF2B5EF4-FFF2-40B4-BE49-F238E27FC236}">
-                <a16:creationId xmlns:a16="http://schemas.microsoft.com/office/drawing/2014/main" id="{CC1817A6-6AC5-6043-A4D5-B397845BDF53}"/>
-              </a:ext>
-            </a:extLst>
-          </p:cNvPr>
-          <p:cNvPicPr>
-            <a:picLocks noChangeAspect="1"/>
-          </p:cNvPicPr>
-          <p:nvPr/>
-        </p:nvPicPr>
-        <p:blipFill>
-          <a:blip r:embed="rId5" cstate="print">
-            <a:extLst>
-              <a:ext uri="{28A0092B-C50C-407E-A947-70E740481C1C}">
-                <a14:useLocalDpi xmlns:a14="http://schemas.microsoft.com/office/drawing/2010/main" val="0"/>
-              </a:ext>
-            </a:extLst>
-          </a:blip>
-          <a:stretch>
-            <a:fillRect/>
-          </a:stretch>
-        </p:blipFill>
-        <p:spPr>
-          <a:xfrm>
-            <a:off x="251010" y="4493208"/>
-            <a:ext cx="510990" cy="369432"/>
-          </a:xfrm>
-          <a:prstGeom prst="rect">
-            <a:avLst/>
-          </a:prstGeom>
-        </p:spPr>
-      </p:pic>
-      <p:pic>
-        <p:nvPicPr>
-          <p:cNvPr id="9" name="Picture 8" descr="Georgetown Center for Global Health Science and Security — General ...">
-            <a:extLst>
-              <a:ext uri="{FF2B5EF4-FFF2-40B4-BE49-F238E27FC236}">
-                <a16:creationId xmlns:a16="http://schemas.microsoft.com/office/drawing/2014/main" id="{1E2D796D-B02C-4B76-AF4B-A7D9C018879E}"/>
-              </a:ext>
-            </a:extLst>
-          </p:cNvPr>
-          <p:cNvPicPr>
-            <a:picLocks noChangeAspect="1" noChangeArrowheads="1"/>
-          </p:cNvPicPr>
-          <p:nvPr/>
-        </p:nvPicPr>
-        <p:blipFill rotWithShape="1">
-          <a:blip r:embed="rId6" cstate="print">
-            <a:extLst>
-              <a:ext uri="{28A0092B-C50C-407E-A947-70E740481C1C}">
-                <a14:useLocalDpi xmlns:a14="http://schemas.microsoft.com/office/drawing/2010/main" val="0"/>
-              </a:ext>
-            </a:extLst>
-          </a:blip>
-          <a:srcRect t="18343" b="25029"/>
-          <a:stretch/>
-        </p:blipFill>
-        <p:spPr bwMode="auto">
-          <a:xfrm>
-            <a:off x="762000" y="4393515"/>
-            <a:ext cx="1621200" cy="573780"/>
-          </a:xfrm>
-          <a:prstGeom prst="roundRect">
-            <a:avLst/>
-          </a:prstGeom>
-          <a:solidFill>
-            <a:schemeClr val="tx2"/>
-          </a:solidFill>
-        </p:spPr>
-      </p:pic>
     </p:spTree>
     <p:extLst>
       <p:ext uri="{BB962C8B-B14F-4D97-AF65-F5344CB8AC3E}">
@@ -13695,189 +13122,6 @@
           </a:p>
         </p:txBody>
       </p:sp>
-      <p:sp>
-        <p:nvSpPr>
-          <p:cNvPr id="6" name="Rectangle 5">
-            <a:extLst>
-              <a:ext uri="{FF2B5EF4-FFF2-40B4-BE49-F238E27FC236}">
-                <a16:creationId xmlns:a16="http://schemas.microsoft.com/office/drawing/2014/main" id="{560D922E-1BFD-3644-A086-5413DBA1B2E8}"/>
-              </a:ext>
-            </a:extLst>
-          </p:cNvPr>
-          <p:cNvSpPr/>
-          <p:nvPr/>
-        </p:nvSpPr>
-        <p:spPr>
-          <a:xfrm>
-            <a:off x="0" y="4446824"/>
-            <a:ext cx="1524000" cy="556999"/>
-          </a:xfrm>
-          <a:prstGeom prst="rect">
-            <a:avLst/>
-          </a:prstGeom>
-          <a:solidFill>
-            <a:schemeClr val="bg2"/>
-          </a:solidFill>
-          <a:ln>
-            <a:noFill/>
-          </a:ln>
-        </p:spPr>
-        <p:style>
-          <a:lnRef idx="2">
-            <a:schemeClr val="accent1">
-              <a:shade val="50000"/>
-            </a:schemeClr>
-          </a:lnRef>
-          <a:fillRef idx="1">
-            <a:schemeClr val="accent1"/>
-          </a:fillRef>
-          <a:effectRef idx="0">
-            <a:schemeClr val="accent1"/>
-          </a:effectRef>
-          <a:fontRef idx="minor">
-            <a:schemeClr val="lt1"/>
-          </a:fontRef>
-        </p:style>
-        <p:txBody>
-          <a:bodyPr rtlCol="0" anchor="ctr"/>
-          <a:lstStyle/>
-          <a:p>
-            <a:pPr algn="ctr"/>
-            <a:endParaRPr lang="en-US"/>
-          </a:p>
-        </p:txBody>
-      </p:sp>
-      <p:sp>
-        <p:nvSpPr>
-          <p:cNvPr id="8" name="Rounded Rectangle 7">
-            <a:extLst>
-              <a:ext uri="{FF2B5EF4-FFF2-40B4-BE49-F238E27FC236}">
-                <a16:creationId xmlns:a16="http://schemas.microsoft.com/office/drawing/2014/main" id="{70EE3917-A362-C746-BB36-A36BBD28C692}"/>
-              </a:ext>
-            </a:extLst>
-          </p:cNvPr>
-          <p:cNvSpPr/>
-          <p:nvPr/>
-        </p:nvSpPr>
-        <p:spPr>
-          <a:xfrm>
-            <a:off x="914400" y="4431440"/>
-            <a:ext cx="1404530" cy="497096"/>
-          </a:xfrm>
-          <a:prstGeom prst="roundRect">
-            <a:avLst>
-              <a:gd name="adj" fmla="val 20191"/>
-            </a:avLst>
-          </a:prstGeom>
-          <a:blipFill>
-            <a:blip r:embed="rId3"/>
-            <a:stretch>
-              <a:fillRect/>
-            </a:stretch>
-          </a:blipFill>
-          <a:ln>
-            <a:noFill/>
-          </a:ln>
-        </p:spPr>
-        <p:style>
-          <a:lnRef idx="2">
-            <a:schemeClr val="accent1">
-              <a:shade val="50000"/>
-            </a:schemeClr>
-          </a:lnRef>
-          <a:fillRef idx="1">
-            <a:schemeClr val="accent1"/>
-          </a:fillRef>
-          <a:effectRef idx="0">
-            <a:schemeClr val="accent1"/>
-          </a:effectRef>
-          <a:fontRef idx="minor">
-            <a:schemeClr val="lt1"/>
-          </a:fontRef>
-        </p:style>
-        <p:txBody>
-          <a:bodyPr rtlCol="0" anchor="ctr"/>
-          <a:lstStyle/>
-          <a:p>
-            <a:pPr algn="ctr"/>
-            <a:endParaRPr lang="en-US" dirty="0"/>
-          </a:p>
-        </p:txBody>
-      </p:sp>
-      <p:pic>
-        <p:nvPicPr>
-          <p:cNvPr id="9" name="Picture 8" descr="A picture containing food&#10;&#10;Description automatically generated">
-            <a:extLst>
-              <a:ext uri="{FF2B5EF4-FFF2-40B4-BE49-F238E27FC236}">
-                <a16:creationId xmlns:a16="http://schemas.microsoft.com/office/drawing/2014/main" id="{175E090B-32EF-2846-AEF5-9CB06CC12B78}"/>
-              </a:ext>
-            </a:extLst>
-          </p:cNvPr>
-          <p:cNvPicPr>
-            <a:picLocks noChangeAspect="1"/>
-          </p:cNvPicPr>
-          <p:nvPr/>
-        </p:nvPicPr>
-        <p:blipFill>
-          <a:blip r:embed="rId4" cstate="print">
-            <a:extLst>
-              <a:ext uri="{28A0092B-C50C-407E-A947-70E740481C1C}">
-                <a14:useLocalDpi xmlns:a14="http://schemas.microsoft.com/office/drawing/2010/main" val="0"/>
-              </a:ext>
-            </a:extLst>
-          </a:blip>
-          <a:stretch>
-            <a:fillRect/>
-          </a:stretch>
-        </p:blipFill>
-        <p:spPr>
-          <a:xfrm>
-            <a:off x="251010" y="4493208"/>
-            <a:ext cx="510990" cy="369432"/>
-          </a:xfrm>
-          <a:prstGeom prst="rect">
-            <a:avLst/>
-          </a:prstGeom>
-        </p:spPr>
-      </p:pic>
-      <p:pic>
-        <p:nvPicPr>
-          <p:cNvPr id="10" name="Picture 9" descr="Georgetown Center for Global Health Science and Security — General ...">
-            <a:extLst>
-              <a:ext uri="{FF2B5EF4-FFF2-40B4-BE49-F238E27FC236}">
-                <a16:creationId xmlns:a16="http://schemas.microsoft.com/office/drawing/2014/main" id="{B8431367-18D9-4619-87EA-3B0D2DC6396A}"/>
-              </a:ext>
-            </a:extLst>
-          </p:cNvPr>
-          <p:cNvPicPr>
-            <a:picLocks noChangeAspect="1" noChangeArrowheads="1"/>
-          </p:cNvPicPr>
-          <p:nvPr/>
-        </p:nvPicPr>
-        <p:blipFill rotWithShape="1">
-          <a:blip r:embed="rId5" cstate="print">
-            <a:extLst>
-              <a:ext uri="{28A0092B-C50C-407E-A947-70E740481C1C}">
-                <a14:useLocalDpi xmlns:a14="http://schemas.microsoft.com/office/drawing/2010/main" val="0"/>
-              </a:ext>
-            </a:extLst>
-          </a:blip>
-          <a:srcRect t="18343" b="25029"/>
-          <a:stretch/>
-        </p:blipFill>
-        <p:spPr bwMode="auto">
-          <a:xfrm>
-            <a:off x="762000" y="4393515"/>
-            <a:ext cx="1621200" cy="573780"/>
-          </a:xfrm>
-          <a:prstGeom prst="roundRect">
-            <a:avLst/>
-          </a:prstGeom>
-          <a:solidFill>
-            <a:schemeClr val="tx2"/>
-          </a:solidFill>
-        </p:spPr>
-      </p:pic>
     </p:spTree>
     <p:extLst>
       <p:ext uri="{BB962C8B-B14F-4D97-AF65-F5344CB8AC3E}">
@@ -14009,189 +13253,6 @@
           </a:p>
         </p:txBody>
       </p:sp>
-      <p:sp>
-        <p:nvSpPr>
-          <p:cNvPr id="5" name="Rectangle 4">
-            <a:extLst>
-              <a:ext uri="{FF2B5EF4-FFF2-40B4-BE49-F238E27FC236}">
-                <a16:creationId xmlns:a16="http://schemas.microsoft.com/office/drawing/2014/main" id="{67FA9F08-B182-5847-A415-F5A9E62CC75A}"/>
-              </a:ext>
-            </a:extLst>
-          </p:cNvPr>
-          <p:cNvSpPr/>
-          <p:nvPr/>
-        </p:nvSpPr>
-        <p:spPr>
-          <a:xfrm>
-            <a:off x="0" y="4446824"/>
-            <a:ext cx="1524000" cy="556999"/>
-          </a:xfrm>
-          <a:prstGeom prst="rect">
-            <a:avLst/>
-          </a:prstGeom>
-          <a:solidFill>
-            <a:schemeClr val="bg2"/>
-          </a:solidFill>
-          <a:ln>
-            <a:noFill/>
-          </a:ln>
-        </p:spPr>
-        <p:style>
-          <a:lnRef idx="2">
-            <a:schemeClr val="accent1">
-              <a:shade val="50000"/>
-            </a:schemeClr>
-          </a:lnRef>
-          <a:fillRef idx="1">
-            <a:schemeClr val="accent1"/>
-          </a:fillRef>
-          <a:effectRef idx="0">
-            <a:schemeClr val="accent1"/>
-          </a:effectRef>
-          <a:fontRef idx="minor">
-            <a:schemeClr val="lt1"/>
-          </a:fontRef>
-        </p:style>
-        <p:txBody>
-          <a:bodyPr rtlCol="0" anchor="ctr"/>
-          <a:lstStyle/>
-          <a:p>
-            <a:pPr algn="ctr"/>
-            <a:endParaRPr lang="en-US"/>
-          </a:p>
-        </p:txBody>
-      </p:sp>
-      <p:sp>
-        <p:nvSpPr>
-          <p:cNvPr id="6" name="Rounded Rectangle 5">
-            <a:extLst>
-              <a:ext uri="{FF2B5EF4-FFF2-40B4-BE49-F238E27FC236}">
-                <a16:creationId xmlns:a16="http://schemas.microsoft.com/office/drawing/2014/main" id="{098BCEB0-33F2-0B4B-B1CF-BAF77DDB2EF7}"/>
-              </a:ext>
-            </a:extLst>
-          </p:cNvPr>
-          <p:cNvSpPr/>
-          <p:nvPr/>
-        </p:nvSpPr>
-        <p:spPr>
-          <a:xfrm>
-            <a:off x="914400" y="4431440"/>
-            <a:ext cx="1404530" cy="497096"/>
-          </a:xfrm>
-          <a:prstGeom prst="roundRect">
-            <a:avLst>
-              <a:gd name="adj" fmla="val 20191"/>
-            </a:avLst>
-          </a:prstGeom>
-          <a:blipFill>
-            <a:blip r:embed="rId3"/>
-            <a:stretch>
-              <a:fillRect/>
-            </a:stretch>
-          </a:blipFill>
-          <a:ln>
-            <a:noFill/>
-          </a:ln>
-        </p:spPr>
-        <p:style>
-          <a:lnRef idx="2">
-            <a:schemeClr val="accent1">
-              <a:shade val="50000"/>
-            </a:schemeClr>
-          </a:lnRef>
-          <a:fillRef idx="1">
-            <a:schemeClr val="accent1"/>
-          </a:fillRef>
-          <a:effectRef idx="0">
-            <a:schemeClr val="accent1"/>
-          </a:effectRef>
-          <a:fontRef idx="minor">
-            <a:schemeClr val="lt1"/>
-          </a:fontRef>
-        </p:style>
-        <p:txBody>
-          <a:bodyPr rtlCol="0" anchor="ctr"/>
-          <a:lstStyle/>
-          <a:p>
-            <a:pPr algn="ctr"/>
-            <a:endParaRPr lang="en-US" dirty="0"/>
-          </a:p>
-        </p:txBody>
-      </p:sp>
-      <p:pic>
-        <p:nvPicPr>
-          <p:cNvPr id="7" name="Picture 6" descr="A picture containing food&#10;&#10;Description automatically generated">
-            <a:extLst>
-              <a:ext uri="{FF2B5EF4-FFF2-40B4-BE49-F238E27FC236}">
-                <a16:creationId xmlns:a16="http://schemas.microsoft.com/office/drawing/2014/main" id="{2FDDD2EC-CF45-834F-A659-891566AD2848}"/>
-              </a:ext>
-            </a:extLst>
-          </p:cNvPr>
-          <p:cNvPicPr>
-            <a:picLocks noChangeAspect="1"/>
-          </p:cNvPicPr>
-          <p:nvPr/>
-        </p:nvPicPr>
-        <p:blipFill>
-          <a:blip r:embed="rId4" cstate="print">
-            <a:extLst>
-              <a:ext uri="{28A0092B-C50C-407E-A947-70E740481C1C}">
-                <a14:useLocalDpi xmlns:a14="http://schemas.microsoft.com/office/drawing/2010/main" val="0"/>
-              </a:ext>
-            </a:extLst>
-          </a:blip>
-          <a:stretch>
-            <a:fillRect/>
-          </a:stretch>
-        </p:blipFill>
-        <p:spPr>
-          <a:xfrm>
-            <a:off x="251010" y="4493208"/>
-            <a:ext cx="510990" cy="369432"/>
-          </a:xfrm>
-          <a:prstGeom prst="rect">
-            <a:avLst/>
-          </a:prstGeom>
-        </p:spPr>
-      </p:pic>
-      <p:pic>
-        <p:nvPicPr>
-          <p:cNvPr id="8" name="Picture 7" descr="Georgetown Center for Global Health Science and Security — General ...">
-            <a:extLst>
-              <a:ext uri="{FF2B5EF4-FFF2-40B4-BE49-F238E27FC236}">
-                <a16:creationId xmlns:a16="http://schemas.microsoft.com/office/drawing/2014/main" id="{3D2ACAE4-D778-4327-9F03-D86E4C87BB50}"/>
-              </a:ext>
-            </a:extLst>
-          </p:cNvPr>
-          <p:cNvPicPr>
-            <a:picLocks noChangeAspect="1" noChangeArrowheads="1"/>
-          </p:cNvPicPr>
-          <p:nvPr/>
-        </p:nvPicPr>
-        <p:blipFill rotWithShape="1">
-          <a:blip r:embed="rId5" cstate="print">
-            <a:extLst>
-              <a:ext uri="{28A0092B-C50C-407E-A947-70E740481C1C}">
-                <a14:useLocalDpi xmlns:a14="http://schemas.microsoft.com/office/drawing/2010/main" val="0"/>
-              </a:ext>
-            </a:extLst>
-          </a:blip>
-          <a:srcRect t="18343" b="25029"/>
-          <a:stretch/>
-        </p:blipFill>
-        <p:spPr bwMode="auto">
-          <a:xfrm>
-            <a:off x="762000" y="4393515"/>
-            <a:ext cx="1621200" cy="573780"/>
-          </a:xfrm>
-          <a:prstGeom prst="roundRect">
-            <a:avLst/>
-          </a:prstGeom>
-          <a:solidFill>
-            <a:schemeClr val="tx2"/>
-          </a:solidFill>
-        </p:spPr>
-      </p:pic>
     </p:spTree>
     <p:extLst>
       <p:ext uri="{BB962C8B-B14F-4D97-AF65-F5344CB8AC3E}">
@@ -14307,189 +13368,6 @@
           </a:p>
         </p:txBody>
       </p:sp>
-      <p:sp>
-        <p:nvSpPr>
-          <p:cNvPr id="5" name="Rectangle 4">
-            <a:extLst>
-              <a:ext uri="{FF2B5EF4-FFF2-40B4-BE49-F238E27FC236}">
-                <a16:creationId xmlns:a16="http://schemas.microsoft.com/office/drawing/2014/main" id="{67FA9F08-B182-5847-A415-F5A9E62CC75A}"/>
-              </a:ext>
-            </a:extLst>
-          </p:cNvPr>
-          <p:cNvSpPr/>
-          <p:nvPr/>
-        </p:nvSpPr>
-        <p:spPr>
-          <a:xfrm>
-            <a:off x="0" y="4446824"/>
-            <a:ext cx="1524000" cy="556999"/>
-          </a:xfrm>
-          <a:prstGeom prst="rect">
-            <a:avLst/>
-          </a:prstGeom>
-          <a:solidFill>
-            <a:schemeClr val="bg2"/>
-          </a:solidFill>
-          <a:ln>
-            <a:noFill/>
-          </a:ln>
-        </p:spPr>
-        <p:style>
-          <a:lnRef idx="2">
-            <a:schemeClr val="accent1">
-              <a:shade val="50000"/>
-            </a:schemeClr>
-          </a:lnRef>
-          <a:fillRef idx="1">
-            <a:schemeClr val="accent1"/>
-          </a:fillRef>
-          <a:effectRef idx="0">
-            <a:schemeClr val="accent1"/>
-          </a:effectRef>
-          <a:fontRef idx="minor">
-            <a:schemeClr val="lt1"/>
-          </a:fontRef>
-        </p:style>
-        <p:txBody>
-          <a:bodyPr rtlCol="0" anchor="ctr"/>
-          <a:lstStyle/>
-          <a:p>
-            <a:pPr algn="ctr"/>
-            <a:endParaRPr lang="en-US"/>
-          </a:p>
-        </p:txBody>
-      </p:sp>
-      <p:sp>
-        <p:nvSpPr>
-          <p:cNvPr id="6" name="Rounded Rectangle 5">
-            <a:extLst>
-              <a:ext uri="{FF2B5EF4-FFF2-40B4-BE49-F238E27FC236}">
-                <a16:creationId xmlns:a16="http://schemas.microsoft.com/office/drawing/2014/main" id="{098BCEB0-33F2-0B4B-B1CF-BAF77DDB2EF7}"/>
-              </a:ext>
-            </a:extLst>
-          </p:cNvPr>
-          <p:cNvSpPr/>
-          <p:nvPr/>
-        </p:nvSpPr>
-        <p:spPr>
-          <a:xfrm>
-            <a:off x="914400" y="4431440"/>
-            <a:ext cx="1404530" cy="497096"/>
-          </a:xfrm>
-          <a:prstGeom prst="roundRect">
-            <a:avLst>
-              <a:gd name="adj" fmla="val 20191"/>
-            </a:avLst>
-          </a:prstGeom>
-          <a:blipFill>
-            <a:blip r:embed="rId3"/>
-            <a:stretch>
-              <a:fillRect/>
-            </a:stretch>
-          </a:blipFill>
-          <a:ln>
-            <a:noFill/>
-          </a:ln>
-        </p:spPr>
-        <p:style>
-          <a:lnRef idx="2">
-            <a:schemeClr val="accent1">
-              <a:shade val="50000"/>
-            </a:schemeClr>
-          </a:lnRef>
-          <a:fillRef idx="1">
-            <a:schemeClr val="accent1"/>
-          </a:fillRef>
-          <a:effectRef idx="0">
-            <a:schemeClr val="accent1"/>
-          </a:effectRef>
-          <a:fontRef idx="minor">
-            <a:schemeClr val="lt1"/>
-          </a:fontRef>
-        </p:style>
-        <p:txBody>
-          <a:bodyPr rtlCol="0" anchor="ctr"/>
-          <a:lstStyle/>
-          <a:p>
-            <a:pPr algn="ctr"/>
-            <a:endParaRPr lang="en-US" dirty="0"/>
-          </a:p>
-        </p:txBody>
-      </p:sp>
-      <p:pic>
-        <p:nvPicPr>
-          <p:cNvPr id="7" name="Picture 6" descr="A picture containing food&#10;&#10;Description automatically generated">
-            <a:extLst>
-              <a:ext uri="{FF2B5EF4-FFF2-40B4-BE49-F238E27FC236}">
-                <a16:creationId xmlns:a16="http://schemas.microsoft.com/office/drawing/2014/main" id="{2FDDD2EC-CF45-834F-A659-891566AD2848}"/>
-              </a:ext>
-            </a:extLst>
-          </p:cNvPr>
-          <p:cNvPicPr>
-            <a:picLocks noChangeAspect="1"/>
-          </p:cNvPicPr>
-          <p:nvPr/>
-        </p:nvPicPr>
-        <p:blipFill>
-          <a:blip r:embed="rId4" cstate="print">
-            <a:extLst>
-              <a:ext uri="{28A0092B-C50C-407E-A947-70E740481C1C}">
-                <a14:useLocalDpi xmlns:a14="http://schemas.microsoft.com/office/drawing/2010/main" val="0"/>
-              </a:ext>
-            </a:extLst>
-          </a:blip>
-          <a:stretch>
-            <a:fillRect/>
-          </a:stretch>
-        </p:blipFill>
-        <p:spPr>
-          <a:xfrm>
-            <a:off x="251010" y="4493208"/>
-            <a:ext cx="510990" cy="369432"/>
-          </a:xfrm>
-          <a:prstGeom prst="rect">
-            <a:avLst/>
-          </a:prstGeom>
-        </p:spPr>
-      </p:pic>
-      <p:pic>
-        <p:nvPicPr>
-          <p:cNvPr id="8" name="Picture 7" descr="Georgetown Center for Global Health Science and Security — General ...">
-            <a:extLst>
-              <a:ext uri="{FF2B5EF4-FFF2-40B4-BE49-F238E27FC236}">
-                <a16:creationId xmlns:a16="http://schemas.microsoft.com/office/drawing/2014/main" id="{320F4286-03F8-4937-8134-493E31D6B7A7}"/>
-              </a:ext>
-            </a:extLst>
-          </p:cNvPr>
-          <p:cNvPicPr>
-            <a:picLocks noChangeAspect="1" noChangeArrowheads="1"/>
-          </p:cNvPicPr>
-          <p:nvPr/>
-        </p:nvPicPr>
-        <p:blipFill rotWithShape="1">
-          <a:blip r:embed="rId5" cstate="print">
-            <a:extLst>
-              <a:ext uri="{28A0092B-C50C-407E-A947-70E740481C1C}">
-                <a14:useLocalDpi xmlns:a14="http://schemas.microsoft.com/office/drawing/2010/main" val="0"/>
-              </a:ext>
-            </a:extLst>
-          </a:blip>
-          <a:srcRect t="18343" b="25029"/>
-          <a:stretch/>
-        </p:blipFill>
-        <p:spPr bwMode="auto">
-          <a:xfrm>
-            <a:off x="762000" y="4393515"/>
-            <a:ext cx="1621200" cy="573780"/>
-          </a:xfrm>
-          <a:prstGeom prst="roundRect">
-            <a:avLst/>
-          </a:prstGeom>
-          <a:solidFill>
-            <a:schemeClr val="tx2"/>
-          </a:solidFill>
-        </p:spPr>
-      </p:pic>
     </p:spTree>
     <p:extLst>
       <p:ext uri="{BB962C8B-B14F-4D97-AF65-F5344CB8AC3E}">
@@ -14640,189 +13518,6 @@
           </a:p>
         </p:txBody>
       </p:sp>
-      <p:sp>
-        <p:nvSpPr>
-          <p:cNvPr id="5" name="Rectangle 4">
-            <a:extLst>
-              <a:ext uri="{FF2B5EF4-FFF2-40B4-BE49-F238E27FC236}">
-                <a16:creationId xmlns:a16="http://schemas.microsoft.com/office/drawing/2014/main" id="{67FA9F08-B182-5847-A415-F5A9E62CC75A}"/>
-              </a:ext>
-            </a:extLst>
-          </p:cNvPr>
-          <p:cNvSpPr/>
-          <p:nvPr/>
-        </p:nvSpPr>
-        <p:spPr>
-          <a:xfrm>
-            <a:off x="0" y="4446824"/>
-            <a:ext cx="1524000" cy="556999"/>
-          </a:xfrm>
-          <a:prstGeom prst="rect">
-            <a:avLst/>
-          </a:prstGeom>
-          <a:solidFill>
-            <a:schemeClr val="bg2"/>
-          </a:solidFill>
-          <a:ln>
-            <a:noFill/>
-          </a:ln>
-        </p:spPr>
-        <p:style>
-          <a:lnRef idx="2">
-            <a:schemeClr val="accent1">
-              <a:shade val="50000"/>
-            </a:schemeClr>
-          </a:lnRef>
-          <a:fillRef idx="1">
-            <a:schemeClr val="accent1"/>
-          </a:fillRef>
-          <a:effectRef idx="0">
-            <a:schemeClr val="accent1"/>
-          </a:effectRef>
-          <a:fontRef idx="minor">
-            <a:schemeClr val="lt1"/>
-          </a:fontRef>
-        </p:style>
-        <p:txBody>
-          <a:bodyPr rtlCol="0" anchor="ctr"/>
-          <a:lstStyle/>
-          <a:p>
-            <a:pPr algn="ctr"/>
-            <a:endParaRPr lang="en-US"/>
-          </a:p>
-        </p:txBody>
-      </p:sp>
-      <p:sp>
-        <p:nvSpPr>
-          <p:cNvPr id="6" name="Rounded Rectangle 5">
-            <a:extLst>
-              <a:ext uri="{FF2B5EF4-FFF2-40B4-BE49-F238E27FC236}">
-                <a16:creationId xmlns:a16="http://schemas.microsoft.com/office/drawing/2014/main" id="{098BCEB0-33F2-0B4B-B1CF-BAF77DDB2EF7}"/>
-              </a:ext>
-            </a:extLst>
-          </p:cNvPr>
-          <p:cNvSpPr/>
-          <p:nvPr/>
-        </p:nvSpPr>
-        <p:spPr>
-          <a:xfrm>
-            <a:off x="914400" y="4431440"/>
-            <a:ext cx="1404530" cy="497096"/>
-          </a:xfrm>
-          <a:prstGeom prst="roundRect">
-            <a:avLst>
-              <a:gd name="adj" fmla="val 20191"/>
-            </a:avLst>
-          </a:prstGeom>
-          <a:blipFill>
-            <a:blip r:embed="rId3"/>
-            <a:stretch>
-              <a:fillRect/>
-            </a:stretch>
-          </a:blipFill>
-          <a:ln>
-            <a:noFill/>
-          </a:ln>
-        </p:spPr>
-        <p:style>
-          <a:lnRef idx="2">
-            <a:schemeClr val="accent1">
-              <a:shade val="50000"/>
-            </a:schemeClr>
-          </a:lnRef>
-          <a:fillRef idx="1">
-            <a:schemeClr val="accent1"/>
-          </a:fillRef>
-          <a:effectRef idx="0">
-            <a:schemeClr val="accent1"/>
-          </a:effectRef>
-          <a:fontRef idx="minor">
-            <a:schemeClr val="lt1"/>
-          </a:fontRef>
-        </p:style>
-        <p:txBody>
-          <a:bodyPr rtlCol="0" anchor="ctr"/>
-          <a:lstStyle/>
-          <a:p>
-            <a:pPr algn="ctr"/>
-            <a:endParaRPr lang="en-US" dirty="0"/>
-          </a:p>
-        </p:txBody>
-      </p:sp>
-      <p:pic>
-        <p:nvPicPr>
-          <p:cNvPr id="7" name="Picture 6" descr="A picture containing food&#10;&#10;Description automatically generated">
-            <a:extLst>
-              <a:ext uri="{FF2B5EF4-FFF2-40B4-BE49-F238E27FC236}">
-                <a16:creationId xmlns:a16="http://schemas.microsoft.com/office/drawing/2014/main" id="{2FDDD2EC-CF45-834F-A659-891566AD2848}"/>
-              </a:ext>
-            </a:extLst>
-          </p:cNvPr>
-          <p:cNvPicPr>
-            <a:picLocks noChangeAspect="1"/>
-          </p:cNvPicPr>
-          <p:nvPr/>
-        </p:nvPicPr>
-        <p:blipFill>
-          <a:blip r:embed="rId4" cstate="print">
-            <a:extLst>
-              <a:ext uri="{28A0092B-C50C-407E-A947-70E740481C1C}">
-                <a14:useLocalDpi xmlns:a14="http://schemas.microsoft.com/office/drawing/2010/main" val="0"/>
-              </a:ext>
-            </a:extLst>
-          </a:blip>
-          <a:stretch>
-            <a:fillRect/>
-          </a:stretch>
-        </p:blipFill>
-        <p:spPr>
-          <a:xfrm>
-            <a:off x="251010" y="4493208"/>
-            <a:ext cx="510990" cy="369432"/>
-          </a:xfrm>
-          <a:prstGeom prst="rect">
-            <a:avLst/>
-          </a:prstGeom>
-        </p:spPr>
-      </p:pic>
-      <p:pic>
-        <p:nvPicPr>
-          <p:cNvPr id="8" name="Picture 7" descr="Georgetown Center for Global Health Science and Security — General ...">
-            <a:extLst>
-              <a:ext uri="{FF2B5EF4-FFF2-40B4-BE49-F238E27FC236}">
-                <a16:creationId xmlns:a16="http://schemas.microsoft.com/office/drawing/2014/main" id="{A728B165-7CD7-43B9-9759-84802F8534C6}"/>
-              </a:ext>
-            </a:extLst>
-          </p:cNvPr>
-          <p:cNvPicPr>
-            <a:picLocks noChangeAspect="1" noChangeArrowheads="1"/>
-          </p:cNvPicPr>
-          <p:nvPr/>
-        </p:nvPicPr>
-        <p:blipFill rotWithShape="1">
-          <a:blip r:embed="rId5" cstate="print">
-            <a:extLst>
-              <a:ext uri="{28A0092B-C50C-407E-A947-70E740481C1C}">
-                <a14:useLocalDpi xmlns:a14="http://schemas.microsoft.com/office/drawing/2010/main" val="0"/>
-              </a:ext>
-            </a:extLst>
-          </a:blip>
-          <a:srcRect t="18343" b="25029"/>
-          <a:stretch/>
-        </p:blipFill>
-        <p:spPr bwMode="auto">
-          <a:xfrm>
-            <a:off x="762000" y="4393515"/>
-            <a:ext cx="1621200" cy="573780"/>
-          </a:xfrm>
-          <a:prstGeom prst="roundRect">
-            <a:avLst/>
-          </a:prstGeom>
-          <a:solidFill>
-            <a:schemeClr val="tx2"/>
-          </a:solidFill>
-        </p:spPr>
-      </p:pic>
     </p:spTree>
     <p:extLst>
       <p:ext uri="{BB962C8B-B14F-4D97-AF65-F5344CB8AC3E}">
@@ -14981,189 +13676,6 @@
           </a:p>
         </p:txBody>
       </p:sp>
-      <p:sp>
-        <p:nvSpPr>
-          <p:cNvPr id="5" name="Rectangle 4">
-            <a:extLst>
-              <a:ext uri="{FF2B5EF4-FFF2-40B4-BE49-F238E27FC236}">
-                <a16:creationId xmlns:a16="http://schemas.microsoft.com/office/drawing/2014/main" id="{67FA9F08-B182-5847-A415-F5A9E62CC75A}"/>
-              </a:ext>
-            </a:extLst>
-          </p:cNvPr>
-          <p:cNvSpPr/>
-          <p:nvPr/>
-        </p:nvSpPr>
-        <p:spPr>
-          <a:xfrm>
-            <a:off x="0" y="4446824"/>
-            <a:ext cx="1524000" cy="556999"/>
-          </a:xfrm>
-          <a:prstGeom prst="rect">
-            <a:avLst/>
-          </a:prstGeom>
-          <a:solidFill>
-            <a:schemeClr val="bg2"/>
-          </a:solidFill>
-          <a:ln>
-            <a:noFill/>
-          </a:ln>
-        </p:spPr>
-        <p:style>
-          <a:lnRef idx="2">
-            <a:schemeClr val="accent1">
-              <a:shade val="50000"/>
-            </a:schemeClr>
-          </a:lnRef>
-          <a:fillRef idx="1">
-            <a:schemeClr val="accent1"/>
-          </a:fillRef>
-          <a:effectRef idx="0">
-            <a:schemeClr val="accent1"/>
-          </a:effectRef>
-          <a:fontRef idx="minor">
-            <a:schemeClr val="lt1"/>
-          </a:fontRef>
-        </p:style>
-        <p:txBody>
-          <a:bodyPr rtlCol="0" anchor="ctr"/>
-          <a:lstStyle/>
-          <a:p>
-            <a:pPr algn="ctr"/>
-            <a:endParaRPr lang="en-US"/>
-          </a:p>
-        </p:txBody>
-      </p:sp>
-      <p:sp>
-        <p:nvSpPr>
-          <p:cNvPr id="6" name="Rounded Rectangle 5">
-            <a:extLst>
-              <a:ext uri="{FF2B5EF4-FFF2-40B4-BE49-F238E27FC236}">
-                <a16:creationId xmlns:a16="http://schemas.microsoft.com/office/drawing/2014/main" id="{098BCEB0-33F2-0B4B-B1CF-BAF77DDB2EF7}"/>
-              </a:ext>
-            </a:extLst>
-          </p:cNvPr>
-          <p:cNvSpPr/>
-          <p:nvPr/>
-        </p:nvSpPr>
-        <p:spPr>
-          <a:xfrm>
-            <a:off x="914400" y="4431440"/>
-            <a:ext cx="1404530" cy="497096"/>
-          </a:xfrm>
-          <a:prstGeom prst="roundRect">
-            <a:avLst>
-              <a:gd name="adj" fmla="val 20191"/>
-            </a:avLst>
-          </a:prstGeom>
-          <a:blipFill>
-            <a:blip r:embed="rId3"/>
-            <a:stretch>
-              <a:fillRect/>
-            </a:stretch>
-          </a:blipFill>
-          <a:ln>
-            <a:noFill/>
-          </a:ln>
-        </p:spPr>
-        <p:style>
-          <a:lnRef idx="2">
-            <a:schemeClr val="accent1">
-              <a:shade val="50000"/>
-            </a:schemeClr>
-          </a:lnRef>
-          <a:fillRef idx="1">
-            <a:schemeClr val="accent1"/>
-          </a:fillRef>
-          <a:effectRef idx="0">
-            <a:schemeClr val="accent1"/>
-          </a:effectRef>
-          <a:fontRef idx="minor">
-            <a:schemeClr val="lt1"/>
-          </a:fontRef>
-        </p:style>
-        <p:txBody>
-          <a:bodyPr rtlCol="0" anchor="ctr"/>
-          <a:lstStyle/>
-          <a:p>
-            <a:pPr algn="ctr"/>
-            <a:endParaRPr lang="en-US" dirty="0"/>
-          </a:p>
-        </p:txBody>
-      </p:sp>
-      <p:pic>
-        <p:nvPicPr>
-          <p:cNvPr id="7" name="Picture 6" descr="A picture containing food&#10;&#10;Description automatically generated">
-            <a:extLst>
-              <a:ext uri="{FF2B5EF4-FFF2-40B4-BE49-F238E27FC236}">
-                <a16:creationId xmlns:a16="http://schemas.microsoft.com/office/drawing/2014/main" id="{2FDDD2EC-CF45-834F-A659-891566AD2848}"/>
-              </a:ext>
-            </a:extLst>
-          </p:cNvPr>
-          <p:cNvPicPr>
-            <a:picLocks noChangeAspect="1"/>
-          </p:cNvPicPr>
-          <p:nvPr/>
-        </p:nvPicPr>
-        <p:blipFill>
-          <a:blip r:embed="rId4" cstate="print">
-            <a:extLst>
-              <a:ext uri="{28A0092B-C50C-407E-A947-70E740481C1C}">
-                <a14:useLocalDpi xmlns:a14="http://schemas.microsoft.com/office/drawing/2010/main" val="0"/>
-              </a:ext>
-            </a:extLst>
-          </a:blip>
-          <a:stretch>
-            <a:fillRect/>
-          </a:stretch>
-        </p:blipFill>
-        <p:spPr>
-          <a:xfrm>
-            <a:off x="251010" y="4493208"/>
-            <a:ext cx="510990" cy="369432"/>
-          </a:xfrm>
-          <a:prstGeom prst="rect">
-            <a:avLst/>
-          </a:prstGeom>
-        </p:spPr>
-      </p:pic>
-      <p:pic>
-        <p:nvPicPr>
-          <p:cNvPr id="8" name="Picture 7" descr="Georgetown Center for Global Health Science and Security — General ...">
-            <a:extLst>
-              <a:ext uri="{FF2B5EF4-FFF2-40B4-BE49-F238E27FC236}">
-                <a16:creationId xmlns:a16="http://schemas.microsoft.com/office/drawing/2014/main" id="{6EF954D1-227C-4EFD-BEFE-FE993754CE24}"/>
-              </a:ext>
-            </a:extLst>
-          </p:cNvPr>
-          <p:cNvPicPr>
-            <a:picLocks noChangeAspect="1" noChangeArrowheads="1"/>
-          </p:cNvPicPr>
-          <p:nvPr/>
-        </p:nvPicPr>
-        <p:blipFill rotWithShape="1">
-          <a:blip r:embed="rId5" cstate="print">
-            <a:extLst>
-              <a:ext uri="{28A0092B-C50C-407E-A947-70E740481C1C}">
-                <a14:useLocalDpi xmlns:a14="http://schemas.microsoft.com/office/drawing/2010/main" val="0"/>
-              </a:ext>
-            </a:extLst>
-          </a:blip>
-          <a:srcRect t="18343" b="25029"/>
-          <a:stretch/>
-        </p:blipFill>
-        <p:spPr bwMode="auto">
-          <a:xfrm>
-            <a:off x="762000" y="4393515"/>
-            <a:ext cx="1621200" cy="573780"/>
-          </a:xfrm>
-          <a:prstGeom prst="roundRect">
-            <a:avLst/>
-          </a:prstGeom>
-          <a:solidFill>
-            <a:schemeClr val="tx2"/>
-          </a:solidFill>
-        </p:spPr>
-      </p:pic>
     </p:spTree>
     <p:extLst>
       <p:ext uri="{BB962C8B-B14F-4D97-AF65-F5344CB8AC3E}">
@@ -15307,189 +13819,6 @@
           </a:p>
         </p:txBody>
       </p:sp>
-      <p:sp>
-        <p:nvSpPr>
-          <p:cNvPr id="6" name="Rectangle 5">
-            <a:extLst>
-              <a:ext uri="{FF2B5EF4-FFF2-40B4-BE49-F238E27FC236}">
-                <a16:creationId xmlns:a16="http://schemas.microsoft.com/office/drawing/2014/main" id="{066EE926-F4F9-0541-9EF1-90585E807D3B}"/>
-              </a:ext>
-            </a:extLst>
-          </p:cNvPr>
-          <p:cNvSpPr/>
-          <p:nvPr/>
-        </p:nvSpPr>
-        <p:spPr>
-          <a:xfrm>
-            <a:off x="0" y="4446824"/>
-            <a:ext cx="1524000" cy="556999"/>
-          </a:xfrm>
-          <a:prstGeom prst="rect">
-            <a:avLst/>
-          </a:prstGeom>
-          <a:solidFill>
-            <a:schemeClr val="bg2"/>
-          </a:solidFill>
-          <a:ln>
-            <a:noFill/>
-          </a:ln>
-        </p:spPr>
-        <p:style>
-          <a:lnRef idx="2">
-            <a:schemeClr val="accent1">
-              <a:shade val="50000"/>
-            </a:schemeClr>
-          </a:lnRef>
-          <a:fillRef idx="1">
-            <a:schemeClr val="accent1"/>
-          </a:fillRef>
-          <a:effectRef idx="0">
-            <a:schemeClr val="accent1"/>
-          </a:effectRef>
-          <a:fontRef idx="minor">
-            <a:schemeClr val="lt1"/>
-          </a:fontRef>
-        </p:style>
-        <p:txBody>
-          <a:bodyPr rtlCol="0" anchor="ctr"/>
-          <a:lstStyle/>
-          <a:p>
-            <a:pPr algn="ctr"/>
-            <a:endParaRPr lang="en-US"/>
-          </a:p>
-        </p:txBody>
-      </p:sp>
-      <p:sp>
-        <p:nvSpPr>
-          <p:cNvPr id="7" name="Rounded Rectangle 6">
-            <a:extLst>
-              <a:ext uri="{FF2B5EF4-FFF2-40B4-BE49-F238E27FC236}">
-                <a16:creationId xmlns:a16="http://schemas.microsoft.com/office/drawing/2014/main" id="{25F4380A-4B2F-5648-B017-FA001AE5D76F}"/>
-              </a:ext>
-            </a:extLst>
-          </p:cNvPr>
-          <p:cNvSpPr/>
-          <p:nvPr/>
-        </p:nvSpPr>
-        <p:spPr>
-          <a:xfrm>
-            <a:off x="914400" y="4431440"/>
-            <a:ext cx="1404530" cy="497096"/>
-          </a:xfrm>
-          <a:prstGeom prst="roundRect">
-            <a:avLst>
-              <a:gd name="adj" fmla="val 20191"/>
-            </a:avLst>
-          </a:prstGeom>
-          <a:blipFill>
-            <a:blip r:embed="rId3"/>
-            <a:stretch>
-              <a:fillRect/>
-            </a:stretch>
-          </a:blipFill>
-          <a:ln>
-            <a:noFill/>
-          </a:ln>
-        </p:spPr>
-        <p:style>
-          <a:lnRef idx="2">
-            <a:schemeClr val="accent1">
-              <a:shade val="50000"/>
-            </a:schemeClr>
-          </a:lnRef>
-          <a:fillRef idx="1">
-            <a:schemeClr val="accent1"/>
-          </a:fillRef>
-          <a:effectRef idx="0">
-            <a:schemeClr val="accent1"/>
-          </a:effectRef>
-          <a:fontRef idx="minor">
-            <a:schemeClr val="lt1"/>
-          </a:fontRef>
-        </p:style>
-        <p:txBody>
-          <a:bodyPr rtlCol="0" anchor="ctr"/>
-          <a:lstStyle/>
-          <a:p>
-            <a:pPr algn="ctr"/>
-            <a:endParaRPr lang="en-US" dirty="0"/>
-          </a:p>
-        </p:txBody>
-      </p:sp>
-      <p:pic>
-        <p:nvPicPr>
-          <p:cNvPr id="8" name="Picture 7" descr="A picture containing food&#10;&#10;Description automatically generated">
-            <a:extLst>
-              <a:ext uri="{FF2B5EF4-FFF2-40B4-BE49-F238E27FC236}">
-                <a16:creationId xmlns:a16="http://schemas.microsoft.com/office/drawing/2014/main" id="{0DA86087-4341-A945-8B0B-C42851179584}"/>
-              </a:ext>
-            </a:extLst>
-          </p:cNvPr>
-          <p:cNvPicPr>
-            <a:picLocks noChangeAspect="1"/>
-          </p:cNvPicPr>
-          <p:nvPr/>
-        </p:nvPicPr>
-        <p:blipFill>
-          <a:blip r:embed="rId4" cstate="print">
-            <a:extLst>
-              <a:ext uri="{28A0092B-C50C-407E-A947-70E740481C1C}">
-                <a14:useLocalDpi xmlns:a14="http://schemas.microsoft.com/office/drawing/2010/main" val="0"/>
-              </a:ext>
-            </a:extLst>
-          </a:blip>
-          <a:stretch>
-            <a:fillRect/>
-          </a:stretch>
-        </p:blipFill>
-        <p:spPr>
-          <a:xfrm>
-            <a:off x="251010" y="4493208"/>
-            <a:ext cx="510990" cy="369432"/>
-          </a:xfrm>
-          <a:prstGeom prst="rect">
-            <a:avLst/>
-          </a:prstGeom>
-        </p:spPr>
-      </p:pic>
-      <p:pic>
-        <p:nvPicPr>
-          <p:cNvPr id="9" name="Picture 8" descr="Georgetown Center for Global Health Science and Security — General ...">
-            <a:extLst>
-              <a:ext uri="{FF2B5EF4-FFF2-40B4-BE49-F238E27FC236}">
-                <a16:creationId xmlns:a16="http://schemas.microsoft.com/office/drawing/2014/main" id="{5A624550-6B17-4A1D-9C9C-83517A2F4B45}"/>
-              </a:ext>
-            </a:extLst>
-          </p:cNvPr>
-          <p:cNvPicPr>
-            <a:picLocks noChangeAspect="1" noChangeArrowheads="1"/>
-          </p:cNvPicPr>
-          <p:nvPr/>
-        </p:nvPicPr>
-        <p:blipFill rotWithShape="1">
-          <a:blip r:embed="rId5" cstate="print">
-            <a:extLst>
-              <a:ext uri="{28A0092B-C50C-407E-A947-70E740481C1C}">
-                <a14:useLocalDpi xmlns:a14="http://schemas.microsoft.com/office/drawing/2010/main" val="0"/>
-              </a:ext>
-            </a:extLst>
-          </a:blip>
-          <a:srcRect t="18343" b="25029"/>
-          <a:stretch/>
-        </p:blipFill>
-        <p:spPr bwMode="auto">
-          <a:xfrm>
-            <a:off x="762000" y="4393515"/>
-            <a:ext cx="1621200" cy="573780"/>
-          </a:xfrm>
-          <a:prstGeom prst="roundRect">
-            <a:avLst/>
-          </a:prstGeom>
-          <a:solidFill>
-            <a:schemeClr val="tx2"/>
-          </a:solidFill>
-        </p:spPr>
-      </p:pic>
     </p:spTree>
     <p:extLst>
       <p:ext uri="{BB962C8B-B14F-4D97-AF65-F5344CB8AC3E}">
@@ -15557,7 +13886,7 @@
         </p:nvSpPr>
         <p:spPr>
           <a:xfrm>
-            <a:off x="694481" y="994283"/>
+            <a:off x="694481" y="907465"/>
             <a:ext cx="7639291" cy="3341688"/>
           </a:xfrm>
         </p:spPr>
@@ -15641,207 +13970,8 @@
               <a:t>Anticipating future events</a:t>
             </a:r>
           </a:p>
-          <a:p>
-            <a:pPr lvl="1">
-              <a:buClr>
-                <a:srgbClr val="006A71"/>
-              </a:buClr>
-            </a:pPr>
-            <a:endParaRPr lang="en-US" sz="1950" dirty="0"/>
-          </a:p>
-          <a:p>
-            <a:pPr lvl="1">
-              <a:buClr>
-                <a:srgbClr val="006A71"/>
-              </a:buClr>
-            </a:pPr>
-            <a:endParaRPr lang="en-US" sz="1950" dirty="0"/>
-          </a:p>
-        </p:txBody>
-      </p:sp>
-      <p:sp>
-        <p:nvSpPr>
-          <p:cNvPr id="5" name="Rectangle 4">
-            <a:extLst>
-              <a:ext uri="{FF2B5EF4-FFF2-40B4-BE49-F238E27FC236}">
-                <a16:creationId xmlns:a16="http://schemas.microsoft.com/office/drawing/2014/main" id="{67FA9F08-B182-5847-A415-F5A9E62CC75A}"/>
-              </a:ext>
-            </a:extLst>
-          </p:cNvPr>
-          <p:cNvSpPr/>
-          <p:nvPr/>
-        </p:nvSpPr>
-        <p:spPr>
-          <a:xfrm>
-            <a:off x="0" y="4446824"/>
-            <a:ext cx="1524000" cy="556999"/>
-          </a:xfrm>
-          <a:prstGeom prst="rect">
-            <a:avLst/>
-          </a:prstGeom>
-          <a:solidFill>
-            <a:schemeClr val="bg2"/>
-          </a:solidFill>
-          <a:ln>
-            <a:noFill/>
-          </a:ln>
-        </p:spPr>
-        <p:style>
-          <a:lnRef idx="2">
-            <a:schemeClr val="accent1">
-              <a:shade val="50000"/>
-            </a:schemeClr>
-          </a:lnRef>
-          <a:fillRef idx="1">
-            <a:schemeClr val="accent1"/>
-          </a:fillRef>
-          <a:effectRef idx="0">
-            <a:schemeClr val="accent1"/>
-          </a:effectRef>
-          <a:fontRef idx="minor">
-            <a:schemeClr val="lt1"/>
-          </a:fontRef>
-        </p:style>
-        <p:txBody>
-          <a:bodyPr rtlCol="0" anchor="ctr"/>
-          <a:lstStyle/>
-          <a:p>
-            <a:pPr algn="ctr"/>
-            <a:endParaRPr lang="en-US"/>
-          </a:p>
-        </p:txBody>
-      </p:sp>
-      <p:sp>
-        <p:nvSpPr>
-          <p:cNvPr id="6" name="Rounded Rectangle 5">
-            <a:extLst>
-              <a:ext uri="{FF2B5EF4-FFF2-40B4-BE49-F238E27FC236}">
-                <a16:creationId xmlns:a16="http://schemas.microsoft.com/office/drawing/2014/main" id="{098BCEB0-33F2-0B4B-B1CF-BAF77DDB2EF7}"/>
-              </a:ext>
-            </a:extLst>
-          </p:cNvPr>
-          <p:cNvSpPr/>
-          <p:nvPr/>
-        </p:nvSpPr>
-        <p:spPr>
-          <a:xfrm>
-            <a:off x="914400" y="4431440"/>
-            <a:ext cx="1404530" cy="497096"/>
-          </a:xfrm>
-          <a:prstGeom prst="roundRect">
-            <a:avLst>
-              <a:gd name="adj" fmla="val 20191"/>
-            </a:avLst>
-          </a:prstGeom>
-          <a:blipFill>
-            <a:blip r:embed="rId3"/>
-            <a:stretch>
-              <a:fillRect/>
-            </a:stretch>
-          </a:blipFill>
-          <a:ln>
-            <a:noFill/>
-          </a:ln>
-        </p:spPr>
-        <p:style>
-          <a:lnRef idx="2">
-            <a:schemeClr val="accent1">
-              <a:shade val="50000"/>
-            </a:schemeClr>
-          </a:lnRef>
-          <a:fillRef idx="1">
-            <a:schemeClr val="accent1"/>
-          </a:fillRef>
-          <a:effectRef idx="0">
-            <a:schemeClr val="accent1"/>
-          </a:effectRef>
-          <a:fontRef idx="minor">
-            <a:schemeClr val="lt1"/>
-          </a:fontRef>
-        </p:style>
-        <p:txBody>
-          <a:bodyPr rtlCol="0" anchor="ctr"/>
-          <a:lstStyle/>
-          <a:p>
-            <a:pPr algn="ctr"/>
-            <a:endParaRPr lang="en-US" dirty="0"/>
-          </a:p>
-        </p:txBody>
-      </p:sp>
-      <p:pic>
-        <p:nvPicPr>
-          <p:cNvPr id="7" name="Picture 6" descr="A picture containing food&#10;&#10;Description automatically generated">
-            <a:extLst>
-              <a:ext uri="{FF2B5EF4-FFF2-40B4-BE49-F238E27FC236}">
-                <a16:creationId xmlns:a16="http://schemas.microsoft.com/office/drawing/2014/main" id="{2FDDD2EC-CF45-834F-A659-891566AD2848}"/>
-              </a:ext>
-            </a:extLst>
-          </p:cNvPr>
-          <p:cNvPicPr>
-            <a:picLocks noChangeAspect="1"/>
-          </p:cNvPicPr>
-          <p:nvPr/>
-        </p:nvPicPr>
-        <p:blipFill>
-          <a:blip r:embed="rId4" cstate="print">
-            <a:extLst>
-              <a:ext uri="{28A0092B-C50C-407E-A947-70E740481C1C}">
-                <a14:useLocalDpi xmlns:a14="http://schemas.microsoft.com/office/drawing/2010/main" val="0"/>
-              </a:ext>
-            </a:extLst>
-          </a:blip>
-          <a:stretch>
-            <a:fillRect/>
-          </a:stretch>
-        </p:blipFill>
-        <p:spPr>
-          <a:xfrm>
-            <a:off x="251010" y="4493208"/>
-            <a:ext cx="510990" cy="369432"/>
-          </a:xfrm>
-          <a:prstGeom prst="rect">
-            <a:avLst/>
-          </a:prstGeom>
-        </p:spPr>
-      </p:pic>
-      <p:pic>
-        <p:nvPicPr>
-          <p:cNvPr id="8" name="Picture 7" descr="Georgetown Center for Global Health Science and Security — General ...">
-            <a:extLst>
-              <a:ext uri="{FF2B5EF4-FFF2-40B4-BE49-F238E27FC236}">
-                <a16:creationId xmlns:a16="http://schemas.microsoft.com/office/drawing/2014/main" id="{46305EF1-FF2A-4B8A-902E-19CC2143FA4B}"/>
-              </a:ext>
-            </a:extLst>
-          </p:cNvPr>
-          <p:cNvPicPr>
-            <a:picLocks noChangeAspect="1" noChangeArrowheads="1"/>
-          </p:cNvPicPr>
-          <p:nvPr/>
-        </p:nvPicPr>
-        <p:blipFill rotWithShape="1">
-          <a:blip r:embed="rId5" cstate="print">
-            <a:extLst>
-              <a:ext uri="{28A0092B-C50C-407E-A947-70E740481C1C}">
-                <a14:useLocalDpi xmlns:a14="http://schemas.microsoft.com/office/drawing/2010/main" val="0"/>
-              </a:ext>
-            </a:extLst>
-          </a:blip>
-          <a:srcRect t="18343" b="25029"/>
-          <a:stretch/>
-        </p:blipFill>
-        <p:spPr bwMode="auto">
-          <a:xfrm>
-            <a:off x="762000" y="4393515"/>
-            <a:ext cx="1621200" cy="573780"/>
-          </a:xfrm>
-          <a:prstGeom prst="roundRect">
-            <a:avLst/>
-          </a:prstGeom>
-          <a:solidFill>
-            <a:schemeClr val="tx2"/>
-          </a:solidFill>
-        </p:spPr>
-      </p:pic>
+        </p:txBody>
+      </p:sp>
     </p:spTree>
     <p:extLst>
       <p:ext uri="{BB962C8B-B14F-4D97-AF65-F5344CB8AC3E}">
@@ -15909,7 +14039,7 @@
         </p:nvSpPr>
         <p:spPr>
           <a:xfrm>
-            <a:off x="694481" y="994282"/>
+            <a:off x="694481" y="907464"/>
             <a:ext cx="7639291" cy="3498925"/>
           </a:xfrm>
         </p:spPr>
@@ -16014,189 +14144,6 @@
           </a:p>
         </p:txBody>
       </p:sp>
-      <p:sp>
-        <p:nvSpPr>
-          <p:cNvPr id="5" name="Rectangle 4">
-            <a:extLst>
-              <a:ext uri="{FF2B5EF4-FFF2-40B4-BE49-F238E27FC236}">
-                <a16:creationId xmlns:a16="http://schemas.microsoft.com/office/drawing/2014/main" id="{67FA9F08-B182-5847-A415-F5A9E62CC75A}"/>
-              </a:ext>
-            </a:extLst>
-          </p:cNvPr>
-          <p:cNvSpPr/>
-          <p:nvPr/>
-        </p:nvSpPr>
-        <p:spPr>
-          <a:xfrm>
-            <a:off x="0" y="4446824"/>
-            <a:ext cx="1524000" cy="556999"/>
-          </a:xfrm>
-          <a:prstGeom prst="rect">
-            <a:avLst/>
-          </a:prstGeom>
-          <a:solidFill>
-            <a:schemeClr val="bg2"/>
-          </a:solidFill>
-          <a:ln>
-            <a:noFill/>
-          </a:ln>
-        </p:spPr>
-        <p:style>
-          <a:lnRef idx="2">
-            <a:schemeClr val="accent1">
-              <a:shade val="50000"/>
-            </a:schemeClr>
-          </a:lnRef>
-          <a:fillRef idx="1">
-            <a:schemeClr val="accent1"/>
-          </a:fillRef>
-          <a:effectRef idx="0">
-            <a:schemeClr val="accent1"/>
-          </a:effectRef>
-          <a:fontRef idx="minor">
-            <a:schemeClr val="lt1"/>
-          </a:fontRef>
-        </p:style>
-        <p:txBody>
-          <a:bodyPr rtlCol="0" anchor="ctr"/>
-          <a:lstStyle/>
-          <a:p>
-            <a:pPr algn="ctr"/>
-            <a:endParaRPr lang="en-US"/>
-          </a:p>
-        </p:txBody>
-      </p:sp>
-      <p:sp>
-        <p:nvSpPr>
-          <p:cNvPr id="6" name="Rounded Rectangle 5">
-            <a:extLst>
-              <a:ext uri="{FF2B5EF4-FFF2-40B4-BE49-F238E27FC236}">
-                <a16:creationId xmlns:a16="http://schemas.microsoft.com/office/drawing/2014/main" id="{098BCEB0-33F2-0B4B-B1CF-BAF77DDB2EF7}"/>
-              </a:ext>
-            </a:extLst>
-          </p:cNvPr>
-          <p:cNvSpPr/>
-          <p:nvPr/>
-        </p:nvSpPr>
-        <p:spPr>
-          <a:xfrm>
-            <a:off x="914400" y="4431440"/>
-            <a:ext cx="1404530" cy="497096"/>
-          </a:xfrm>
-          <a:prstGeom prst="roundRect">
-            <a:avLst>
-              <a:gd name="adj" fmla="val 20191"/>
-            </a:avLst>
-          </a:prstGeom>
-          <a:blipFill>
-            <a:blip r:embed="rId3"/>
-            <a:stretch>
-              <a:fillRect/>
-            </a:stretch>
-          </a:blipFill>
-          <a:ln>
-            <a:noFill/>
-          </a:ln>
-        </p:spPr>
-        <p:style>
-          <a:lnRef idx="2">
-            <a:schemeClr val="accent1">
-              <a:shade val="50000"/>
-            </a:schemeClr>
-          </a:lnRef>
-          <a:fillRef idx="1">
-            <a:schemeClr val="accent1"/>
-          </a:fillRef>
-          <a:effectRef idx="0">
-            <a:schemeClr val="accent1"/>
-          </a:effectRef>
-          <a:fontRef idx="minor">
-            <a:schemeClr val="lt1"/>
-          </a:fontRef>
-        </p:style>
-        <p:txBody>
-          <a:bodyPr rtlCol="0" anchor="ctr"/>
-          <a:lstStyle/>
-          <a:p>
-            <a:pPr algn="ctr"/>
-            <a:endParaRPr lang="en-US" dirty="0"/>
-          </a:p>
-        </p:txBody>
-      </p:sp>
-      <p:pic>
-        <p:nvPicPr>
-          <p:cNvPr id="7" name="Picture 6" descr="A picture containing food&#10;&#10;Description automatically generated">
-            <a:extLst>
-              <a:ext uri="{FF2B5EF4-FFF2-40B4-BE49-F238E27FC236}">
-                <a16:creationId xmlns:a16="http://schemas.microsoft.com/office/drawing/2014/main" id="{2FDDD2EC-CF45-834F-A659-891566AD2848}"/>
-              </a:ext>
-            </a:extLst>
-          </p:cNvPr>
-          <p:cNvPicPr>
-            <a:picLocks noChangeAspect="1"/>
-          </p:cNvPicPr>
-          <p:nvPr/>
-        </p:nvPicPr>
-        <p:blipFill>
-          <a:blip r:embed="rId4" cstate="print">
-            <a:extLst>
-              <a:ext uri="{28A0092B-C50C-407E-A947-70E740481C1C}">
-                <a14:useLocalDpi xmlns:a14="http://schemas.microsoft.com/office/drawing/2010/main" val="0"/>
-              </a:ext>
-            </a:extLst>
-          </a:blip>
-          <a:stretch>
-            <a:fillRect/>
-          </a:stretch>
-        </p:blipFill>
-        <p:spPr>
-          <a:xfrm>
-            <a:off x="251010" y="4493208"/>
-            <a:ext cx="510990" cy="369432"/>
-          </a:xfrm>
-          <a:prstGeom prst="rect">
-            <a:avLst/>
-          </a:prstGeom>
-        </p:spPr>
-      </p:pic>
-      <p:pic>
-        <p:nvPicPr>
-          <p:cNvPr id="8" name="Picture 7" descr="Georgetown Center for Global Health Science and Security — General ...">
-            <a:extLst>
-              <a:ext uri="{FF2B5EF4-FFF2-40B4-BE49-F238E27FC236}">
-                <a16:creationId xmlns:a16="http://schemas.microsoft.com/office/drawing/2014/main" id="{8444AD98-34D4-4122-B5A3-DC76A6EF830A}"/>
-              </a:ext>
-            </a:extLst>
-          </p:cNvPr>
-          <p:cNvPicPr>
-            <a:picLocks noChangeAspect="1" noChangeArrowheads="1"/>
-          </p:cNvPicPr>
-          <p:nvPr/>
-        </p:nvPicPr>
-        <p:blipFill rotWithShape="1">
-          <a:blip r:embed="rId5" cstate="print">
-            <a:extLst>
-              <a:ext uri="{28A0092B-C50C-407E-A947-70E740481C1C}">
-                <a14:useLocalDpi xmlns:a14="http://schemas.microsoft.com/office/drawing/2010/main" val="0"/>
-              </a:ext>
-            </a:extLst>
-          </a:blip>
-          <a:srcRect t="18343" b="25029"/>
-          <a:stretch/>
-        </p:blipFill>
-        <p:spPr bwMode="auto">
-          <a:xfrm>
-            <a:off x="762000" y="4393515"/>
-            <a:ext cx="1621200" cy="573780"/>
-          </a:xfrm>
-          <a:prstGeom prst="roundRect">
-            <a:avLst/>
-          </a:prstGeom>
-          <a:solidFill>
-            <a:schemeClr val="tx2"/>
-          </a:solidFill>
-        </p:spPr>
-      </p:pic>
     </p:spTree>
     <p:extLst>
       <p:ext uri="{BB962C8B-B14F-4D97-AF65-F5344CB8AC3E}">
@@ -16339,189 +14286,6 @@
           </a:p>
         </p:txBody>
       </p:sp>
-      <p:sp>
-        <p:nvSpPr>
-          <p:cNvPr id="5" name="Rectangle 4">
-            <a:extLst>
-              <a:ext uri="{FF2B5EF4-FFF2-40B4-BE49-F238E27FC236}">
-                <a16:creationId xmlns:a16="http://schemas.microsoft.com/office/drawing/2014/main" id="{67FA9F08-B182-5847-A415-F5A9E62CC75A}"/>
-              </a:ext>
-            </a:extLst>
-          </p:cNvPr>
-          <p:cNvSpPr/>
-          <p:nvPr/>
-        </p:nvSpPr>
-        <p:spPr>
-          <a:xfrm>
-            <a:off x="0" y="4446824"/>
-            <a:ext cx="1524000" cy="556999"/>
-          </a:xfrm>
-          <a:prstGeom prst="rect">
-            <a:avLst/>
-          </a:prstGeom>
-          <a:solidFill>
-            <a:schemeClr val="bg2"/>
-          </a:solidFill>
-          <a:ln>
-            <a:noFill/>
-          </a:ln>
-        </p:spPr>
-        <p:style>
-          <a:lnRef idx="2">
-            <a:schemeClr val="accent1">
-              <a:shade val="50000"/>
-            </a:schemeClr>
-          </a:lnRef>
-          <a:fillRef idx="1">
-            <a:schemeClr val="accent1"/>
-          </a:fillRef>
-          <a:effectRef idx="0">
-            <a:schemeClr val="accent1"/>
-          </a:effectRef>
-          <a:fontRef idx="minor">
-            <a:schemeClr val="lt1"/>
-          </a:fontRef>
-        </p:style>
-        <p:txBody>
-          <a:bodyPr rtlCol="0" anchor="ctr"/>
-          <a:lstStyle/>
-          <a:p>
-            <a:pPr algn="ctr"/>
-            <a:endParaRPr lang="en-US"/>
-          </a:p>
-        </p:txBody>
-      </p:sp>
-      <p:sp>
-        <p:nvSpPr>
-          <p:cNvPr id="6" name="Rounded Rectangle 5">
-            <a:extLst>
-              <a:ext uri="{FF2B5EF4-FFF2-40B4-BE49-F238E27FC236}">
-                <a16:creationId xmlns:a16="http://schemas.microsoft.com/office/drawing/2014/main" id="{098BCEB0-33F2-0B4B-B1CF-BAF77DDB2EF7}"/>
-              </a:ext>
-            </a:extLst>
-          </p:cNvPr>
-          <p:cNvSpPr/>
-          <p:nvPr/>
-        </p:nvSpPr>
-        <p:spPr>
-          <a:xfrm>
-            <a:off x="914400" y="4431440"/>
-            <a:ext cx="1404530" cy="497096"/>
-          </a:xfrm>
-          <a:prstGeom prst="roundRect">
-            <a:avLst>
-              <a:gd name="adj" fmla="val 20191"/>
-            </a:avLst>
-          </a:prstGeom>
-          <a:blipFill>
-            <a:blip r:embed="rId3"/>
-            <a:stretch>
-              <a:fillRect/>
-            </a:stretch>
-          </a:blipFill>
-          <a:ln>
-            <a:noFill/>
-          </a:ln>
-        </p:spPr>
-        <p:style>
-          <a:lnRef idx="2">
-            <a:schemeClr val="accent1">
-              <a:shade val="50000"/>
-            </a:schemeClr>
-          </a:lnRef>
-          <a:fillRef idx="1">
-            <a:schemeClr val="accent1"/>
-          </a:fillRef>
-          <a:effectRef idx="0">
-            <a:schemeClr val="accent1"/>
-          </a:effectRef>
-          <a:fontRef idx="minor">
-            <a:schemeClr val="lt1"/>
-          </a:fontRef>
-        </p:style>
-        <p:txBody>
-          <a:bodyPr rtlCol="0" anchor="ctr"/>
-          <a:lstStyle/>
-          <a:p>
-            <a:pPr algn="ctr"/>
-            <a:endParaRPr lang="en-US" dirty="0"/>
-          </a:p>
-        </p:txBody>
-      </p:sp>
-      <p:pic>
-        <p:nvPicPr>
-          <p:cNvPr id="7" name="Picture 6" descr="A picture containing food&#10;&#10;Description automatically generated">
-            <a:extLst>
-              <a:ext uri="{FF2B5EF4-FFF2-40B4-BE49-F238E27FC236}">
-                <a16:creationId xmlns:a16="http://schemas.microsoft.com/office/drawing/2014/main" id="{2FDDD2EC-CF45-834F-A659-891566AD2848}"/>
-              </a:ext>
-            </a:extLst>
-          </p:cNvPr>
-          <p:cNvPicPr>
-            <a:picLocks noChangeAspect="1"/>
-          </p:cNvPicPr>
-          <p:nvPr/>
-        </p:nvPicPr>
-        <p:blipFill>
-          <a:blip r:embed="rId4" cstate="print">
-            <a:extLst>
-              <a:ext uri="{28A0092B-C50C-407E-A947-70E740481C1C}">
-                <a14:useLocalDpi xmlns:a14="http://schemas.microsoft.com/office/drawing/2010/main" val="0"/>
-              </a:ext>
-            </a:extLst>
-          </a:blip>
-          <a:stretch>
-            <a:fillRect/>
-          </a:stretch>
-        </p:blipFill>
-        <p:spPr>
-          <a:xfrm>
-            <a:off x="251010" y="4493208"/>
-            <a:ext cx="510990" cy="369432"/>
-          </a:xfrm>
-          <a:prstGeom prst="rect">
-            <a:avLst/>
-          </a:prstGeom>
-        </p:spPr>
-      </p:pic>
-      <p:pic>
-        <p:nvPicPr>
-          <p:cNvPr id="8" name="Picture 7" descr="Georgetown Center for Global Health Science and Security — General ...">
-            <a:extLst>
-              <a:ext uri="{FF2B5EF4-FFF2-40B4-BE49-F238E27FC236}">
-                <a16:creationId xmlns:a16="http://schemas.microsoft.com/office/drawing/2014/main" id="{B43F814B-CCE6-4ABD-823B-9EBFF6C3BF14}"/>
-              </a:ext>
-            </a:extLst>
-          </p:cNvPr>
-          <p:cNvPicPr>
-            <a:picLocks noChangeAspect="1" noChangeArrowheads="1"/>
-          </p:cNvPicPr>
-          <p:nvPr/>
-        </p:nvPicPr>
-        <p:blipFill rotWithShape="1">
-          <a:blip r:embed="rId5" cstate="print">
-            <a:extLst>
-              <a:ext uri="{28A0092B-C50C-407E-A947-70E740481C1C}">
-                <a14:useLocalDpi xmlns:a14="http://schemas.microsoft.com/office/drawing/2010/main" val="0"/>
-              </a:ext>
-            </a:extLst>
-          </a:blip>
-          <a:srcRect t="18343" b="25029"/>
-          <a:stretch/>
-        </p:blipFill>
-        <p:spPr bwMode="auto">
-          <a:xfrm>
-            <a:off x="762000" y="4393515"/>
-            <a:ext cx="1621200" cy="573780"/>
-          </a:xfrm>
-          <a:prstGeom prst="roundRect">
-            <a:avLst/>
-          </a:prstGeom>
-          <a:solidFill>
-            <a:schemeClr val="tx2"/>
-          </a:solidFill>
-        </p:spPr>
-      </p:pic>
     </p:spTree>
     <p:extLst>
       <p:ext uri="{BB962C8B-B14F-4D97-AF65-F5344CB8AC3E}">
@@ -16672,189 +14436,6 @@
           </a:p>
         </p:txBody>
       </p:sp>
-      <p:sp>
-        <p:nvSpPr>
-          <p:cNvPr id="5" name="Rectangle 4">
-            <a:extLst>
-              <a:ext uri="{FF2B5EF4-FFF2-40B4-BE49-F238E27FC236}">
-                <a16:creationId xmlns:a16="http://schemas.microsoft.com/office/drawing/2014/main" id="{67FA9F08-B182-5847-A415-F5A9E62CC75A}"/>
-              </a:ext>
-            </a:extLst>
-          </p:cNvPr>
-          <p:cNvSpPr/>
-          <p:nvPr/>
-        </p:nvSpPr>
-        <p:spPr>
-          <a:xfrm>
-            <a:off x="0" y="4446824"/>
-            <a:ext cx="1524000" cy="556999"/>
-          </a:xfrm>
-          <a:prstGeom prst="rect">
-            <a:avLst/>
-          </a:prstGeom>
-          <a:solidFill>
-            <a:schemeClr val="bg2"/>
-          </a:solidFill>
-          <a:ln>
-            <a:noFill/>
-          </a:ln>
-        </p:spPr>
-        <p:style>
-          <a:lnRef idx="2">
-            <a:schemeClr val="accent1">
-              <a:shade val="50000"/>
-            </a:schemeClr>
-          </a:lnRef>
-          <a:fillRef idx="1">
-            <a:schemeClr val="accent1"/>
-          </a:fillRef>
-          <a:effectRef idx="0">
-            <a:schemeClr val="accent1"/>
-          </a:effectRef>
-          <a:fontRef idx="minor">
-            <a:schemeClr val="lt1"/>
-          </a:fontRef>
-        </p:style>
-        <p:txBody>
-          <a:bodyPr rtlCol="0" anchor="ctr"/>
-          <a:lstStyle/>
-          <a:p>
-            <a:pPr algn="ctr"/>
-            <a:endParaRPr lang="en-US"/>
-          </a:p>
-        </p:txBody>
-      </p:sp>
-      <p:sp>
-        <p:nvSpPr>
-          <p:cNvPr id="6" name="Rounded Rectangle 5">
-            <a:extLst>
-              <a:ext uri="{FF2B5EF4-FFF2-40B4-BE49-F238E27FC236}">
-                <a16:creationId xmlns:a16="http://schemas.microsoft.com/office/drawing/2014/main" id="{098BCEB0-33F2-0B4B-B1CF-BAF77DDB2EF7}"/>
-              </a:ext>
-            </a:extLst>
-          </p:cNvPr>
-          <p:cNvSpPr/>
-          <p:nvPr/>
-        </p:nvSpPr>
-        <p:spPr>
-          <a:xfrm>
-            <a:off x="914400" y="4431440"/>
-            <a:ext cx="1404530" cy="497096"/>
-          </a:xfrm>
-          <a:prstGeom prst="roundRect">
-            <a:avLst>
-              <a:gd name="adj" fmla="val 20191"/>
-            </a:avLst>
-          </a:prstGeom>
-          <a:blipFill>
-            <a:blip r:embed="rId3"/>
-            <a:stretch>
-              <a:fillRect/>
-            </a:stretch>
-          </a:blipFill>
-          <a:ln>
-            <a:noFill/>
-          </a:ln>
-        </p:spPr>
-        <p:style>
-          <a:lnRef idx="2">
-            <a:schemeClr val="accent1">
-              <a:shade val="50000"/>
-            </a:schemeClr>
-          </a:lnRef>
-          <a:fillRef idx="1">
-            <a:schemeClr val="accent1"/>
-          </a:fillRef>
-          <a:effectRef idx="0">
-            <a:schemeClr val="accent1"/>
-          </a:effectRef>
-          <a:fontRef idx="minor">
-            <a:schemeClr val="lt1"/>
-          </a:fontRef>
-        </p:style>
-        <p:txBody>
-          <a:bodyPr rtlCol="0" anchor="ctr"/>
-          <a:lstStyle/>
-          <a:p>
-            <a:pPr algn="ctr"/>
-            <a:endParaRPr lang="en-US" dirty="0"/>
-          </a:p>
-        </p:txBody>
-      </p:sp>
-      <p:pic>
-        <p:nvPicPr>
-          <p:cNvPr id="7" name="Picture 6" descr="A picture containing food&#10;&#10;Description automatically generated">
-            <a:extLst>
-              <a:ext uri="{FF2B5EF4-FFF2-40B4-BE49-F238E27FC236}">
-                <a16:creationId xmlns:a16="http://schemas.microsoft.com/office/drawing/2014/main" id="{2FDDD2EC-CF45-834F-A659-891566AD2848}"/>
-              </a:ext>
-            </a:extLst>
-          </p:cNvPr>
-          <p:cNvPicPr>
-            <a:picLocks noChangeAspect="1"/>
-          </p:cNvPicPr>
-          <p:nvPr/>
-        </p:nvPicPr>
-        <p:blipFill>
-          <a:blip r:embed="rId4" cstate="print">
-            <a:extLst>
-              <a:ext uri="{28A0092B-C50C-407E-A947-70E740481C1C}">
-                <a14:useLocalDpi xmlns:a14="http://schemas.microsoft.com/office/drawing/2010/main" val="0"/>
-              </a:ext>
-            </a:extLst>
-          </a:blip>
-          <a:stretch>
-            <a:fillRect/>
-          </a:stretch>
-        </p:blipFill>
-        <p:spPr>
-          <a:xfrm>
-            <a:off x="251010" y="4493208"/>
-            <a:ext cx="510990" cy="369432"/>
-          </a:xfrm>
-          <a:prstGeom prst="rect">
-            <a:avLst/>
-          </a:prstGeom>
-        </p:spPr>
-      </p:pic>
-      <p:pic>
-        <p:nvPicPr>
-          <p:cNvPr id="8" name="Picture 7" descr="Georgetown Center for Global Health Science and Security — General ...">
-            <a:extLst>
-              <a:ext uri="{FF2B5EF4-FFF2-40B4-BE49-F238E27FC236}">
-                <a16:creationId xmlns:a16="http://schemas.microsoft.com/office/drawing/2014/main" id="{3C99CB55-8B7E-4367-B5A5-B8857B78640B}"/>
-              </a:ext>
-            </a:extLst>
-          </p:cNvPr>
-          <p:cNvPicPr>
-            <a:picLocks noChangeAspect="1" noChangeArrowheads="1"/>
-          </p:cNvPicPr>
-          <p:nvPr/>
-        </p:nvPicPr>
-        <p:blipFill rotWithShape="1">
-          <a:blip r:embed="rId5" cstate="print">
-            <a:extLst>
-              <a:ext uri="{28A0092B-C50C-407E-A947-70E740481C1C}">
-                <a14:useLocalDpi xmlns:a14="http://schemas.microsoft.com/office/drawing/2010/main" val="0"/>
-              </a:ext>
-            </a:extLst>
-          </a:blip>
-          <a:srcRect t="18343" b="25029"/>
-          <a:stretch/>
-        </p:blipFill>
-        <p:spPr bwMode="auto">
-          <a:xfrm>
-            <a:off x="762000" y="4393515"/>
-            <a:ext cx="1621200" cy="573780"/>
-          </a:xfrm>
-          <a:prstGeom prst="roundRect">
-            <a:avLst/>
-          </a:prstGeom>
-          <a:solidFill>
-            <a:schemeClr val="tx2"/>
-          </a:solidFill>
-        </p:spPr>
-      </p:pic>
     </p:spTree>
     <p:extLst>
       <p:ext uri="{BB962C8B-B14F-4D97-AF65-F5344CB8AC3E}">
@@ -16944,176 +14525,6 @@
           <a:prstGeom prst="rect">
             <a:avLst/>
           </a:prstGeom>
-        </p:spPr>
-      </p:pic>
-      <p:sp>
-        <p:nvSpPr>
-          <p:cNvPr id="10" name="Rectangle 9">
-            <a:extLst>
-              <a:ext uri="{FF2B5EF4-FFF2-40B4-BE49-F238E27FC236}">
-                <a16:creationId xmlns:a16="http://schemas.microsoft.com/office/drawing/2014/main" id="{A1F21ECA-10E9-814A-BD9F-6C5A5274C804}"/>
-              </a:ext>
-            </a:extLst>
-          </p:cNvPr>
-          <p:cNvSpPr/>
-          <p:nvPr/>
-        </p:nvSpPr>
-        <p:spPr>
-          <a:xfrm>
-            <a:off x="0" y="4171950"/>
-            <a:ext cx="1524000" cy="971550"/>
-          </a:xfrm>
-          <a:prstGeom prst="rect">
-            <a:avLst/>
-          </a:prstGeom>
-          <a:solidFill>
-            <a:srgbClr val="326A71"/>
-          </a:solidFill>
-          <a:ln>
-            <a:noFill/>
-          </a:ln>
-        </p:spPr>
-        <p:style>
-          <a:lnRef idx="2">
-            <a:schemeClr val="accent1">
-              <a:shade val="50000"/>
-            </a:schemeClr>
-          </a:lnRef>
-          <a:fillRef idx="1">
-            <a:schemeClr val="accent1"/>
-          </a:fillRef>
-          <a:effectRef idx="0">
-            <a:schemeClr val="accent1"/>
-          </a:effectRef>
-          <a:fontRef idx="minor">
-            <a:schemeClr val="lt1"/>
-          </a:fontRef>
-        </p:style>
-        <p:txBody>
-          <a:bodyPr rtlCol="0" anchor="ctr"/>
-          <a:lstStyle/>
-          <a:p>
-            <a:pPr algn="ctr"/>
-            <a:endParaRPr lang="en-US"/>
-          </a:p>
-        </p:txBody>
-      </p:sp>
-      <p:pic>
-        <p:nvPicPr>
-          <p:cNvPr id="11" name="Picture 10" descr="A picture containing food&#10;&#10;Description automatically generated">
-            <a:extLst>
-              <a:ext uri="{FF2B5EF4-FFF2-40B4-BE49-F238E27FC236}">
-                <a16:creationId xmlns:a16="http://schemas.microsoft.com/office/drawing/2014/main" id="{30EB4A08-B5DF-C248-BDA1-C2A443F4A200}"/>
-              </a:ext>
-            </a:extLst>
-          </p:cNvPr>
-          <p:cNvPicPr>
-            <a:picLocks noChangeAspect="1"/>
-          </p:cNvPicPr>
-          <p:nvPr/>
-        </p:nvPicPr>
-        <p:blipFill rotWithShape="1">
-          <a:blip r:embed="rId4" cstate="print">
-            <a:extLst>
-              <a:ext uri="{28A0092B-C50C-407E-A947-70E740481C1C}">
-                <a14:useLocalDpi xmlns:a14="http://schemas.microsoft.com/office/drawing/2010/main" val="0"/>
-              </a:ext>
-            </a:extLst>
-          </a:blip>
-          <a:srcRect r="3390" b="19294"/>
-          <a:stretch/>
-        </p:blipFill>
-        <p:spPr>
-          <a:xfrm>
-            <a:off x="440924" y="4030406"/>
-            <a:ext cx="996875" cy="602071"/>
-          </a:xfrm>
-          <a:prstGeom prst="rect">
-            <a:avLst/>
-          </a:prstGeom>
-        </p:spPr>
-      </p:pic>
-      <p:pic>
-        <p:nvPicPr>
-          <p:cNvPr id="12" name="Picture 11">
-            <a:extLst>
-              <a:ext uri="{FF2B5EF4-FFF2-40B4-BE49-F238E27FC236}">
-                <a16:creationId xmlns:a16="http://schemas.microsoft.com/office/drawing/2014/main" id="{25B8AAEA-1C48-534D-AD4A-30819AB64809}"/>
-              </a:ext>
-            </a:extLst>
-          </p:cNvPr>
-          <p:cNvPicPr>
-            <a:picLocks noChangeAspect="1"/>
-          </p:cNvPicPr>
-          <p:nvPr/>
-        </p:nvPicPr>
-        <p:blipFill>
-          <a:blip r:embed="rId5" cstate="print">
-            <a:extLst>
-              <a:ext uri="{BEBA8EAE-BF5A-486C-A8C5-ECC9F3942E4B}">
-                <a14:imgProps xmlns:a14="http://schemas.microsoft.com/office/drawing/2010/main">
-                  <a14:imgLayer r:embed="rId6">
-                    <a14:imgEffect>
-                      <a14:brightnessContrast bright="100000"/>
-                    </a14:imgEffect>
-                  </a14:imgLayer>
-                </a14:imgProps>
-              </a:ext>
-              <a:ext uri="{28A0092B-C50C-407E-A947-70E740481C1C}">
-                <a14:useLocalDpi xmlns:a14="http://schemas.microsoft.com/office/drawing/2010/main" val="0"/>
-              </a:ext>
-            </a:extLst>
-          </a:blip>
-          <a:stretch>
-            <a:fillRect/>
-          </a:stretch>
-        </p:blipFill>
-        <p:spPr>
-          <a:xfrm>
-            <a:off x="440924" y="4646083"/>
-            <a:ext cx="1032012" cy="143709"/>
-          </a:xfrm>
-          <a:prstGeom prst="rect">
-            <a:avLst/>
-          </a:prstGeom>
-        </p:spPr>
-      </p:pic>
-      <p:pic>
-        <p:nvPicPr>
-          <p:cNvPr id="9" name="Picture 8" descr="Georgetown Center for Global Health Science and Security — General ...">
-            <a:extLst>
-              <a:ext uri="{FF2B5EF4-FFF2-40B4-BE49-F238E27FC236}">
-                <a16:creationId xmlns:a16="http://schemas.microsoft.com/office/drawing/2014/main" id="{03576436-AEE4-42FF-9EB5-5EC6F32EF203}"/>
-              </a:ext>
-            </a:extLst>
-          </p:cNvPr>
-          <p:cNvPicPr>
-            <a:picLocks noChangeAspect="1" noChangeArrowheads="1"/>
-          </p:cNvPicPr>
-          <p:nvPr/>
-        </p:nvPicPr>
-        <p:blipFill rotWithShape="1">
-          <a:blip r:embed="rId7" cstate="print">
-            <a:extLst>
-              <a:ext uri="{28A0092B-C50C-407E-A947-70E740481C1C}">
-                <a14:useLocalDpi xmlns:a14="http://schemas.microsoft.com/office/drawing/2010/main" val="0"/>
-              </a:ext>
-            </a:extLst>
-          </a:blip>
-          <a:srcRect t="18343" b="25029"/>
-          <a:stretch/>
-        </p:blipFill>
-        <p:spPr bwMode="auto">
-          <a:xfrm>
-            <a:off x="1676400" y="4030406"/>
-            <a:ext cx="1621200" cy="759386"/>
-          </a:xfrm>
-          <a:prstGeom prst="roundRect">
-            <a:avLst/>
-          </a:prstGeom>
-          <a:solidFill>
-            <a:schemeClr val="tx2"/>
-          </a:solidFill>
         </p:spPr>
       </p:pic>
     </p:spTree>
@@ -17296,189 +14707,6 @@
           </a:prstGeom>
         </p:spPr>
       </p:pic>
-      <p:sp>
-        <p:nvSpPr>
-          <p:cNvPr id="8" name="Rectangle 7">
-            <a:extLst>
-              <a:ext uri="{FF2B5EF4-FFF2-40B4-BE49-F238E27FC236}">
-                <a16:creationId xmlns:a16="http://schemas.microsoft.com/office/drawing/2014/main" id="{DFE9876D-9361-BE4A-9201-AA235BE1D00E}"/>
-              </a:ext>
-            </a:extLst>
-          </p:cNvPr>
-          <p:cNvSpPr/>
-          <p:nvPr/>
-        </p:nvSpPr>
-        <p:spPr>
-          <a:xfrm>
-            <a:off x="0" y="4446824"/>
-            <a:ext cx="1524000" cy="556999"/>
-          </a:xfrm>
-          <a:prstGeom prst="rect">
-            <a:avLst/>
-          </a:prstGeom>
-          <a:solidFill>
-            <a:schemeClr val="bg2"/>
-          </a:solidFill>
-          <a:ln>
-            <a:noFill/>
-          </a:ln>
-        </p:spPr>
-        <p:style>
-          <a:lnRef idx="2">
-            <a:schemeClr val="accent1">
-              <a:shade val="50000"/>
-            </a:schemeClr>
-          </a:lnRef>
-          <a:fillRef idx="1">
-            <a:schemeClr val="accent1"/>
-          </a:fillRef>
-          <a:effectRef idx="0">
-            <a:schemeClr val="accent1"/>
-          </a:effectRef>
-          <a:fontRef idx="minor">
-            <a:schemeClr val="lt1"/>
-          </a:fontRef>
-        </p:style>
-        <p:txBody>
-          <a:bodyPr rtlCol="0" anchor="ctr"/>
-          <a:lstStyle/>
-          <a:p>
-            <a:pPr algn="ctr"/>
-            <a:endParaRPr lang="en-US"/>
-          </a:p>
-        </p:txBody>
-      </p:sp>
-      <p:sp>
-        <p:nvSpPr>
-          <p:cNvPr id="9" name="Rounded Rectangle 8">
-            <a:extLst>
-              <a:ext uri="{FF2B5EF4-FFF2-40B4-BE49-F238E27FC236}">
-                <a16:creationId xmlns:a16="http://schemas.microsoft.com/office/drawing/2014/main" id="{C70D53CD-93F2-2F47-BCCF-3DFD09093552}"/>
-              </a:ext>
-            </a:extLst>
-          </p:cNvPr>
-          <p:cNvSpPr/>
-          <p:nvPr/>
-        </p:nvSpPr>
-        <p:spPr>
-          <a:xfrm>
-            <a:off x="914400" y="4431440"/>
-            <a:ext cx="1404530" cy="497096"/>
-          </a:xfrm>
-          <a:prstGeom prst="roundRect">
-            <a:avLst>
-              <a:gd name="adj" fmla="val 20191"/>
-            </a:avLst>
-          </a:prstGeom>
-          <a:blipFill>
-            <a:blip r:embed="rId5"/>
-            <a:stretch>
-              <a:fillRect/>
-            </a:stretch>
-          </a:blipFill>
-          <a:ln>
-            <a:noFill/>
-          </a:ln>
-        </p:spPr>
-        <p:style>
-          <a:lnRef idx="2">
-            <a:schemeClr val="accent1">
-              <a:shade val="50000"/>
-            </a:schemeClr>
-          </a:lnRef>
-          <a:fillRef idx="1">
-            <a:schemeClr val="accent1"/>
-          </a:fillRef>
-          <a:effectRef idx="0">
-            <a:schemeClr val="accent1"/>
-          </a:effectRef>
-          <a:fontRef idx="minor">
-            <a:schemeClr val="lt1"/>
-          </a:fontRef>
-        </p:style>
-        <p:txBody>
-          <a:bodyPr rtlCol="0" anchor="ctr"/>
-          <a:lstStyle/>
-          <a:p>
-            <a:pPr algn="ctr"/>
-            <a:endParaRPr lang="en-US" dirty="0"/>
-          </a:p>
-        </p:txBody>
-      </p:sp>
-      <p:pic>
-        <p:nvPicPr>
-          <p:cNvPr id="10" name="Picture 9" descr="A picture containing food&#10;&#10;Description automatically generated">
-            <a:extLst>
-              <a:ext uri="{FF2B5EF4-FFF2-40B4-BE49-F238E27FC236}">
-                <a16:creationId xmlns:a16="http://schemas.microsoft.com/office/drawing/2014/main" id="{6724DCD5-7ABF-074B-AFF8-6C57E1F2A67A}"/>
-              </a:ext>
-            </a:extLst>
-          </p:cNvPr>
-          <p:cNvPicPr>
-            <a:picLocks noChangeAspect="1"/>
-          </p:cNvPicPr>
-          <p:nvPr/>
-        </p:nvPicPr>
-        <p:blipFill>
-          <a:blip r:embed="rId6" cstate="print">
-            <a:extLst>
-              <a:ext uri="{28A0092B-C50C-407E-A947-70E740481C1C}">
-                <a14:useLocalDpi xmlns:a14="http://schemas.microsoft.com/office/drawing/2010/main" val="0"/>
-              </a:ext>
-            </a:extLst>
-          </a:blip>
-          <a:stretch>
-            <a:fillRect/>
-          </a:stretch>
-        </p:blipFill>
-        <p:spPr>
-          <a:xfrm>
-            <a:off x="251010" y="4493208"/>
-            <a:ext cx="510990" cy="369432"/>
-          </a:xfrm>
-          <a:prstGeom prst="rect">
-            <a:avLst/>
-          </a:prstGeom>
-        </p:spPr>
-      </p:pic>
-      <p:pic>
-        <p:nvPicPr>
-          <p:cNvPr id="11" name="Picture 10" descr="Georgetown Center for Global Health Science and Security — General ...">
-            <a:extLst>
-              <a:ext uri="{FF2B5EF4-FFF2-40B4-BE49-F238E27FC236}">
-                <a16:creationId xmlns:a16="http://schemas.microsoft.com/office/drawing/2014/main" id="{0A0F716E-63B2-4719-85F3-579020F95C05}"/>
-              </a:ext>
-            </a:extLst>
-          </p:cNvPr>
-          <p:cNvPicPr>
-            <a:picLocks noChangeAspect="1" noChangeArrowheads="1"/>
-          </p:cNvPicPr>
-          <p:nvPr/>
-        </p:nvPicPr>
-        <p:blipFill rotWithShape="1">
-          <a:blip r:embed="rId7" cstate="print">
-            <a:extLst>
-              <a:ext uri="{28A0092B-C50C-407E-A947-70E740481C1C}">
-                <a14:useLocalDpi xmlns:a14="http://schemas.microsoft.com/office/drawing/2010/main" val="0"/>
-              </a:ext>
-            </a:extLst>
-          </a:blip>
-          <a:srcRect t="18343" b="25029"/>
-          <a:stretch/>
-        </p:blipFill>
-        <p:spPr bwMode="auto">
-          <a:xfrm>
-            <a:off x="762000" y="4393515"/>
-            <a:ext cx="1621200" cy="573780"/>
-          </a:xfrm>
-          <a:prstGeom prst="roundRect">
-            <a:avLst/>
-          </a:prstGeom>
-          <a:solidFill>
-            <a:schemeClr val="tx2"/>
-          </a:solidFill>
-        </p:spPr>
-      </p:pic>
     </p:spTree>
     <p:extLst>
       <p:ext uri="{BB962C8B-B14F-4D97-AF65-F5344CB8AC3E}">
@@ -17514,115 +14742,6 @@
       </p:grpSpPr>
       <p:sp>
         <p:nvSpPr>
-          <p:cNvPr id="5" name="Rectangle 4">
-            <a:extLst>
-              <a:ext uri="{FF2B5EF4-FFF2-40B4-BE49-F238E27FC236}">
-                <a16:creationId xmlns:a16="http://schemas.microsoft.com/office/drawing/2014/main" id="{D2B0CBE0-D61B-3044-A7B8-E31799DAE779}"/>
-              </a:ext>
-            </a:extLst>
-          </p:cNvPr>
-          <p:cNvSpPr/>
-          <p:nvPr/>
-        </p:nvSpPr>
-        <p:spPr>
-          <a:xfrm>
-            <a:off x="0" y="4446824"/>
-            <a:ext cx="1524000" cy="556999"/>
-          </a:xfrm>
-          <a:prstGeom prst="rect">
-            <a:avLst/>
-          </a:prstGeom>
-          <a:solidFill>
-            <a:schemeClr val="bg2"/>
-          </a:solidFill>
-          <a:ln>
-            <a:noFill/>
-          </a:ln>
-        </p:spPr>
-        <p:style>
-          <a:lnRef idx="2">
-            <a:schemeClr val="accent1">
-              <a:shade val="50000"/>
-            </a:schemeClr>
-          </a:lnRef>
-          <a:fillRef idx="1">
-            <a:schemeClr val="accent1"/>
-          </a:fillRef>
-          <a:effectRef idx="0">
-            <a:schemeClr val="accent1"/>
-          </a:effectRef>
-          <a:fontRef idx="minor">
-            <a:schemeClr val="lt1"/>
-          </a:fontRef>
-        </p:style>
-        <p:txBody>
-          <a:bodyPr rtlCol="0" anchor="ctr"/>
-          <a:lstStyle/>
-          <a:p>
-            <a:pPr algn="ctr"/>
-            <a:endParaRPr lang="en-US"/>
-          </a:p>
-        </p:txBody>
-      </p:sp>
-      <p:sp>
-        <p:nvSpPr>
-          <p:cNvPr id="7" name="Rounded Rectangle 6">
-            <a:extLst>
-              <a:ext uri="{FF2B5EF4-FFF2-40B4-BE49-F238E27FC236}">
-                <a16:creationId xmlns:a16="http://schemas.microsoft.com/office/drawing/2014/main" id="{3D2BFB01-D668-154C-9453-B3135906819E}"/>
-              </a:ext>
-            </a:extLst>
-          </p:cNvPr>
-          <p:cNvSpPr/>
-          <p:nvPr/>
-        </p:nvSpPr>
-        <p:spPr>
-          <a:xfrm>
-            <a:off x="914400" y="4431440"/>
-            <a:ext cx="1404530" cy="497096"/>
-          </a:xfrm>
-          <a:prstGeom prst="roundRect">
-            <a:avLst>
-              <a:gd name="adj" fmla="val 20191"/>
-            </a:avLst>
-          </a:prstGeom>
-          <a:blipFill>
-            <a:blip r:embed="rId3"/>
-            <a:stretch>
-              <a:fillRect/>
-            </a:stretch>
-          </a:blipFill>
-          <a:ln>
-            <a:noFill/>
-          </a:ln>
-        </p:spPr>
-        <p:style>
-          <a:lnRef idx="2">
-            <a:schemeClr val="accent1">
-              <a:shade val="50000"/>
-            </a:schemeClr>
-          </a:lnRef>
-          <a:fillRef idx="1">
-            <a:schemeClr val="accent1"/>
-          </a:fillRef>
-          <a:effectRef idx="0">
-            <a:schemeClr val="accent1"/>
-          </a:effectRef>
-          <a:fontRef idx="minor">
-            <a:schemeClr val="lt1"/>
-          </a:fontRef>
-        </p:style>
-        <p:txBody>
-          <a:bodyPr rtlCol="0" anchor="ctr"/>
-          <a:lstStyle/>
-          <a:p>
-            <a:pPr algn="ctr"/>
-            <a:endParaRPr lang="en-US" dirty="0"/>
-          </a:p>
-        </p:txBody>
-      </p:sp>
-      <p:sp>
-        <p:nvSpPr>
           <p:cNvPr id="16" name="Title 15"/>
           <p:cNvSpPr>
             <a:spLocks noGrp="1"/>
@@ -17761,80 +14880,6 @@
           </a:p>
         </p:txBody>
       </p:sp>
-      <p:pic>
-        <p:nvPicPr>
-          <p:cNvPr id="8" name="Picture 7" descr="A picture containing food&#10;&#10;Description automatically generated">
-            <a:extLst>
-              <a:ext uri="{FF2B5EF4-FFF2-40B4-BE49-F238E27FC236}">
-                <a16:creationId xmlns:a16="http://schemas.microsoft.com/office/drawing/2014/main" id="{672E892F-E332-024C-8928-02DE32F131A8}"/>
-              </a:ext>
-            </a:extLst>
-          </p:cNvPr>
-          <p:cNvPicPr>
-            <a:picLocks noChangeAspect="1"/>
-          </p:cNvPicPr>
-          <p:nvPr/>
-        </p:nvPicPr>
-        <p:blipFill>
-          <a:blip r:embed="rId4" cstate="print">
-            <a:extLst>
-              <a:ext uri="{28A0092B-C50C-407E-A947-70E740481C1C}">
-                <a14:useLocalDpi xmlns:a14="http://schemas.microsoft.com/office/drawing/2010/main" val="0"/>
-              </a:ext>
-            </a:extLst>
-          </a:blip>
-          <a:stretch>
-            <a:fillRect/>
-          </a:stretch>
-        </p:blipFill>
-        <p:spPr>
-          <a:xfrm>
-            <a:off x="251010" y="4493208"/>
-            <a:ext cx="510990" cy="369432"/>
-          </a:xfrm>
-          <a:prstGeom prst="rect">
-            <a:avLst/>
-          </a:prstGeom>
-        </p:spPr>
-      </p:pic>
-      <p:pic>
-        <p:nvPicPr>
-          <p:cNvPr id="9" name="Picture 8" descr="Georgetown Center for Global Health Science and Security — General ...">
-            <a:extLst>
-              <a:ext uri="{FF2B5EF4-FFF2-40B4-BE49-F238E27FC236}">
-                <a16:creationId xmlns:a16="http://schemas.microsoft.com/office/drawing/2014/main" id="{398B08A0-5623-4C47-90C6-0672F7ECE126}"/>
-              </a:ext>
-            </a:extLst>
-          </p:cNvPr>
-          <p:cNvPicPr>
-            <a:picLocks noChangeAspect="1" noChangeArrowheads="1"/>
-          </p:cNvPicPr>
-          <p:nvPr/>
-        </p:nvPicPr>
-        <p:blipFill rotWithShape="1">
-          <a:blip r:embed="rId5" cstate="print">
-            <a:extLst>
-              <a:ext uri="{28A0092B-C50C-407E-A947-70E740481C1C}">
-                <a14:useLocalDpi xmlns:a14="http://schemas.microsoft.com/office/drawing/2010/main" val="0"/>
-              </a:ext>
-            </a:extLst>
-          </a:blip>
-          <a:srcRect t="18343" b="25029"/>
-          <a:stretch/>
-        </p:blipFill>
-        <p:spPr bwMode="auto">
-          <a:xfrm>
-            <a:off x="762000" y="4393515"/>
-            <a:ext cx="1621200" cy="573780"/>
-          </a:xfrm>
-          <a:prstGeom prst="roundRect">
-            <a:avLst/>
-          </a:prstGeom>
-          <a:solidFill>
-            <a:schemeClr val="tx2"/>
-          </a:solidFill>
-        </p:spPr>
-      </p:pic>
     </p:spTree>
     <p:extLst>
       <p:ext uri="{BB962C8B-B14F-4D97-AF65-F5344CB8AC3E}">
@@ -17884,7 +14929,7 @@
         </p:nvSpPr>
         <p:spPr bwMode="auto">
           <a:xfrm>
-            <a:off x="528506" y="2413039"/>
+            <a:off x="528506" y="2292724"/>
             <a:ext cx="8407150" cy="2329290"/>
           </a:xfrm>
           <a:prstGeom prst="rect">
@@ -18237,7 +15282,7 @@
         </p:nvSpPr>
         <p:spPr>
           <a:xfrm>
-            <a:off x="457200" y="1077852"/>
+            <a:off x="457200" y="957537"/>
             <a:ext cx="8158294" cy="3341688"/>
           </a:xfrm>
         </p:spPr>
@@ -18288,226 +15333,6 @@
           </a:p>
         </p:txBody>
       </p:sp>
-      <p:sp>
-        <p:nvSpPr>
-          <p:cNvPr id="2" name="TextBox 1">
-            <a:extLst>
-              <a:ext uri="{FF2B5EF4-FFF2-40B4-BE49-F238E27FC236}">
-                <a16:creationId xmlns:a16="http://schemas.microsoft.com/office/drawing/2014/main" id="{77DFCEEC-EDBB-2743-86FD-0CC4E1F1FCDD}"/>
-              </a:ext>
-            </a:extLst>
-          </p:cNvPr>
-          <p:cNvSpPr txBox="1"/>
-          <p:nvPr/>
-        </p:nvSpPr>
-        <p:spPr>
-          <a:xfrm>
-            <a:off x="5359078" y="2754775"/>
-            <a:ext cx="3692325" cy="2152891"/>
-          </a:xfrm>
-          <a:prstGeom prst="rect">
-            <a:avLst/>
-          </a:prstGeom>
-          <a:noFill/>
-        </p:spPr>
-        <p:txBody>
-          <a:bodyPr wrap="square" rtlCol="0">
-            <a:spAutoFit/>
-          </a:bodyPr>
-          <a:lstStyle/>
-          <a:p>
-            <a:endParaRPr lang="en-US" dirty="0">
-              <a:solidFill>
-                <a:srgbClr val="000000"/>
-              </a:solidFill>
-              <a:latin typeface="Calibri" panose="020F0502020204030204" pitchFamily="34" charset="0"/>
-            </a:endParaRPr>
-          </a:p>
-        </p:txBody>
-      </p:sp>
-      <p:sp>
-        <p:nvSpPr>
-          <p:cNvPr id="8" name="Rectangle 7">
-            <a:extLst>
-              <a:ext uri="{FF2B5EF4-FFF2-40B4-BE49-F238E27FC236}">
-                <a16:creationId xmlns:a16="http://schemas.microsoft.com/office/drawing/2014/main" id="{DEBBA8CE-42C3-EE44-B912-E20049BBEF4A}"/>
-              </a:ext>
-            </a:extLst>
-          </p:cNvPr>
-          <p:cNvSpPr/>
-          <p:nvPr/>
-        </p:nvSpPr>
-        <p:spPr>
-          <a:xfrm>
-            <a:off x="0" y="4446824"/>
-            <a:ext cx="1524000" cy="556999"/>
-          </a:xfrm>
-          <a:prstGeom prst="rect">
-            <a:avLst/>
-          </a:prstGeom>
-          <a:solidFill>
-            <a:schemeClr val="bg2"/>
-          </a:solidFill>
-          <a:ln>
-            <a:noFill/>
-          </a:ln>
-        </p:spPr>
-        <p:style>
-          <a:lnRef idx="2">
-            <a:schemeClr val="accent1">
-              <a:shade val="50000"/>
-            </a:schemeClr>
-          </a:lnRef>
-          <a:fillRef idx="1">
-            <a:schemeClr val="accent1"/>
-          </a:fillRef>
-          <a:effectRef idx="0">
-            <a:schemeClr val="accent1"/>
-          </a:effectRef>
-          <a:fontRef idx="minor">
-            <a:schemeClr val="lt1"/>
-          </a:fontRef>
-        </p:style>
-        <p:txBody>
-          <a:bodyPr rtlCol="0" anchor="ctr"/>
-          <a:lstStyle/>
-          <a:p>
-            <a:pPr algn="ctr"/>
-            <a:endParaRPr lang="en-US"/>
-          </a:p>
-        </p:txBody>
-      </p:sp>
-      <p:sp>
-        <p:nvSpPr>
-          <p:cNvPr id="9" name="Rounded Rectangle 8">
-            <a:extLst>
-              <a:ext uri="{FF2B5EF4-FFF2-40B4-BE49-F238E27FC236}">
-                <a16:creationId xmlns:a16="http://schemas.microsoft.com/office/drawing/2014/main" id="{066772F1-DD49-224A-9290-016151389CA0}"/>
-              </a:ext>
-            </a:extLst>
-          </p:cNvPr>
-          <p:cNvSpPr/>
-          <p:nvPr/>
-        </p:nvSpPr>
-        <p:spPr>
-          <a:xfrm>
-            <a:off x="914400" y="4431440"/>
-            <a:ext cx="1404530" cy="497096"/>
-          </a:xfrm>
-          <a:prstGeom prst="roundRect">
-            <a:avLst>
-              <a:gd name="adj" fmla="val 20191"/>
-            </a:avLst>
-          </a:prstGeom>
-          <a:blipFill>
-            <a:blip r:embed="rId3"/>
-            <a:stretch>
-              <a:fillRect/>
-            </a:stretch>
-          </a:blipFill>
-          <a:ln>
-            <a:noFill/>
-          </a:ln>
-        </p:spPr>
-        <p:style>
-          <a:lnRef idx="2">
-            <a:schemeClr val="accent1">
-              <a:shade val="50000"/>
-            </a:schemeClr>
-          </a:lnRef>
-          <a:fillRef idx="1">
-            <a:schemeClr val="accent1"/>
-          </a:fillRef>
-          <a:effectRef idx="0">
-            <a:schemeClr val="accent1"/>
-          </a:effectRef>
-          <a:fontRef idx="minor">
-            <a:schemeClr val="lt1"/>
-          </a:fontRef>
-        </p:style>
-        <p:txBody>
-          <a:bodyPr rtlCol="0" anchor="ctr"/>
-          <a:lstStyle/>
-          <a:p>
-            <a:pPr algn="ctr"/>
-            <a:endParaRPr lang="en-US" dirty="0"/>
-          </a:p>
-        </p:txBody>
-      </p:sp>
-      <p:pic>
-        <p:nvPicPr>
-          <p:cNvPr id="10" name="Picture 9" descr="A picture containing food&#10;&#10;Description automatically generated">
-            <a:extLst>
-              <a:ext uri="{FF2B5EF4-FFF2-40B4-BE49-F238E27FC236}">
-                <a16:creationId xmlns:a16="http://schemas.microsoft.com/office/drawing/2014/main" id="{58B76EF3-7F41-F84F-BD6C-73092E83F1D7}"/>
-              </a:ext>
-            </a:extLst>
-          </p:cNvPr>
-          <p:cNvPicPr>
-            <a:picLocks noChangeAspect="1"/>
-          </p:cNvPicPr>
-          <p:nvPr/>
-        </p:nvPicPr>
-        <p:blipFill>
-          <a:blip r:embed="rId4" cstate="print">
-            <a:extLst>
-              <a:ext uri="{28A0092B-C50C-407E-A947-70E740481C1C}">
-                <a14:useLocalDpi xmlns:a14="http://schemas.microsoft.com/office/drawing/2010/main" val="0"/>
-              </a:ext>
-            </a:extLst>
-          </a:blip>
-          <a:stretch>
-            <a:fillRect/>
-          </a:stretch>
-        </p:blipFill>
-        <p:spPr>
-          <a:xfrm>
-            <a:off x="251010" y="4493208"/>
-            <a:ext cx="510990" cy="369432"/>
-          </a:xfrm>
-          <a:prstGeom prst="rect">
-            <a:avLst/>
-          </a:prstGeom>
-        </p:spPr>
-      </p:pic>
-      <p:pic>
-        <p:nvPicPr>
-          <p:cNvPr id="11" name="Picture 10" descr="Georgetown Center for Global Health Science and Security — General ...">
-            <a:extLst>
-              <a:ext uri="{FF2B5EF4-FFF2-40B4-BE49-F238E27FC236}">
-                <a16:creationId xmlns:a16="http://schemas.microsoft.com/office/drawing/2014/main" id="{7CC8821A-E5BA-43BE-AA98-987FB7EE1FD4}"/>
-              </a:ext>
-            </a:extLst>
-          </p:cNvPr>
-          <p:cNvPicPr>
-            <a:picLocks noChangeAspect="1" noChangeArrowheads="1"/>
-          </p:cNvPicPr>
-          <p:nvPr/>
-        </p:nvPicPr>
-        <p:blipFill rotWithShape="1">
-          <a:blip r:embed="rId5" cstate="print">
-            <a:extLst>
-              <a:ext uri="{28A0092B-C50C-407E-A947-70E740481C1C}">
-                <a14:useLocalDpi xmlns:a14="http://schemas.microsoft.com/office/drawing/2010/main" val="0"/>
-              </a:ext>
-            </a:extLst>
-          </a:blip>
-          <a:srcRect t="18343" b="25029"/>
-          <a:stretch/>
-        </p:blipFill>
-        <p:spPr bwMode="auto">
-          <a:xfrm>
-            <a:off x="762000" y="4393515"/>
-            <a:ext cx="1621200" cy="573780"/>
-          </a:xfrm>
-          <a:prstGeom prst="roundRect">
-            <a:avLst/>
-          </a:prstGeom>
-          <a:solidFill>
-            <a:schemeClr val="tx2"/>
-          </a:solidFill>
-        </p:spPr>
-      </p:pic>
     </p:spTree>
     <p:extLst>
       <p:ext uri="{BB962C8B-B14F-4D97-AF65-F5344CB8AC3E}">
@@ -18575,7 +15400,7 @@
         </p:nvSpPr>
         <p:spPr>
           <a:xfrm>
-            <a:off x="457200" y="1082069"/>
+            <a:off x="457200" y="945712"/>
             <a:ext cx="8572500" cy="3341688"/>
           </a:xfrm>
         </p:spPr>
@@ -18705,189 +15530,6 @@
           </a:p>
         </p:txBody>
       </p:sp>
-      <p:sp>
-        <p:nvSpPr>
-          <p:cNvPr id="5" name="Rectangle 4">
-            <a:extLst>
-              <a:ext uri="{FF2B5EF4-FFF2-40B4-BE49-F238E27FC236}">
-                <a16:creationId xmlns:a16="http://schemas.microsoft.com/office/drawing/2014/main" id="{42D617CB-2F94-204F-A085-3753D4A8622E}"/>
-              </a:ext>
-            </a:extLst>
-          </p:cNvPr>
-          <p:cNvSpPr/>
-          <p:nvPr/>
-        </p:nvSpPr>
-        <p:spPr>
-          <a:xfrm>
-            <a:off x="0" y="4446824"/>
-            <a:ext cx="1524000" cy="556999"/>
-          </a:xfrm>
-          <a:prstGeom prst="rect">
-            <a:avLst/>
-          </a:prstGeom>
-          <a:solidFill>
-            <a:schemeClr val="bg2"/>
-          </a:solidFill>
-          <a:ln>
-            <a:noFill/>
-          </a:ln>
-        </p:spPr>
-        <p:style>
-          <a:lnRef idx="2">
-            <a:schemeClr val="accent1">
-              <a:shade val="50000"/>
-            </a:schemeClr>
-          </a:lnRef>
-          <a:fillRef idx="1">
-            <a:schemeClr val="accent1"/>
-          </a:fillRef>
-          <a:effectRef idx="0">
-            <a:schemeClr val="accent1"/>
-          </a:effectRef>
-          <a:fontRef idx="minor">
-            <a:schemeClr val="lt1"/>
-          </a:fontRef>
-        </p:style>
-        <p:txBody>
-          <a:bodyPr rtlCol="0" anchor="ctr"/>
-          <a:lstStyle/>
-          <a:p>
-            <a:pPr algn="ctr"/>
-            <a:endParaRPr lang="en-US"/>
-          </a:p>
-        </p:txBody>
-      </p:sp>
-      <p:sp>
-        <p:nvSpPr>
-          <p:cNvPr id="6" name="Rounded Rectangle 5">
-            <a:extLst>
-              <a:ext uri="{FF2B5EF4-FFF2-40B4-BE49-F238E27FC236}">
-                <a16:creationId xmlns:a16="http://schemas.microsoft.com/office/drawing/2014/main" id="{A94395F9-2834-FF42-AAF4-3ACFAB01248D}"/>
-              </a:ext>
-            </a:extLst>
-          </p:cNvPr>
-          <p:cNvSpPr/>
-          <p:nvPr/>
-        </p:nvSpPr>
-        <p:spPr>
-          <a:xfrm>
-            <a:off x="914400" y="4431440"/>
-            <a:ext cx="1404530" cy="497096"/>
-          </a:xfrm>
-          <a:prstGeom prst="roundRect">
-            <a:avLst>
-              <a:gd name="adj" fmla="val 20191"/>
-            </a:avLst>
-          </a:prstGeom>
-          <a:blipFill>
-            <a:blip r:embed="rId3"/>
-            <a:stretch>
-              <a:fillRect/>
-            </a:stretch>
-          </a:blipFill>
-          <a:ln>
-            <a:noFill/>
-          </a:ln>
-        </p:spPr>
-        <p:style>
-          <a:lnRef idx="2">
-            <a:schemeClr val="accent1">
-              <a:shade val="50000"/>
-            </a:schemeClr>
-          </a:lnRef>
-          <a:fillRef idx="1">
-            <a:schemeClr val="accent1"/>
-          </a:fillRef>
-          <a:effectRef idx="0">
-            <a:schemeClr val="accent1"/>
-          </a:effectRef>
-          <a:fontRef idx="minor">
-            <a:schemeClr val="lt1"/>
-          </a:fontRef>
-        </p:style>
-        <p:txBody>
-          <a:bodyPr rtlCol="0" anchor="ctr"/>
-          <a:lstStyle/>
-          <a:p>
-            <a:pPr algn="ctr"/>
-            <a:endParaRPr lang="en-US" dirty="0"/>
-          </a:p>
-        </p:txBody>
-      </p:sp>
-      <p:pic>
-        <p:nvPicPr>
-          <p:cNvPr id="7" name="Picture 6" descr="A picture containing food&#10;&#10;Description automatically generated">
-            <a:extLst>
-              <a:ext uri="{FF2B5EF4-FFF2-40B4-BE49-F238E27FC236}">
-                <a16:creationId xmlns:a16="http://schemas.microsoft.com/office/drawing/2014/main" id="{EF1C3916-31D4-504D-929E-8FAE2B7F35FC}"/>
-              </a:ext>
-            </a:extLst>
-          </p:cNvPr>
-          <p:cNvPicPr>
-            <a:picLocks noChangeAspect="1"/>
-          </p:cNvPicPr>
-          <p:nvPr/>
-        </p:nvPicPr>
-        <p:blipFill>
-          <a:blip r:embed="rId4" cstate="print">
-            <a:extLst>
-              <a:ext uri="{28A0092B-C50C-407E-A947-70E740481C1C}">
-                <a14:useLocalDpi xmlns:a14="http://schemas.microsoft.com/office/drawing/2010/main" val="0"/>
-              </a:ext>
-            </a:extLst>
-          </a:blip>
-          <a:stretch>
-            <a:fillRect/>
-          </a:stretch>
-        </p:blipFill>
-        <p:spPr>
-          <a:xfrm>
-            <a:off x="251010" y="4493208"/>
-            <a:ext cx="510990" cy="369432"/>
-          </a:xfrm>
-          <a:prstGeom prst="rect">
-            <a:avLst/>
-          </a:prstGeom>
-        </p:spPr>
-      </p:pic>
-      <p:pic>
-        <p:nvPicPr>
-          <p:cNvPr id="8" name="Picture 7" descr="Georgetown Center for Global Health Science and Security — General ...">
-            <a:extLst>
-              <a:ext uri="{FF2B5EF4-FFF2-40B4-BE49-F238E27FC236}">
-                <a16:creationId xmlns:a16="http://schemas.microsoft.com/office/drawing/2014/main" id="{B49F219A-70FD-424A-943E-542DCD4C9821}"/>
-              </a:ext>
-            </a:extLst>
-          </p:cNvPr>
-          <p:cNvPicPr>
-            <a:picLocks noChangeAspect="1" noChangeArrowheads="1"/>
-          </p:cNvPicPr>
-          <p:nvPr/>
-        </p:nvPicPr>
-        <p:blipFill rotWithShape="1">
-          <a:blip r:embed="rId5" cstate="print">
-            <a:extLst>
-              <a:ext uri="{28A0092B-C50C-407E-A947-70E740481C1C}">
-                <a14:useLocalDpi xmlns:a14="http://schemas.microsoft.com/office/drawing/2010/main" val="0"/>
-              </a:ext>
-            </a:extLst>
-          </a:blip>
-          <a:srcRect t="18343" b="25029"/>
-          <a:stretch/>
-        </p:blipFill>
-        <p:spPr bwMode="auto">
-          <a:xfrm>
-            <a:off x="762000" y="4393515"/>
-            <a:ext cx="1621200" cy="573780"/>
-          </a:xfrm>
-          <a:prstGeom prst="roundRect">
-            <a:avLst/>
-          </a:prstGeom>
-          <a:solidFill>
-            <a:schemeClr val="tx2"/>
-          </a:solidFill>
-        </p:spPr>
-      </p:pic>
     </p:spTree>
     <p:extLst>
       <p:ext uri="{BB962C8B-B14F-4D97-AF65-F5344CB8AC3E}">
@@ -18945,189 +15587,6 @@
       </p:sp>
       <p:sp>
         <p:nvSpPr>
-          <p:cNvPr id="5" name="Rectangle 4">
-            <a:extLst>
-              <a:ext uri="{FF2B5EF4-FFF2-40B4-BE49-F238E27FC236}">
-                <a16:creationId xmlns:a16="http://schemas.microsoft.com/office/drawing/2014/main" id="{3005558A-433C-D048-9BA7-BA6E4B37F536}"/>
-              </a:ext>
-            </a:extLst>
-          </p:cNvPr>
-          <p:cNvSpPr/>
-          <p:nvPr/>
-        </p:nvSpPr>
-        <p:spPr>
-          <a:xfrm>
-            <a:off x="0" y="4446824"/>
-            <a:ext cx="1524000" cy="556999"/>
-          </a:xfrm>
-          <a:prstGeom prst="rect">
-            <a:avLst/>
-          </a:prstGeom>
-          <a:solidFill>
-            <a:schemeClr val="bg2"/>
-          </a:solidFill>
-          <a:ln>
-            <a:noFill/>
-          </a:ln>
-        </p:spPr>
-        <p:style>
-          <a:lnRef idx="2">
-            <a:schemeClr val="accent1">
-              <a:shade val="50000"/>
-            </a:schemeClr>
-          </a:lnRef>
-          <a:fillRef idx="1">
-            <a:schemeClr val="accent1"/>
-          </a:fillRef>
-          <a:effectRef idx="0">
-            <a:schemeClr val="accent1"/>
-          </a:effectRef>
-          <a:fontRef idx="minor">
-            <a:schemeClr val="lt1"/>
-          </a:fontRef>
-        </p:style>
-        <p:txBody>
-          <a:bodyPr rtlCol="0" anchor="ctr"/>
-          <a:lstStyle/>
-          <a:p>
-            <a:pPr algn="ctr"/>
-            <a:endParaRPr lang="en-US"/>
-          </a:p>
-        </p:txBody>
-      </p:sp>
-      <p:sp>
-        <p:nvSpPr>
-          <p:cNvPr id="6" name="Rounded Rectangle 5">
-            <a:extLst>
-              <a:ext uri="{FF2B5EF4-FFF2-40B4-BE49-F238E27FC236}">
-                <a16:creationId xmlns:a16="http://schemas.microsoft.com/office/drawing/2014/main" id="{F5FD19E1-74EE-D74B-8A18-31AD92F39473}"/>
-              </a:ext>
-            </a:extLst>
-          </p:cNvPr>
-          <p:cNvSpPr/>
-          <p:nvPr/>
-        </p:nvSpPr>
-        <p:spPr>
-          <a:xfrm>
-            <a:off x="914400" y="4431440"/>
-            <a:ext cx="1404530" cy="497096"/>
-          </a:xfrm>
-          <a:prstGeom prst="roundRect">
-            <a:avLst>
-              <a:gd name="adj" fmla="val 20191"/>
-            </a:avLst>
-          </a:prstGeom>
-          <a:blipFill>
-            <a:blip r:embed="rId3"/>
-            <a:stretch>
-              <a:fillRect/>
-            </a:stretch>
-          </a:blipFill>
-          <a:ln>
-            <a:noFill/>
-          </a:ln>
-        </p:spPr>
-        <p:style>
-          <a:lnRef idx="2">
-            <a:schemeClr val="accent1">
-              <a:shade val="50000"/>
-            </a:schemeClr>
-          </a:lnRef>
-          <a:fillRef idx="1">
-            <a:schemeClr val="accent1"/>
-          </a:fillRef>
-          <a:effectRef idx="0">
-            <a:schemeClr val="accent1"/>
-          </a:effectRef>
-          <a:fontRef idx="minor">
-            <a:schemeClr val="lt1"/>
-          </a:fontRef>
-        </p:style>
-        <p:txBody>
-          <a:bodyPr rtlCol="0" anchor="ctr"/>
-          <a:lstStyle/>
-          <a:p>
-            <a:pPr algn="ctr"/>
-            <a:endParaRPr lang="en-US" dirty="0"/>
-          </a:p>
-        </p:txBody>
-      </p:sp>
-      <p:pic>
-        <p:nvPicPr>
-          <p:cNvPr id="7" name="Picture 6" descr="A picture containing food&#10;&#10;Description automatically generated">
-            <a:extLst>
-              <a:ext uri="{FF2B5EF4-FFF2-40B4-BE49-F238E27FC236}">
-                <a16:creationId xmlns:a16="http://schemas.microsoft.com/office/drawing/2014/main" id="{0B1A4E88-81B5-F449-96F5-45D7F32AE71A}"/>
-              </a:ext>
-            </a:extLst>
-          </p:cNvPr>
-          <p:cNvPicPr>
-            <a:picLocks noChangeAspect="1"/>
-          </p:cNvPicPr>
-          <p:nvPr/>
-        </p:nvPicPr>
-        <p:blipFill>
-          <a:blip r:embed="rId4" cstate="print">
-            <a:extLst>
-              <a:ext uri="{28A0092B-C50C-407E-A947-70E740481C1C}">
-                <a14:useLocalDpi xmlns:a14="http://schemas.microsoft.com/office/drawing/2010/main" val="0"/>
-              </a:ext>
-            </a:extLst>
-          </a:blip>
-          <a:stretch>
-            <a:fillRect/>
-          </a:stretch>
-        </p:blipFill>
-        <p:spPr>
-          <a:xfrm>
-            <a:off x="251010" y="4493208"/>
-            <a:ext cx="510990" cy="369432"/>
-          </a:xfrm>
-          <a:prstGeom prst="rect">
-            <a:avLst/>
-          </a:prstGeom>
-        </p:spPr>
-      </p:pic>
-      <p:pic>
-        <p:nvPicPr>
-          <p:cNvPr id="8" name="Picture 7" descr="Georgetown Center for Global Health Science and Security — General ...">
-            <a:extLst>
-              <a:ext uri="{FF2B5EF4-FFF2-40B4-BE49-F238E27FC236}">
-                <a16:creationId xmlns:a16="http://schemas.microsoft.com/office/drawing/2014/main" id="{857C7485-626B-4BFF-8351-F5A46640188E}"/>
-              </a:ext>
-            </a:extLst>
-          </p:cNvPr>
-          <p:cNvPicPr>
-            <a:picLocks noChangeAspect="1" noChangeArrowheads="1"/>
-          </p:cNvPicPr>
-          <p:nvPr/>
-        </p:nvPicPr>
-        <p:blipFill rotWithShape="1">
-          <a:blip r:embed="rId5" cstate="print">
-            <a:extLst>
-              <a:ext uri="{28A0092B-C50C-407E-A947-70E740481C1C}">
-                <a14:useLocalDpi xmlns:a14="http://schemas.microsoft.com/office/drawing/2010/main" val="0"/>
-              </a:ext>
-            </a:extLst>
-          </a:blip>
-          <a:srcRect t="18343" b="25029"/>
-          <a:stretch/>
-        </p:blipFill>
-        <p:spPr bwMode="auto">
-          <a:xfrm>
-            <a:off x="762000" y="4393515"/>
-            <a:ext cx="1621200" cy="573780"/>
-          </a:xfrm>
-          <a:prstGeom prst="roundRect">
-            <a:avLst/>
-          </a:prstGeom>
-          <a:solidFill>
-            <a:schemeClr val="tx2"/>
-          </a:solidFill>
-        </p:spPr>
-      </p:pic>
-      <p:sp>
-        <p:nvSpPr>
           <p:cNvPr id="3" name="Content Placeholder 2"/>
           <p:cNvSpPr>
             <a:spLocks noGrp="1"/>
@@ -19138,7 +15597,7 @@
         </p:nvSpPr>
         <p:spPr>
           <a:xfrm>
-            <a:off x="672360" y="900906"/>
+            <a:off x="681325" y="838151"/>
             <a:ext cx="8158294" cy="3341688"/>
           </a:xfrm>
         </p:spPr>
@@ -19152,128 +15611,101 @@
               </a:buClr>
             </a:pPr>
             <a:r>
-              <a:rPr lang="en-US" dirty="0"/>
+              <a:rPr lang="en-US" sz="1900" dirty="0"/>
               <a:t>FEMA Emergency Management Institute (2018, June 25) </a:t>
             </a:r>
             <a:r>
-              <a:rPr lang="en-US" i="1" dirty="0"/>
+              <a:rPr lang="en-US" sz="1900" i="1" dirty="0"/>
               <a:t>IS-700.B: An Introduction to the National Incident Management System. </a:t>
             </a:r>
             <a:r>
-              <a:rPr lang="en-US" dirty="0"/>
+              <a:rPr lang="en-US" sz="1900" dirty="0"/>
               <a:t>Retrieved from </a:t>
             </a:r>
             <a:r>
-              <a:rPr lang="en-US" dirty="0">
+              <a:rPr lang="en-US" sz="1900" dirty="0">
+                <a:hlinkClick r:id="rId3"/>
+              </a:rPr>
+              <a:t>https://emilms.fema.gov/IS0700b/curriculum/1.html</a:t>
+            </a:r>
+            <a:endParaRPr lang="en-US" sz="1900" dirty="0"/>
+          </a:p>
+          <a:p>
+            <a:pPr>
+              <a:buClr>
+                <a:srgbClr val="006A71"/>
+              </a:buClr>
+            </a:pPr>
+            <a:r>
+              <a:rPr lang="en-US" sz="1900" dirty="0"/>
+              <a:t>WHO (2018) </a:t>
+            </a:r>
+            <a:r>
+              <a:rPr lang="en-US" sz="1900" i="1" dirty="0"/>
+              <a:t>Handbook for Developing a Public Health Emergency Operations Centre. </a:t>
+            </a:r>
+            <a:r>
+              <a:rPr lang="en-US" sz="1900" dirty="0"/>
+              <a:t>Retrieved from </a:t>
+            </a:r>
+            <a:r>
+              <a:rPr lang="en-US" sz="1900" dirty="0">
+                <a:hlinkClick r:id="rId4"/>
+              </a:rPr>
+              <a:t>https://apps.who.int/iris/bitstream/handle/10665/277191/9789241515122-eng.pdf?sequence=1</a:t>
+            </a:r>
+            <a:endParaRPr lang="en-US" sz="1900" dirty="0"/>
+          </a:p>
+          <a:p>
+            <a:pPr>
+              <a:buClr>
+                <a:srgbClr val="006A71"/>
+              </a:buClr>
+            </a:pPr>
+            <a:r>
+              <a:rPr lang="en-US" sz="1900" dirty="0"/>
+              <a:t>WHO (2015) </a:t>
+            </a:r>
+            <a:r>
+              <a:rPr lang="en-US" sz="1900" i="1" dirty="0"/>
+              <a:t>Framework for Public Health Emergency Operations </a:t>
+            </a:r>
+            <a:r>
+              <a:rPr lang="en-US" sz="1900" i="1" dirty="0" err="1"/>
+              <a:t>Centres</a:t>
+            </a:r>
+            <a:r>
+              <a:rPr lang="en-US" sz="1900" dirty="0"/>
+              <a:t>. </a:t>
+            </a:r>
+            <a:r>
+              <a:rPr lang="en-US" sz="1900" dirty="0">
+                <a:hlinkClick r:id="rId5"/>
+              </a:rPr>
+              <a:t>https://www.who.int/ihr/publications/9789241565134_eng/en/</a:t>
+            </a:r>
+            <a:r>
+              <a:rPr lang="en-US" sz="1900" dirty="0"/>
+              <a:t> </a:t>
+            </a:r>
+          </a:p>
+          <a:p>
+            <a:pPr>
+              <a:buClr>
+                <a:srgbClr val="006A71"/>
+              </a:buClr>
+            </a:pPr>
+            <a:r>
+              <a:rPr lang="en-US" sz="1900" dirty="0"/>
+              <a:t>All photos retrieved from CDC's Public Health Image Library (accessed May 2020): </a:t>
+            </a:r>
+            <a:r>
+              <a:rPr lang="en-US" sz="1900" dirty="0">
                 <a:hlinkClick r:id="rId6"/>
               </a:rPr>
-              <a:t>https://emilms.fema.gov/IS0700b/curriculum/1.html</a:t>
-            </a:r>
-            <a:endParaRPr lang="en-US" dirty="0"/>
-          </a:p>
-          <a:p>
-            <a:pPr>
-              <a:buClr>
-                <a:srgbClr val="006A71"/>
-              </a:buClr>
-            </a:pPr>
-            <a:r>
-              <a:rPr lang="en-US" dirty="0"/>
-              <a:t>WHO (2018) </a:t>
-            </a:r>
-            <a:r>
-              <a:rPr lang="en-US" i="1" dirty="0"/>
-              <a:t>Handbook for Developing a Public Health Emergency Operations Centre. </a:t>
-            </a:r>
-            <a:r>
-              <a:rPr lang="en-US" dirty="0"/>
-              <a:t>Retrieved from </a:t>
-            </a:r>
-            <a:r>
-              <a:rPr lang="en-US" dirty="0">
-                <a:hlinkClick r:id="rId7"/>
-              </a:rPr>
-              <a:t>https://apps.who.int/iris/bitstream/handle/10665/277191/9789241515122-eng.pdf?sequence=1</a:t>
-            </a:r>
-            <a:endParaRPr lang="en-US" dirty="0"/>
-          </a:p>
-          <a:p>
-            <a:pPr>
-              <a:buClr>
-                <a:srgbClr val="006A71"/>
-              </a:buClr>
-            </a:pPr>
-            <a:r>
-              <a:rPr lang="en-US" dirty="0"/>
-              <a:t>WHO (2015) </a:t>
-            </a:r>
-            <a:r>
-              <a:rPr lang="en-US" i="1" dirty="0"/>
-              <a:t>Framework for Public Health Emergency Operations </a:t>
-            </a:r>
-            <a:r>
-              <a:rPr lang="en-US" i="1" dirty="0" err="1"/>
-              <a:t>Centres</a:t>
-            </a:r>
-            <a:r>
-              <a:rPr lang="en-US" dirty="0"/>
-              <a:t>. </a:t>
-            </a:r>
-            <a:r>
-              <a:rPr lang="en-US" dirty="0">
-                <a:hlinkClick r:id="rId8"/>
-              </a:rPr>
-              <a:t>https://www.who.int/ihr/publications/9789241565134_eng/en/</a:t>
-            </a:r>
-            <a:r>
-              <a:rPr lang="en-US" dirty="0"/>
-              <a:t> </a:t>
-            </a:r>
-          </a:p>
-          <a:p>
-            <a:pPr>
-              <a:buClr>
-                <a:srgbClr val="006A71"/>
-              </a:buClr>
-            </a:pPr>
-            <a:r>
-              <a:rPr lang="en-US" dirty="0"/>
-              <a:t>All photos retrieved from CDC's Public Health Image Library (accessed May 2020): </a:t>
-            </a:r>
-            <a:r>
-              <a:rPr lang="en-US" dirty="0">
-                <a:hlinkClick r:id="rId9"/>
-              </a:rPr>
               <a:t>https://phil.cdc.gov/</a:t>
             </a:r>
-            <a:endParaRPr lang="en-US" dirty="0"/>
-          </a:p>
-          <a:p>
-            <a:pPr marL="457200" lvl="1" indent="0">
-              <a:buClr>
-                <a:srgbClr val="006A71"/>
-              </a:buClr>
-              <a:buNone/>
-            </a:pPr>
-            <a:endParaRPr lang="en-US" dirty="0"/>
-          </a:p>
-          <a:p>
-            <a:pPr marL="457200" lvl="1" indent="0">
-              <a:buClr>
-                <a:srgbClr val="006A71"/>
-              </a:buClr>
-              <a:buNone/>
-            </a:pPr>
-            <a:endParaRPr lang="en-US" dirty="0"/>
-          </a:p>
-          <a:p>
-            <a:pPr marL="457200" lvl="1" indent="0">
-              <a:buClr>
-                <a:srgbClr val="006A71"/>
-              </a:buClr>
-              <a:buNone/>
-            </a:pPr>
-            <a:endParaRPr lang="en-US" dirty="0"/>
+            <a:endParaRPr lang="en-US" sz="1900" dirty="0"/>
           </a:p>
         </p:txBody>
       </p:sp>
@@ -19426,189 +15858,6 @@
           </a:p>
         </p:txBody>
       </p:sp>
-      <p:sp>
-        <p:nvSpPr>
-          <p:cNvPr id="6" name="Rectangle 5">
-            <a:extLst>
-              <a:ext uri="{FF2B5EF4-FFF2-40B4-BE49-F238E27FC236}">
-                <a16:creationId xmlns:a16="http://schemas.microsoft.com/office/drawing/2014/main" id="{0D741903-A5DF-D044-8FB7-29A351D6F4AC}"/>
-              </a:ext>
-            </a:extLst>
-          </p:cNvPr>
-          <p:cNvSpPr/>
-          <p:nvPr/>
-        </p:nvSpPr>
-        <p:spPr>
-          <a:xfrm>
-            <a:off x="0" y="4446824"/>
-            <a:ext cx="1524000" cy="556999"/>
-          </a:xfrm>
-          <a:prstGeom prst="rect">
-            <a:avLst/>
-          </a:prstGeom>
-          <a:solidFill>
-            <a:schemeClr val="bg2"/>
-          </a:solidFill>
-          <a:ln>
-            <a:noFill/>
-          </a:ln>
-        </p:spPr>
-        <p:style>
-          <a:lnRef idx="2">
-            <a:schemeClr val="accent1">
-              <a:shade val="50000"/>
-            </a:schemeClr>
-          </a:lnRef>
-          <a:fillRef idx="1">
-            <a:schemeClr val="accent1"/>
-          </a:fillRef>
-          <a:effectRef idx="0">
-            <a:schemeClr val="accent1"/>
-          </a:effectRef>
-          <a:fontRef idx="minor">
-            <a:schemeClr val="lt1"/>
-          </a:fontRef>
-        </p:style>
-        <p:txBody>
-          <a:bodyPr rtlCol="0" anchor="ctr"/>
-          <a:lstStyle/>
-          <a:p>
-            <a:pPr algn="ctr"/>
-            <a:endParaRPr lang="en-US"/>
-          </a:p>
-        </p:txBody>
-      </p:sp>
-      <p:sp>
-        <p:nvSpPr>
-          <p:cNvPr id="7" name="Rounded Rectangle 6">
-            <a:extLst>
-              <a:ext uri="{FF2B5EF4-FFF2-40B4-BE49-F238E27FC236}">
-                <a16:creationId xmlns:a16="http://schemas.microsoft.com/office/drawing/2014/main" id="{8FF3037F-A278-AA4A-9D11-02353B58F39D}"/>
-              </a:ext>
-            </a:extLst>
-          </p:cNvPr>
-          <p:cNvSpPr/>
-          <p:nvPr/>
-        </p:nvSpPr>
-        <p:spPr>
-          <a:xfrm>
-            <a:off x="914400" y="4431440"/>
-            <a:ext cx="1404530" cy="497096"/>
-          </a:xfrm>
-          <a:prstGeom prst="roundRect">
-            <a:avLst>
-              <a:gd name="adj" fmla="val 20191"/>
-            </a:avLst>
-          </a:prstGeom>
-          <a:blipFill>
-            <a:blip r:embed="rId3"/>
-            <a:stretch>
-              <a:fillRect/>
-            </a:stretch>
-          </a:blipFill>
-          <a:ln>
-            <a:noFill/>
-          </a:ln>
-        </p:spPr>
-        <p:style>
-          <a:lnRef idx="2">
-            <a:schemeClr val="accent1">
-              <a:shade val="50000"/>
-            </a:schemeClr>
-          </a:lnRef>
-          <a:fillRef idx="1">
-            <a:schemeClr val="accent1"/>
-          </a:fillRef>
-          <a:effectRef idx="0">
-            <a:schemeClr val="accent1"/>
-          </a:effectRef>
-          <a:fontRef idx="minor">
-            <a:schemeClr val="lt1"/>
-          </a:fontRef>
-        </p:style>
-        <p:txBody>
-          <a:bodyPr rtlCol="0" anchor="ctr"/>
-          <a:lstStyle/>
-          <a:p>
-            <a:pPr algn="ctr"/>
-            <a:endParaRPr lang="en-US" dirty="0"/>
-          </a:p>
-        </p:txBody>
-      </p:sp>
-      <p:pic>
-        <p:nvPicPr>
-          <p:cNvPr id="8" name="Picture 7" descr="A picture containing food&#10;&#10;Description automatically generated">
-            <a:extLst>
-              <a:ext uri="{FF2B5EF4-FFF2-40B4-BE49-F238E27FC236}">
-                <a16:creationId xmlns:a16="http://schemas.microsoft.com/office/drawing/2014/main" id="{D002B74B-CBBF-C041-AAF4-1E33F64B4ED8}"/>
-              </a:ext>
-            </a:extLst>
-          </p:cNvPr>
-          <p:cNvPicPr>
-            <a:picLocks noChangeAspect="1"/>
-          </p:cNvPicPr>
-          <p:nvPr/>
-        </p:nvPicPr>
-        <p:blipFill>
-          <a:blip r:embed="rId4" cstate="print">
-            <a:extLst>
-              <a:ext uri="{28A0092B-C50C-407E-A947-70E740481C1C}">
-                <a14:useLocalDpi xmlns:a14="http://schemas.microsoft.com/office/drawing/2010/main" val="0"/>
-              </a:ext>
-            </a:extLst>
-          </a:blip>
-          <a:stretch>
-            <a:fillRect/>
-          </a:stretch>
-        </p:blipFill>
-        <p:spPr>
-          <a:xfrm>
-            <a:off x="251010" y="4493208"/>
-            <a:ext cx="510990" cy="369432"/>
-          </a:xfrm>
-          <a:prstGeom prst="rect">
-            <a:avLst/>
-          </a:prstGeom>
-        </p:spPr>
-      </p:pic>
-      <p:pic>
-        <p:nvPicPr>
-          <p:cNvPr id="9" name="Picture 8" descr="Georgetown Center for Global Health Science and Security — General ...">
-            <a:extLst>
-              <a:ext uri="{FF2B5EF4-FFF2-40B4-BE49-F238E27FC236}">
-                <a16:creationId xmlns:a16="http://schemas.microsoft.com/office/drawing/2014/main" id="{228F922D-67DE-4077-824E-175B84CB789D}"/>
-              </a:ext>
-            </a:extLst>
-          </p:cNvPr>
-          <p:cNvPicPr>
-            <a:picLocks noChangeAspect="1" noChangeArrowheads="1"/>
-          </p:cNvPicPr>
-          <p:nvPr/>
-        </p:nvPicPr>
-        <p:blipFill rotWithShape="1">
-          <a:blip r:embed="rId5" cstate="print">
-            <a:extLst>
-              <a:ext uri="{28A0092B-C50C-407E-A947-70E740481C1C}">
-                <a14:useLocalDpi xmlns:a14="http://schemas.microsoft.com/office/drawing/2010/main" val="0"/>
-              </a:ext>
-            </a:extLst>
-          </a:blip>
-          <a:srcRect t="18343" b="25029"/>
-          <a:stretch/>
-        </p:blipFill>
-        <p:spPr bwMode="auto">
-          <a:xfrm>
-            <a:off x="762000" y="4393515"/>
-            <a:ext cx="1621200" cy="573780"/>
-          </a:xfrm>
-          <a:prstGeom prst="roundRect">
-            <a:avLst/>
-          </a:prstGeom>
-          <a:solidFill>
-            <a:schemeClr val="tx2"/>
-          </a:solidFill>
-        </p:spPr>
-      </p:pic>
     </p:spTree>
     <p:extLst>
       <p:ext uri="{BB962C8B-B14F-4D97-AF65-F5344CB8AC3E}">
@@ -19798,189 +16047,6 @@
           </a:prstGeom>
         </p:spPr>
       </p:pic>
-      <p:sp>
-        <p:nvSpPr>
-          <p:cNvPr id="6" name="Rectangle 5">
-            <a:extLst>
-              <a:ext uri="{FF2B5EF4-FFF2-40B4-BE49-F238E27FC236}">
-                <a16:creationId xmlns:a16="http://schemas.microsoft.com/office/drawing/2014/main" id="{259B328D-6243-3944-8123-B6244BA9F302}"/>
-              </a:ext>
-            </a:extLst>
-          </p:cNvPr>
-          <p:cNvSpPr/>
-          <p:nvPr/>
-        </p:nvSpPr>
-        <p:spPr>
-          <a:xfrm>
-            <a:off x="0" y="4446824"/>
-            <a:ext cx="1524000" cy="556999"/>
-          </a:xfrm>
-          <a:prstGeom prst="rect">
-            <a:avLst/>
-          </a:prstGeom>
-          <a:solidFill>
-            <a:schemeClr val="bg2"/>
-          </a:solidFill>
-          <a:ln>
-            <a:noFill/>
-          </a:ln>
-        </p:spPr>
-        <p:style>
-          <a:lnRef idx="2">
-            <a:schemeClr val="accent1">
-              <a:shade val="50000"/>
-            </a:schemeClr>
-          </a:lnRef>
-          <a:fillRef idx="1">
-            <a:schemeClr val="accent1"/>
-          </a:fillRef>
-          <a:effectRef idx="0">
-            <a:schemeClr val="accent1"/>
-          </a:effectRef>
-          <a:fontRef idx="minor">
-            <a:schemeClr val="lt1"/>
-          </a:fontRef>
-        </p:style>
-        <p:txBody>
-          <a:bodyPr rtlCol="0" anchor="ctr"/>
-          <a:lstStyle/>
-          <a:p>
-            <a:pPr algn="ctr"/>
-            <a:endParaRPr lang="en-US"/>
-          </a:p>
-        </p:txBody>
-      </p:sp>
-      <p:sp>
-        <p:nvSpPr>
-          <p:cNvPr id="7" name="Rounded Rectangle 6">
-            <a:extLst>
-              <a:ext uri="{FF2B5EF4-FFF2-40B4-BE49-F238E27FC236}">
-                <a16:creationId xmlns:a16="http://schemas.microsoft.com/office/drawing/2014/main" id="{7E43BB9D-3C98-E840-AAB0-CDB83E990CBA}"/>
-              </a:ext>
-            </a:extLst>
-          </p:cNvPr>
-          <p:cNvSpPr/>
-          <p:nvPr/>
-        </p:nvSpPr>
-        <p:spPr>
-          <a:xfrm>
-            <a:off x="914400" y="4431440"/>
-            <a:ext cx="1404530" cy="497096"/>
-          </a:xfrm>
-          <a:prstGeom prst="roundRect">
-            <a:avLst>
-              <a:gd name="adj" fmla="val 20191"/>
-            </a:avLst>
-          </a:prstGeom>
-          <a:blipFill>
-            <a:blip r:embed="rId4"/>
-            <a:stretch>
-              <a:fillRect/>
-            </a:stretch>
-          </a:blipFill>
-          <a:ln>
-            <a:noFill/>
-          </a:ln>
-        </p:spPr>
-        <p:style>
-          <a:lnRef idx="2">
-            <a:schemeClr val="accent1">
-              <a:shade val="50000"/>
-            </a:schemeClr>
-          </a:lnRef>
-          <a:fillRef idx="1">
-            <a:schemeClr val="accent1"/>
-          </a:fillRef>
-          <a:effectRef idx="0">
-            <a:schemeClr val="accent1"/>
-          </a:effectRef>
-          <a:fontRef idx="minor">
-            <a:schemeClr val="lt1"/>
-          </a:fontRef>
-        </p:style>
-        <p:txBody>
-          <a:bodyPr rtlCol="0" anchor="ctr"/>
-          <a:lstStyle/>
-          <a:p>
-            <a:pPr algn="ctr"/>
-            <a:endParaRPr lang="en-US" dirty="0"/>
-          </a:p>
-        </p:txBody>
-      </p:sp>
-      <p:pic>
-        <p:nvPicPr>
-          <p:cNvPr id="9" name="Picture 8" descr="A picture containing food&#10;&#10;Description automatically generated">
-            <a:extLst>
-              <a:ext uri="{FF2B5EF4-FFF2-40B4-BE49-F238E27FC236}">
-                <a16:creationId xmlns:a16="http://schemas.microsoft.com/office/drawing/2014/main" id="{FEA98CF5-082D-7441-8E79-E7F75E00C4D5}"/>
-              </a:ext>
-            </a:extLst>
-          </p:cNvPr>
-          <p:cNvPicPr>
-            <a:picLocks noChangeAspect="1"/>
-          </p:cNvPicPr>
-          <p:nvPr/>
-        </p:nvPicPr>
-        <p:blipFill>
-          <a:blip r:embed="rId5" cstate="print">
-            <a:extLst>
-              <a:ext uri="{28A0092B-C50C-407E-A947-70E740481C1C}">
-                <a14:useLocalDpi xmlns:a14="http://schemas.microsoft.com/office/drawing/2010/main" val="0"/>
-              </a:ext>
-            </a:extLst>
-          </a:blip>
-          <a:stretch>
-            <a:fillRect/>
-          </a:stretch>
-        </p:blipFill>
-        <p:spPr>
-          <a:xfrm>
-            <a:off x="251010" y="4493208"/>
-            <a:ext cx="510990" cy="369432"/>
-          </a:xfrm>
-          <a:prstGeom prst="rect">
-            <a:avLst/>
-          </a:prstGeom>
-        </p:spPr>
-      </p:pic>
-      <p:pic>
-        <p:nvPicPr>
-          <p:cNvPr id="10" name="Picture 9" descr="Georgetown Center for Global Health Science and Security — General ...">
-            <a:extLst>
-              <a:ext uri="{FF2B5EF4-FFF2-40B4-BE49-F238E27FC236}">
-                <a16:creationId xmlns:a16="http://schemas.microsoft.com/office/drawing/2014/main" id="{CB1D3CE8-B030-4126-BD05-D283A8578600}"/>
-              </a:ext>
-            </a:extLst>
-          </p:cNvPr>
-          <p:cNvPicPr>
-            <a:picLocks noChangeAspect="1" noChangeArrowheads="1"/>
-          </p:cNvPicPr>
-          <p:nvPr/>
-        </p:nvPicPr>
-        <p:blipFill rotWithShape="1">
-          <a:blip r:embed="rId6" cstate="print">
-            <a:extLst>
-              <a:ext uri="{28A0092B-C50C-407E-A947-70E740481C1C}">
-                <a14:useLocalDpi xmlns:a14="http://schemas.microsoft.com/office/drawing/2010/main" val="0"/>
-              </a:ext>
-            </a:extLst>
-          </a:blip>
-          <a:srcRect t="18343" b="25029"/>
-          <a:stretch/>
-        </p:blipFill>
-        <p:spPr bwMode="auto">
-          <a:xfrm>
-            <a:off x="762000" y="4393515"/>
-            <a:ext cx="1621200" cy="573780"/>
-          </a:xfrm>
-          <a:prstGeom prst="roundRect">
-            <a:avLst/>
-          </a:prstGeom>
-          <a:solidFill>
-            <a:schemeClr val="tx2"/>
-          </a:solidFill>
-        </p:spPr>
-      </p:pic>
     </p:spTree>
     <p:extLst>
       <p:ext uri="{BB962C8B-B14F-4D97-AF65-F5344CB8AC3E}">
@@ -20112,195 +16178,12 @@
         </p:blipFill>
         <p:spPr>
           <a:xfrm>
-            <a:off x="2150806" y="1884059"/>
-            <a:ext cx="4842387" cy="2616504"/>
+            <a:off x="2300644" y="1929161"/>
+            <a:ext cx="4542712" cy="2454580"/>
           </a:xfrm>
           <a:prstGeom prst="rect">
             <a:avLst/>
           </a:prstGeom>
-        </p:spPr>
-      </p:pic>
-      <p:sp>
-        <p:nvSpPr>
-          <p:cNvPr id="6" name="Rectangle 5">
-            <a:extLst>
-              <a:ext uri="{FF2B5EF4-FFF2-40B4-BE49-F238E27FC236}">
-                <a16:creationId xmlns:a16="http://schemas.microsoft.com/office/drawing/2014/main" id="{9DCFE4EE-0D40-7342-8028-57D0B0CA08C7}"/>
-              </a:ext>
-            </a:extLst>
-          </p:cNvPr>
-          <p:cNvSpPr/>
-          <p:nvPr/>
-        </p:nvSpPr>
-        <p:spPr>
-          <a:xfrm>
-            <a:off x="0" y="4446824"/>
-            <a:ext cx="1524000" cy="556999"/>
-          </a:xfrm>
-          <a:prstGeom prst="rect">
-            <a:avLst/>
-          </a:prstGeom>
-          <a:solidFill>
-            <a:schemeClr val="bg2"/>
-          </a:solidFill>
-          <a:ln>
-            <a:noFill/>
-          </a:ln>
-        </p:spPr>
-        <p:style>
-          <a:lnRef idx="2">
-            <a:schemeClr val="accent1">
-              <a:shade val="50000"/>
-            </a:schemeClr>
-          </a:lnRef>
-          <a:fillRef idx="1">
-            <a:schemeClr val="accent1"/>
-          </a:fillRef>
-          <a:effectRef idx="0">
-            <a:schemeClr val="accent1"/>
-          </a:effectRef>
-          <a:fontRef idx="minor">
-            <a:schemeClr val="lt1"/>
-          </a:fontRef>
-        </p:style>
-        <p:txBody>
-          <a:bodyPr rtlCol="0" anchor="ctr"/>
-          <a:lstStyle/>
-          <a:p>
-            <a:pPr algn="ctr"/>
-            <a:endParaRPr lang="en-US"/>
-          </a:p>
-        </p:txBody>
-      </p:sp>
-      <p:sp>
-        <p:nvSpPr>
-          <p:cNvPr id="7" name="Rounded Rectangle 6">
-            <a:extLst>
-              <a:ext uri="{FF2B5EF4-FFF2-40B4-BE49-F238E27FC236}">
-                <a16:creationId xmlns:a16="http://schemas.microsoft.com/office/drawing/2014/main" id="{E344D385-B8A4-0D45-B1E0-5C983DBF744C}"/>
-              </a:ext>
-            </a:extLst>
-          </p:cNvPr>
-          <p:cNvSpPr/>
-          <p:nvPr/>
-        </p:nvSpPr>
-        <p:spPr>
-          <a:xfrm>
-            <a:off x="914400" y="4431440"/>
-            <a:ext cx="1404530" cy="497096"/>
-          </a:xfrm>
-          <a:prstGeom prst="roundRect">
-            <a:avLst>
-              <a:gd name="adj" fmla="val 20191"/>
-            </a:avLst>
-          </a:prstGeom>
-          <a:blipFill>
-            <a:blip r:embed="rId4"/>
-            <a:stretch>
-              <a:fillRect/>
-            </a:stretch>
-          </a:blipFill>
-          <a:ln>
-            <a:noFill/>
-          </a:ln>
-        </p:spPr>
-        <p:style>
-          <a:lnRef idx="2">
-            <a:schemeClr val="accent1">
-              <a:shade val="50000"/>
-            </a:schemeClr>
-          </a:lnRef>
-          <a:fillRef idx="1">
-            <a:schemeClr val="accent1"/>
-          </a:fillRef>
-          <a:effectRef idx="0">
-            <a:schemeClr val="accent1"/>
-          </a:effectRef>
-          <a:fontRef idx="minor">
-            <a:schemeClr val="lt1"/>
-          </a:fontRef>
-        </p:style>
-        <p:txBody>
-          <a:bodyPr rtlCol="0" anchor="ctr"/>
-          <a:lstStyle/>
-          <a:p>
-            <a:pPr algn="ctr"/>
-            <a:endParaRPr lang="en-US" dirty="0"/>
-          </a:p>
-        </p:txBody>
-      </p:sp>
-      <p:pic>
-        <p:nvPicPr>
-          <p:cNvPr id="8" name="Picture 7" descr="A picture containing food&#10;&#10;Description automatically generated">
-            <a:extLst>
-              <a:ext uri="{FF2B5EF4-FFF2-40B4-BE49-F238E27FC236}">
-                <a16:creationId xmlns:a16="http://schemas.microsoft.com/office/drawing/2014/main" id="{7A466F7B-F9D8-0448-A52E-72B20B6B87C4}"/>
-              </a:ext>
-            </a:extLst>
-          </p:cNvPr>
-          <p:cNvPicPr>
-            <a:picLocks noChangeAspect="1"/>
-          </p:cNvPicPr>
-          <p:nvPr/>
-        </p:nvPicPr>
-        <p:blipFill>
-          <a:blip r:embed="rId5" cstate="print">
-            <a:extLst>
-              <a:ext uri="{28A0092B-C50C-407E-A947-70E740481C1C}">
-                <a14:useLocalDpi xmlns:a14="http://schemas.microsoft.com/office/drawing/2010/main" val="0"/>
-              </a:ext>
-            </a:extLst>
-          </a:blip>
-          <a:stretch>
-            <a:fillRect/>
-          </a:stretch>
-        </p:blipFill>
-        <p:spPr>
-          <a:xfrm>
-            <a:off x="251010" y="4493208"/>
-            <a:ext cx="510990" cy="369432"/>
-          </a:xfrm>
-          <a:prstGeom prst="rect">
-            <a:avLst/>
-          </a:prstGeom>
-        </p:spPr>
-      </p:pic>
-      <p:pic>
-        <p:nvPicPr>
-          <p:cNvPr id="9" name="Picture 8" descr="Georgetown Center for Global Health Science and Security — General ...">
-            <a:extLst>
-              <a:ext uri="{FF2B5EF4-FFF2-40B4-BE49-F238E27FC236}">
-                <a16:creationId xmlns:a16="http://schemas.microsoft.com/office/drawing/2014/main" id="{70AC3FD9-D41A-42A3-BE1F-A4205F56858A}"/>
-              </a:ext>
-            </a:extLst>
-          </p:cNvPr>
-          <p:cNvPicPr>
-            <a:picLocks noChangeAspect="1" noChangeArrowheads="1"/>
-          </p:cNvPicPr>
-          <p:nvPr/>
-        </p:nvPicPr>
-        <p:blipFill rotWithShape="1">
-          <a:blip r:embed="rId6" cstate="print">
-            <a:extLst>
-              <a:ext uri="{28A0092B-C50C-407E-A947-70E740481C1C}">
-                <a14:useLocalDpi xmlns:a14="http://schemas.microsoft.com/office/drawing/2010/main" val="0"/>
-              </a:ext>
-            </a:extLst>
-          </a:blip>
-          <a:srcRect t="18343" b="25029"/>
-          <a:stretch/>
-        </p:blipFill>
-        <p:spPr bwMode="auto">
-          <a:xfrm>
-            <a:off x="762000" y="4393515"/>
-            <a:ext cx="1621200" cy="573780"/>
-          </a:xfrm>
-          <a:prstGeom prst="roundRect">
-            <a:avLst/>
-          </a:prstGeom>
-          <a:solidFill>
-            <a:schemeClr val="tx2"/>
-          </a:solidFill>
         </p:spPr>
       </p:pic>
     </p:spTree>
@@ -20508,151 +16391,6 @@
           </a:p>
         </p:txBody>
       </p:sp>
-      <p:sp>
-        <p:nvSpPr>
-          <p:cNvPr id="5" name="Rectangle 4">
-            <a:extLst>
-              <a:ext uri="{FF2B5EF4-FFF2-40B4-BE49-F238E27FC236}">
-                <a16:creationId xmlns:a16="http://schemas.microsoft.com/office/drawing/2014/main" id="{42D617CB-2F94-204F-A085-3753D4A8622E}"/>
-              </a:ext>
-            </a:extLst>
-          </p:cNvPr>
-          <p:cNvSpPr/>
-          <p:nvPr/>
-        </p:nvSpPr>
-        <p:spPr>
-          <a:xfrm>
-            <a:off x="0" y="4446824"/>
-            <a:ext cx="1524000" cy="556999"/>
-          </a:xfrm>
-          <a:prstGeom prst="rect">
-            <a:avLst/>
-          </a:prstGeom>
-          <a:solidFill>
-            <a:schemeClr val="bg2"/>
-          </a:solidFill>
-          <a:ln>
-            <a:noFill/>
-          </a:ln>
-        </p:spPr>
-        <p:style>
-          <a:lnRef idx="2">
-            <a:schemeClr val="accent1">
-              <a:shade val="50000"/>
-            </a:schemeClr>
-          </a:lnRef>
-          <a:fillRef idx="1">
-            <a:schemeClr val="accent1"/>
-          </a:fillRef>
-          <a:effectRef idx="0">
-            <a:schemeClr val="accent1"/>
-          </a:effectRef>
-          <a:fontRef idx="minor">
-            <a:schemeClr val="lt1"/>
-          </a:fontRef>
-        </p:style>
-        <p:txBody>
-          <a:bodyPr rtlCol="0" anchor="ctr"/>
-          <a:lstStyle/>
-          <a:p>
-            <a:pPr algn="ctr"/>
-            <a:endParaRPr lang="en-US"/>
-          </a:p>
-        </p:txBody>
-      </p:sp>
-      <p:sp>
-        <p:nvSpPr>
-          <p:cNvPr id="6" name="Rounded Rectangle 5">
-            <a:extLst>
-              <a:ext uri="{FF2B5EF4-FFF2-40B4-BE49-F238E27FC236}">
-                <a16:creationId xmlns:a16="http://schemas.microsoft.com/office/drawing/2014/main" id="{A94395F9-2834-FF42-AAF4-3ACFAB01248D}"/>
-              </a:ext>
-            </a:extLst>
-          </p:cNvPr>
-          <p:cNvSpPr/>
-          <p:nvPr/>
-        </p:nvSpPr>
-        <p:spPr>
-          <a:xfrm>
-            <a:off x="914400" y="4431440"/>
-            <a:ext cx="1404530" cy="497096"/>
-          </a:xfrm>
-          <a:prstGeom prst="roundRect">
-            <a:avLst>
-              <a:gd name="adj" fmla="val 20191"/>
-            </a:avLst>
-          </a:prstGeom>
-          <a:blipFill>
-            <a:blip r:embed="rId3"/>
-            <a:stretch>
-              <a:fillRect/>
-            </a:stretch>
-          </a:blipFill>
-          <a:ln>
-            <a:noFill/>
-          </a:ln>
-        </p:spPr>
-        <p:style>
-          <a:lnRef idx="2">
-            <a:schemeClr val="accent1">
-              <a:shade val="50000"/>
-            </a:schemeClr>
-          </a:lnRef>
-          <a:fillRef idx="1">
-            <a:schemeClr val="accent1"/>
-          </a:fillRef>
-          <a:effectRef idx="0">
-            <a:schemeClr val="accent1"/>
-          </a:effectRef>
-          <a:fontRef idx="minor">
-            <a:schemeClr val="lt1"/>
-          </a:fontRef>
-        </p:style>
-        <p:txBody>
-          <a:bodyPr rtlCol="0" anchor="ctr"/>
-          <a:lstStyle/>
-          <a:p>
-            <a:pPr algn="ctr"/>
-            <a:endParaRPr lang="en-US" dirty="0"/>
-          </a:p>
-        </p:txBody>
-      </p:sp>
-      <p:pic>
-        <p:nvPicPr>
-          <p:cNvPr id="7" name="Picture 6" descr="A picture containing food&#10;&#10;Description automatically generated">
-            <a:extLst>
-              <a:ext uri="{FF2B5EF4-FFF2-40B4-BE49-F238E27FC236}">
-                <a16:creationId xmlns:a16="http://schemas.microsoft.com/office/drawing/2014/main" id="{EF1C3916-31D4-504D-929E-8FAE2B7F35FC}"/>
-              </a:ext>
-            </a:extLst>
-          </p:cNvPr>
-          <p:cNvPicPr>
-            <a:picLocks noChangeAspect="1"/>
-          </p:cNvPicPr>
-          <p:nvPr/>
-        </p:nvPicPr>
-        <p:blipFill>
-          <a:blip r:embed="rId4" cstate="print">
-            <a:extLst>
-              <a:ext uri="{28A0092B-C50C-407E-A947-70E740481C1C}">
-                <a14:useLocalDpi xmlns:a14="http://schemas.microsoft.com/office/drawing/2010/main" val="0"/>
-              </a:ext>
-            </a:extLst>
-          </a:blip>
-          <a:stretch>
-            <a:fillRect/>
-          </a:stretch>
-        </p:blipFill>
-        <p:spPr>
-          <a:xfrm>
-            <a:off x="251010" y="4493208"/>
-            <a:ext cx="510990" cy="369432"/>
-          </a:xfrm>
-          <a:prstGeom prst="rect">
-            <a:avLst/>
-          </a:prstGeom>
-        </p:spPr>
-      </p:pic>
       <p:pic>
         <p:nvPicPr>
           <p:cNvPr id="4" name="Picture 3" descr="A group of people standing in a room&#10;&#10;Description automatically generated">
@@ -20668,7 +16406,7 @@
           <p:nvPr/>
         </p:nvPicPr>
         <p:blipFill>
-          <a:blip r:embed="rId5" cstate="print">
+          <a:blip r:embed="rId3" cstate="print">
             <a:extLst>
               <a:ext uri="{28A0092B-C50C-407E-A947-70E740481C1C}">
                 <a14:useLocalDpi xmlns:a14="http://schemas.microsoft.com/office/drawing/2010/main" val="0"/>
@@ -20724,7 +16462,7 @@
                 </a:solidFill>
                 <a:latin typeface="Calibri" panose="020F0502020204030204" pitchFamily="34" charset="0"/>
                 <a:cs typeface="Calibri" panose="020F0502020204030204" pitchFamily="34" charset="0"/>
-                <a:hlinkClick r:id="rId6"/>
+                <a:hlinkClick r:id="rId4"/>
               </a:rPr>
               <a:t>John Rohrer/ U.S. Air National Guard</a:t>
             </a:r>
@@ -20741,44 +16479,6 @@
           </a:p>
         </p:txBody>
       </p:sp>
-      <p:pic>
-        <p:nvPicPr>
-          <p:cNvPr id="10" name="Picture 9" descr="Georgetown Center for Global Health Science and Security — General ...">
-            <a:extLst>
-              <a:ext uri="{FF2B5EF4-FFF2-40B4-BE49-F238E27FC236}">
-                <a16:creationId xmlns:a16="http://schemas.microsoft.com/office/drawing/2014/main" id="{4220D99B-8B17-4968-9496-17E5ACF48318}"/>
-              </a:ext>
-            </a:extLst>
-          </p:cNvPr>
-          <p:cNvPicPr>
-            <a:picLocks noChangeAspect="1" noChangeArrowheads="1"/>
-          </p:cNvPicPr>
-          <p:nvPr/>
-        </p:nvPicPr>
-        <p:blipFill rotWithShape="1">
-          <a:blip r:embed="rId7" cstate="print">
-            <a:extLst>
-              <a:ext uri="{28A0092B-C50C-407E-A947-70E740481C1C}">
-                <a14:useLocalDpi xmlns:a14="http://schemas.microsoft.com/office/drawing/2010/main" val="0"/>
-              </a:ext>
-            </a:extLst>
-          </a:blip>
-          <a:srcRect t="18343" b="25029"/>
-          <a:stretch/>
-        </p:blipFill>
-        <p:spPr bwMode="auto">
-          <a:xfrm>
-            <a:off x="762000" y="4393515"/>
-            <a:ext cx="1621200" cy="573780"/>
-          </a:xfrm>
-          <a:prstGeom prst="roundRect">
-            <a:avLst/>
-          </a:prstGeom>
-          <a:solidFill>
-            <a:schemeClr val="tx2"/>
-          </a:solidFill>
-        </p:spPr>
-      </p:pic>
     </p:spTree>
     <p:extLst>
       <p:ext uri="{BB962C8B-B14F-4D97-AF65-F5344CB8AC3E}">
@@ -20868,176 +16568,6 @@
           <a:prstGeom prst="rect">
             <a:avLst/>
           </a:prstGeom>
-        </p:spPr>
-      </p:pic>
-      <p:sp>
-        <p:nvSpPr>
-          <p:cNvPr id="10" name="Rectangle 9">
-            <a:extLst>
-              <a:ext uri="{FF2B5EF4-FFF2-40B4-BE49-F238E27FC236}">
-                <a16:creationId xmlns:a16="http://schemas.microsoft.com/office/drawing/2014/main" id="{563A7687-5829-104F-8A14-79F6C457AD35}"/>
-              </a:ext>
-            </a:extLst>
-          </p:cNvPr>
-          <p:cNvSpPr/>
-          <p:nvPr/>
-        </p:nvSpPr>
-        <p:spPr>
-          <a:xfrm>
-            <a:off x="0" y="4171950"/>
-            <a:ext cx="1524000" cy="971550"/>
-          </a:xfrm>
-          <a:prstGeom prst="rect">
-            <a:avLst/>
-          </a:prstGeom>
-          <a:solidFill>
-            <a:srgbClr val="326A71"/>
-          </a:solidFill>
-          <a:ln>
-            <a:noFill/>
-          </a:ln>
-        </p:spPr>
-        <p:style>
-          <a:lnRef idx="2">
-            <a:schemeClr val="accent1">
-              <a:shade val="50000"/>
-            </a:schemeClr>
-          </a:lnRef>
-          <a:fillRef idx="1">
-            <a:schemeClr val="accent1"/>
-          </a:fillRef>
-          <a:effectRef idx="0">
-            <a:schemeClr val="accent1"/>
-          </a:effectRef>
-          <a:fontRef idx="minor">
-            <a:schemeClr val="lt1"/>
-          </a:fontRef>
-        </p:style>
-        <p:txBody>
-          <a:bodyPr rtlCol="0" anchor="ctr"/>
-          <a:lstStyle/>
-          <a:p>
-            <a:pPr algn="ctr"/>
-            <a:endParaRPr lang="en-US"/>
-          </a:p>
-        </p:txBody>
-      </p:sp>
-      <p:pic>
-        <p:nvPicPr>
-          <p:cNvPr id="11" name="Picture 10" descr="A picture containing food&#10;&#10;Description automatically generated">
-            <a:extLst>
-              <a:ext uri="{FF2B5EF4-FFF2-40B4-BE49-F238E27FC236}">
-                <a16:creationId xmlns:a16="http://schemas.microsoft.com/office/drawing/2014/main" id="{0E4D84CB-ADB4-1F40-AFDC-CAD4377469FF}"/>
-              </a:ext>
-            </a:extLst>
-          </p:cNvPr>
-          <p:cNvPicPr>
-            <a:picLocks noChangeAspect="1"/>
-          </p:cNvPicPr>
-          <p:nvPr/>
-        </p:nvPicPr>
-        <p:blipFill rotWithShape="1">
-          <a:blip r:embed="rId4" cstate="print">
-            <a:extLst>
-              <a:ext uri="{28A0092B-C50C-407E-A947-70E740481C1C}">
-                <a14:useLocalDpi xmlns:a14="http://schemas.microsoft.com/office/drawing/2010/main" val="0"/>
-              </a:ext>
-            </a:extLst>
-          </a:blip>
-          <a:srcRect r="3390" b="19294"/>
-          <a:stretch/>
-        </p:blipFill>
-        <p:spPr>
-          <a:xfrm>
-            <a:off x="440924" y="4030406"/>
-            <a:ext cx="996875" cy="602071"/>
-          </a:xfrm>
-          <a:prstGeom prst="rect">
-            <a:avLst/>
-          </a:prstGeom>
-        </p:spPr>
-      </p:pic>
-      <p:pic>
-        <p:nvPicPr>
-          <p:cNvPr id="12" name="Picture 11">
-            <a:extLst>
-              <a:ext uri="{FF2B5EF4-FFF2-40B4-BE49-F238E27FC236}">
-                <a16:creationId xmlns:a16="http://schemas.microsoft.com/office/drawing/2014/main" id="{607B8364-7783-1849-8F1C-20140167D7BB}"/>
-              </a:ext>
-            </a:extLst>
-          </p:cNvPr>
-          <p:cNvPicPr>
-            <a:picLocks noChangeAspect="1"/>
-          </p:cNvPicPr>
-          <p:nvPr/>
-        </p:nvPicPr>
-        <p:blipFill>
-          <a:blip r:embed="rId5" cstate="print">
-            <a:extLst>
-              <a:ext uri="{BEBA8EAE-BF5A-486C-A8C5-ECC9F3942E4B}">
-                <a14:imgProps xmlns:a14="http://schemas.microsoft.com/office/drawing/2010/main">
-                  <a14:imgLayer r:embed="rId6">
-                    <a14:imgEffect>
-                      <a14:brightnessContrast bright="100000"/>
-                    </a14:imgEffect>
-                  </a14:imgLayer>
-                </a14:imgProps>
-              </a:ext>
-              <a:ext uri="{28A0092B-C50C-407E-A947-70E740481C1C}">
-                <a14:useLocalDpi xmlns:a14="http://schemas.microsoft.com/office/drawing/2010/main" val="0"/>
-              </a:ext>
-            </a:extLst>
-          </a:blip>
-          <a:stretch>
-            <a:fillRect/>
-          </a:stretch>
-        </p:blipFill>
-        <p:spPr>
-          <a:xfrm>
-            <a:off x="440924" y="4646083"/>
-            <a:ext cx="1032012" cy="143709"/>
-          </a:xfrm>
-          <a:prstGeom prst="rect">
-            <a:avLst/>
-          </a:prstGeom>
-        </p:spPr>
-      </p:pic>
-      <p:pic>
-        <p:nvPicPr>
-          <p:cNvPr id="8" name="Picture 7" descr="Georgetown Center for Global Health Science and Security — General ...">
-            <a:extLst>
-              <a:ext uri="{FF2B5EF4-FFF2-40B4-BE49-F238E27FC236}">
-                <a16:creationId xmlns:a16="http://schemas.microsoft.com/office/drawing/2014/main" id="{58A129BA-47BE-40A9-BD78-2ADFA259618C}"/>
-              </a:ext>
-            </a:extLst>
-          </p:cNvPr>
-          <p:cNvPicPr>
-            <a:picLocks noChangeAspect="1" noChangeArrowheads="1"/>
-          </p:cNvPicPr>
-          <p:nvPr/>
-        </p:nvPicPr>
-        <p:blipFill rotWithShape="1">
-          <a:blip r:embed="rId7" cstate="print">
-            <a:extLst>
-              <a:ext uri="{28A0092B-C50C-407E-A947-70E740481C1C}">
-                <a14:useLocalDpi xmlns:a14="http://schemas.microsoft.com/office/drawing/2010/main" val="0"/>
-              </a:ext>
-            </a:extLst>
-          </a:blip>
-          <a:srcRect t="18343" b="25029"/>
-          <a:stretch/>
-        </p:blipFill>
-        <p:spPr bwMode="auto">
-          <a:xfrm>
-            <a:off x="1676400" y="4030406"/>
-            <a:ext cx="1621200" cy="759386"/>
-          </a:xfrm>
-          <a:prstGeom prst="roundRect">
-            <a:avLst/>
-          </a:prstGeom>
-          <a:solidFill>
-            <a:schemeClr val="tx2"/>
-          </a:solidFill>
         </p:spPr>
       </p:pic>
     </p:spTree>
@@ -21496,189 +17026,6 @@
           </a:p>
         </p:txBody>
       </p:sp>
-      <p:sp>
-        <p:nvSpPr>
-          <p:cNvPr id="11" name="Rectangle 10">
-            <a:extLst>
-              <a:ext uri="{FF2B5EF4-FFF2-40B4-BE49-F238E27FC236}">
-                <a16:creationId xmlns:a16="http://schemas.microsoft.com/office/drawing/2014/main" id="{3882DB22-9F60-5F49-A0DE-F7A0038598A0}"/>
-              </a:ext>
-            </a:extLst>
-          </p:cNvPr>
-          <p:cNvSpPr/>
-          <p:nvPr/>
-        </p:nvSpPr>
-        <p:spPr>
-          <a:xfrm>
-            <a:off x="0" y="4446824"/>
-            <a:ext cx="1524000" cy="556999"/>
-          </a:xfrm>
-          <a:prstGeom prst="rect">
-            <a:avLst/>
-          </a:prstGeom>
-          <a:solidFill>
-            <a:schemeClr val="bg2"/>
-          </a:solidFill>
-          <a:ln>
-            <a:noFill/>
-          </a:ln>
-        </p:spPr>
-        <p:style>
-          <a:lnRef idx="2">
-            <a:schemeClr val="accent1">
-              <a:shade val="50000"/>
-            </a:schemeClr>
-          </a:lnRef>
-          <a:fillRef idx="1">
-            <a:schemeClr val="accent1"/>
-          </a:fillRef>
-          <a:effectRef idx="0">
-            <a:schemeClr val="accent1"/>
-          </a:effectRef>
-          <a:fontRef idx="minor">
-            <a:schemeClr val="lt1"/>
-          </a:fontRef>
-        </p:style>
-        <p:txBody>
-          <a:bodyPr rtlCol="0" anchor="ctr"/>
-          <a:lstStyle/>
-          <a:p>
-            <a:pPr algn="ctr"/>
-            <a:endParaRPr lang="en-US"/>
-          </a:p>
-        </p:txBody>
-      </p:sp>
-      <p:sp>
-        <p:nvSpPr>
-          <p:cNvPr id="12" name="Rounded Rectangle 11">
-            <a:extLst>
-              <a:ext uri="{FF2B5EF4-FFF2-40B4-BE49-F238E27FC236}">
-                <a16:creationId xmlns:a16="http://schemas.microsoft.com/office/drawing/2014/main" id="{36DE2ADA-BBAC-E643-90A5-CFA2C702006A}"/>
-              </a:ext>
-            </a:extLst>
-          </p:cNvPr>
-          <p:cNvSpPr/>
-          <p:nvPr/>
-        </p:nvSpPr>
-        <p:spPr>
-          <a:xfrm>
-            <a:off x="914400" y="4431440"/>
-            <a:ext cx="1404530" cy="497096"/>
-          </a:xfrm>
-          <a:prstGeom prst="roundRect">
-            <a:avLst>
-              <a:gd name="adj" fmla="val 20191"/>
-            </a:avLst>
-          </a:prstGeom>
-          <a:blipFill>
-            <a:blip r:embed="rId8"/>
-            <a:stretch>
-              <a:fillRect/>
-            </a:stretch>
-          </a:blipFill>
-          <a:ln>
-            <a:noFill/>
-          </a:ln>
-        </p:spPr>
-        <p:style>
-          <a:lnRef idx="2">
-            <a:schemeClr val="accent1">
-              <a:shade val="50000"/>
-            </a:schemeClr>
-          </a:lnRef>
-          <a:fillRef idx="1">
-            <a:schemeClr val="accent1"/>
-          </a:fillRef>
-          <a:effectRef idx="0">
-            <a:schemeClr val="accent1"/>
-          </a:effectRef>
-          <a:fontRef idx="minor">
-            <a:schemeClr val="lt1"/>
-          </a:fontRef>
-        </p:style>
-        <p:txBody>
-          <a:bodyPr rtlCol="0" anchor="ctr"/>
-          <a:lstStyle/>
-          <a:p>
-            <a:pPr algn="ctr"/>
-            <a:endParaRPr lang="en-US" dirty="0"/>
-          </a:p>
-        </p:txBody>
-      </p:sp>
-      <p:pic>
-        <p:nvPicPr>
-          <p:cNvPr id="13" name="Picture 12" descr="A picture containing food&#10;&#10;Description automatically generated">
-            <a:extLst>
-              <a:ext uri="{FF2B5EF4-FFF2-40B4-BE49-F238E27FC236}">
-                <a16:creationId xmlns:a16="http://schemas.microsoft.com/office/drawing/2014/main" id="{BE0FDEE3-4079-EB45-A23C-6B3F90134205}"/>
-              </a:ext>
-            </a:extLst>
-          </p:cNvPr>
-          <p:cNvPicPr>
-            <a:picLocks noChangeAspect="1"/>
-          </p:cNvPicPr>
-          <p:nvPr/>
-        </p:nvPicPr>
-        <p:blipFill>
-          <a:blip r:embed="rId9" cstate="print">
-            <a:extLst>
-              <a:ext uri="{28A0092B-C50C-407E-A947-70E740481C1C}">
-                <a14:useLocalDpi xmlns:a14="http://schemas.microsoft.com/office/drawing/2010/main" val="0"/>
-              </a:ext>
-            </a:extLst>
-          </a:blip>
-          <a:stretch>
-            <a:fillRect/>
-          </a:stretch>
-        </p:blipFill>
-        <p:spPr>
-          <a:xfrm>
-            <a:off x="251010" y="4493208"/>
-            <a:ext cx="510990" cy="369432"/>
-          </a:xfrm>
-          <a:prstGeom prst="rect">
-            <a:avLst/>
-          </a:prstGeom>
-        </p:spPr>
-      </p:pic>
-      <p:pic>
-        <p:nvPicPr>
-          <p:cNvPr id="14" name="Picture 13" descr="Georgetown Center for Global Health Science and Security — General ...">
-            <a:extLst>
-              <a:ext uri="{FF2B5EF4-FFF2-40B4-BE49-F238E27FC236}">
-                <a16:creationId xmlns:a16="http://schemas.microsoft.com/office/drawing/2014/main" id="{69B63B03-B149-494B-A264-154F54A3AEEC}"/>
-              </a:ext>
-            </a:extLst>
-          </p:cNvPr>
-          <p:cNvPicPr>
-            <a:picLocks noChangeAspect="1" noChangeArrowheads="1"/>
-          </p:cNvPicPr>
-          <p:nvPr/>
-        </p:nvPicPr>
-        <p:blipFill rotWithShape="1">
-          <a:blip r:embed="rId10" cstate="print">
-            <a:extLst>
-              <a:ext uri="{28A0092B-C50C-407E-A947-70E740481C1C}">
-                <a14:useLocalDpi xmlns:a14="http://schemas.microsoft.com/office/drawing/2010/main" val="0"/>
-              </a:ext>
-            </a:extLst>
-          </a:blip>
-          <a:srcRect t="18343" b="25029"/>
-          <a:stretch/>
-        </p:blipFill>
-        <p:spPr bwMode="auto">
-          <a:xfrm>
-            <a:off x="762000" y="4393515"/>
-            <a:ext cx="1621200" cy="573780"/>
-          </a:xfrm>
-          <a:prstGeom prst="roundRect">
-            <a:avLst/>
-          </a:prstGeom>
-          <a:solidFill>
-            <a:schemeClr val="tx2"/>
-          </a:solidFill>
-        </p:spPr>
-      </p:pic>
     </p:spTree>
     <p:extLst>
       <p:ext uri="{BB962C8B-B14F-4D97-AF65-F5344CB8AC3E}">
@@ -21881,189 +17228,6 @@
           </a:p>
         </p:txBody>
       </p:sp>
-      <p:sp>
-        <p:nvSpPr>
-          <p:cNvPr id="6" name="Rectangle 5">
-            <a:extLst>
-              <a:ext uri="{FF2B5EF4-FFF2-40B4-BE49-F238E27FC236}">
-                <a16:creationId xmlns:a16="http://schemas.microsoft.com/office/drawing/2014/main" id="{3DF153D2-64EE-4140-BE14-62C14625551D}"/>
-              </a:ext>
-            </a:extLst>
-          </p:cNvPr>
-          <p:cNvSpPr/>
-          <p:nvPr/>
-        </p:nvSpPr>
-        <p:spPr>
-          <a:xfrm>
-            <a:off x="0" y="4446824"/>
-            <a:ext cx="1524000" cy="556999"/>
-          </a:xfrm>
-          <a:prstGeom prst="rect">
-            <a:avLst/>
-          </a:prstGeom>
-          <a:solidFill>
-            <a:schemeClr val="bg2"/>
-          </a:solidFill>
-          <a:ln>
-            <a:noFill/>
-          </a:ln>
-        </p:spPr>
-        <p:style>
-          <a:lnRef idx="2">
-            <a:schemeClr val="accent1">
-              <a:shade val="50000"/>
-            </a:schemeClr>
-          </a:lnRef>
-          <a:fillRef idx="1">
-            <a:schemeClr val="accent1"/>
-          </a:fillRef>
-          <a:effectRef idx="0">
-            <a:schemeClr val="accent1"/>
-          </a:effectRef>
-          <a:fontRef idx="minor">
-            <a:schemeClr val="lt1"/>
-          </a:fontRef>
-        </p:style>
-        <p:txBody>
-          <a:bodyPr rtlCol="0" anchor="ctr"/>
-          <a:lstStyle/>
-          <a:p>
-            <a:pPr algn="ctr"/>
-            <a:endParaRPr lang="en-US"/>
-          </a:p>
-        </p:txBody>
-      </p:sp>
-      <p:sp>
-        <p:nvSpPr>
-          <p:cNvPr id="7" name="Rounded Rectangle 6">
-            <a:extLst>
-              <a:ext uri="{FF2B5EF4-FFF2-40B4-BE49-F238E27FC236}">
-                <a16:creationId xmlns:a16="http://schemas.microsoft.com/office/drawing/2014/main" id="{2421E238-5B3F-E344-BD6E-D469AEFF2188}"/>
-              </a:ext>
-            </a:extLst>
-          </p:cNvPr>
-          <p:cNvSpPr/>
-          <p:nvPr/>
-        </p:nvSpPr>
-        <p:spPr>
-          <a:xfrm>
-            <a:off x="914400" y="4431440"/>
-            <a:ext cx="1404530" cy="497096"/>
-          </a:xfrm>
-          <a:prstGeom prst="roundRect">
-            <a:avLst>
-              <a:gd name="adj" fmla="val 20191"/>
-            </a:avLst>
-          </a:prstGeom>
-          <a:blipFill>
-            <a:blip r:embed="rId3"/>
-            <a:stretch>
-              <a:fillRect/>
-            </a:stretch>
-          </a:blipFill>
-          <a:ln>
-            <a:noFill/>
-          </a:ln>
-        </p:spPr>
-        <p:style>
-          <a:lnRef idx="2">
-            <a:schemeClr val="accent1">
-              <a:shade val="50000"/>
-            </a:schemeClr>
-          </a:lnRef>
-          <a:fillRef idx="1">
-            <a:schemeClr val="accent1"/>
-          </a:fillRef>
-          <a:effectRef idx="0">
-            <a:schemeClr val="accent1"/>
-          </a:effectRef>
-          <a:fontRef idx="minor">
-            <a:schemeClr val="lt1"/>
-          </a:fontRef>
-        </p:style>
-        <p:txBody>
-          <a:bodyPr rtlCol="0" anchor="ctr"/>
-          <a:lstStyle/>
-          <a:p>
-            <a:pPr algn="ctr"/>
-            <a:endParaRPr lang="en-US" dirty="0"/>
-          </a:p>
-        </p:txBody>
-      </p:sp>
-      <p:pic>
-        <p:nvPicPr>
-          <p:cNvPr id="8" name="Picture 7" descr="A picture containing food&#10;&#10;Description automatically generated">
-            <a:extLst>
-              <a:ext uri="{FF2B5EF4-FFF2-40B4-BE49-F238E27FC236}">
-                <a16:creationId xmlns:a16="http://schemas.microsoft.com/office/drawing/2014/main" id="{2F508AFC-6CC0-5541-BFFD-D6AC3F1D9364}"/>
-              </a:ext>
-            </a:extLst>
-          </p:cNvPr>
-          <p:cNvPicPr>
-            <a:picLocks noChangeAspect="1"/>
-          </p:cNvPicPr>
-          <p:nvPr/>
-        </p:nvPicPr>
-        <p:blipFill>
-          <a:blip r:embed="rId4" cstate="print">
-            <a:extLst>
-              <a:ext uri="{28A0092B-C50C-407E-A947-70E740481C1C}">
-                <a14:useLocalDpi xmlns:a14="http://schemas.microsoft.com/office/drawing/2010/main" val="0"/>
-              </a:ext>
-            </a:extLst>
-          </a:blip>
-          <a:stretch>
-            <a:fillRect/>
-          </a:stretch>
-        </p:blipFill>
-        <p:spPr>
-          <a:xfrm>
-            <a:off x="251010" y="4493208"/>
-            <a:ext cx="510990" cy="369432"/>
-          </a:xfrm>
-          <a:prstGeom prst="rect">
-            <a:avLst/>
-          </a:prstGeom>
-        </p:spPr>
-      </p:pic>
-      <p:pic>
-        <p:nvPicPr>
-          <p:cNvPr id="9" name="Picture 8" descr="Georgetown Center for Global Health Science and Security — General ...">
-            <a:extLst>
-              <a:ext uri="{FF2B5EF4-FFF2-40B4-BE49-F238E27FC236}">
-                <a16:creationId xmlns:a16="http://schemas.microsoft.com/office/drawing/2014/main" id="{2391240D-49AA-4602-985E-47D71F8A30B6}"/>
-              </a:ext>
-            </a:extLst>
-          </p:cNvPr>
-          <p:cNvPicPr>
-            <a:picLocks noChangeAspect="1" noChangeArrowheads="1"/>
-          </p:cNvPicPr>
-          <p:nvPr/>
-        </p:nvPicPr>
-        <p:blipFill rotWithShape="1">
-          <a:blip r:embed="rId5" cstate="print">
-            <a:extLst>
-              <a:ext uri="{28A0092B-C50C-407E-A947-70E740481C1C}">
-                <a14:useLocalDpi xmlns:a14="http://schemas.microsoft.com/office/drawing/2010/main" val="0"/>
-              </a:ext>
-            </a:extLst>
-          </a:blip>
-          <a:srcRect t="18343" b="25029"/>
-          <a:stretch/>
-        </p:blipFill>
-        <p:spPr bwMode="auto">
-          <a:xfrm>
-            <a:off x="762000" y="4393515"/>
-            <a:ext cx="1621200" cy="573780"/>
-          </a:xfrm>
-          <a:prstGeom prst="roundRect">
-            <a:avLst/>
-          </a:prstGeom>
-          <a:solidFill>
-            <a:schemeClr val="tx2"/>
-          </a:solidFill>
-        </p:spPr>
-      </p:pic>
     </p:spTree>
     <p:extLst>
       <p:ext uri="{BB962C8B-B14F-4D97-AF65-F5344CB8AC3E}">
@@ -22632,15 +17796,6 @@
 </file>
 
 <file path=customXml/item2.xml><?xml version="1.0" encoding="utf-8"?>
-<?mso-contentType ?>
-<FormTemplates xmlns="http://schemas.microsoft.com/sharepoint/v3/contenttype/forms">
-  <Display>DocumentLibraryForm</Display>
-  <Edit>DocumentLibraryForm</Edit>
-  <New>DocumentLibraryForm</New>
-</FormTemplates>
-</file>
-
-<file path=customXml/item3.xml><?xml version="1.0" encoding="utf-8"?>
 <ct:contentTypeSchema xmlns:ct="http://schemas.microsoft.com/office/2006/metadata/contentType" xmlns:ma="http://schemas.microsoft.com/office/2006/metadata/properties/metaAttributes" ct:_="" ma:_="" ma:contentTypeName="Document" ma:contentTypeID="0x010100BB263BB87ED693489DF545C68D111AB5" ma:contentTypeVersion="19" ma:contentTypeDescription="Create a new document." ma:contentTypeScope="" ma:versionID="0a0c5dcb93ec546cb01c133f618cb45b">
   <xsd:schema xmlns:xsd="http://www.w3.org/2001/XMLSchema" xmlns:xs="http://www.w3.org/2001/XMLSchema" xmlns:p="http://schemas.microsoft.com/office/2006/metadata/properties" xmlns:ns1="http://schemas.microsoft.com/sharepoint/v3" xmlns:ns2="52ff0146-47b4-4d51-8c1c-03266fcd63a2" xmlns:ns3="cd03f174-a395-49eb-8ee9-8d943e22f40d" targetNamespace="http://schemas.microsoft.com/office/2006/metadata/properties" ma:root="true" ma:fieldsID="9adb54431f74084fbff2d7affc8261f9" ns1:_="" ns2:_="" ns3:_="">
     <xsd:import namespace="http://schemas.microsoft.com/sharepoint/v3"/>
@@ -22929,6 +18084,15 @@
 </ct:contentTypeSchema>
 </file>
 
+<file path=customXml/item3.xml><?xml version="1.0" encoding="utf-8"?>
+<?mso-contentType ?>
+<FormTemplates xmlns="http://schemas.microsoft.com/sharepoint/v3/contenttype/forms">
+  <Display>DocumentLibraryForm</Display>
+  <Edit>DocumentLibraryForm</Edit>
+  <New>DocumentLibraryForm</New>
+</FormTemplates>
+</file>
+
 <file path=customXml/itemProps1.xml><?xml version="1.0" encoding="utf-8"?>
 <ds:datastoreItem xmlns:ds="http://schemas.openxmlformats.org/officeDocument/2006/customXml" ds:itemID="{9C1EED69-1140-472C-A4CE-95899EB62831}">
   <ds:schemaRefs>
@@ -22948,14 +18112,6 @@
 </file>
 
 <file path=customXml/itemProps2.xml><?xml version="1.0" encoding="utf-8"?>
-<ds:datastoreItem xmlns:ds="http://schemas.openxmlformats.org/officeDocument/2006/customXml" ds:itemID="{C1F9774B-38D7-4BDE-8639-79D86975ED61}">
-  <ds:schemaRefs>
-    <ds:schemaRef ds:uri="http://schemas.microsoft.com/sharepoint/v3/contenttype/forms"/>
-  </ds:schemaRefs>
-</ds:datastoreItem>
-</file>
-
-<file path=customXml/itemProps3.xml><?xml version="1.0" encoding="utf-8"?>
 <ds:datastoreItem xmlns:ds="http://schemas.openxmlformats.org/officeDocument/2006/customXml" ds:itemID="{E2F7F637-52FE-4BCF-88BE-EE6CC4282677}">
   <ds:schemaRefs>
     <ds:schemaRef ds:uri="http://schemas.microsoft.com/office/2006/metadata/contentType"/>
@@ -22973,4 +18129,12 @@
     <ds:schemaRef ds:uri="http://schemas.microsoft.com/internal/obd"/>
   </ds:schemaRefs>
 </ds:datastoreItem>
+</file>
+
+<file path=customXml/itemProps3.xml><?xml version="1.0" encoding="utf-8"?>
+<ds:datastoreItem xmlns:ds="http://schemas.openxmlformats.org/officeDocument/2006/customXml" ds:itemID="{C1F9774B-38D7-4BDE-8639-79D86975ED61}">
+  <ds:schemaRefs>
+    <ds:schemaRef ds:uri="http://schemas.microsoft.com/sharepoint/v3/contenttype/forms"/>
+  </ds:schemaRefs>
+</ds:datastoreItem>
 </file>